--- a/Лекции/ОПД/ОПД_2024_МансуровРР/Лекции/ОПД 1 лекция.pptx
+++ b/Лекции/ОПД/ОПД_2024_МансуровРР/Лекции/ОПД 1 лекция.pptx
@@ -17,10 +17,7 @@
     <p:sldId id="266" r:id="rId11"/>
     <p:sldId id="267" r:id="rId12"/>
     <p:sldId id="268" r:id="rId13"/>
-    <p:sldId id="269" r:id="rId14"/>
-    <p:sldId id="270" r:id="rId15"/>
-    <p:sldId id="271" r:id="rId16"/>
-    <p:sldId id="272" r:id="rId17"/>
+    <p:sldId id="272" r:id="rId14"/>
   </p:sldIdLst>
   <p:sldSz cx="12192000" cy="6858000"/>
   <p:notesSz cx="6858000" cy="9144000"/>
@@ -319,7 +316,7 @@
           <a:p>
             <a:fld id="{5B106E36-FD25-4E2D-B0AA-010F637433A0}" type="datetimeFigureOut">
               <a:rPr lang="ru-RU" smtClean="0"/>
-              <a:t>06.02.2024</a:t>
+              <a:t>07.02.2024</a:t>
             </a:fld>
             <a:endParaRPr lang="ru-RU"/>
           </a:p>
@@ -484,7 +481,7 @@
           <a:p>
             <a:fld id="{5B106E36-FD25-4E2D-B0AA-010F637433A0}" type="datetimeFigureOut">
               <a:rPr lang="ru-RU" smtClean="0"/>
-              <a:t>06.02.2024</a:t>
+              <a:t>07.02.2024</a:t>
             </a:fld>
             <a:endParaRPr lang="ru-RU"/>
           </a:p>
@@ -659,7 +656,7 @@
           <a:p>
             <a:fld id="{5B106E36-FD25-4E2D-B0AA-010F637433A0}" type="datetimeFigureOut">
               <a:rPr lang="ru-RU" smtClean="0"/>
-              <a:t>06.02.2024</a:t>
+              <a:t>07.02.2024</a:t>
             </a:fld>
             <a:endParaRPr lang="ru-RU"/>
           </a:p>
@@ -824,7 +821,7 @@
           <a:p>
             <a:fld id="{5B106E36-FD25-4E2D-B0AA-010F637433A0}" type="datetimeFigureOut">
               <a:rPr lang="ru-RU" smtClean="0"/>
-              <a:t>06.02.2024</a:t>
+              <a:t>07.02.2024</a:t>
             </a:fld>
             <a:endParaRPr lang="ru-RU"/>
           </a:p>
@@ -1065,7 +1062,7 @@
           <a:p>
             <a:fld id="{5B106E36-FD25-4E2D-B0AA-010F637433A0}" type="datetimeFigureOut">
               <a:rPr lang="ru-RU" smtClean="0"/>
-              <a:t>06.02.2024</a:t>
+              <a:t>07.02.2024</a:t>
             </a:fld>
             <a:endParaRPr lang="ru-RU"/>
           </a:p>
@@ -1348,7 +1345,7 @@
           <a:p>
             <a:fld id="{5B106E36-FD25-4E2D-B0AA-010F637433A0}" type="datetimeFigureOut">
               <a:rPr lang="ru-RU" smtClean="0"/>
-              <a:t>06.02.2024</a:t>
+              <a:t>07.02.2024</a:t>
             </a:fld>
             <a:endParaRPr lang="ru-RU"/>
           </a:p>
@@ -1765,7 +1762,7 @@
           <a:p>
             <a:fld id="{5B106E36-FD25-4E2D-B0AA-010F637433A0}" type="datetimeFigureOut">
               <a:rPr lang="ru-RU" smtClean="0"/>
-              <a:t>06.02.2024</a:t>
+              <a:t>07.02.2024</a:t>
             </a:fld>
             <a:endParaRPr lang="ru-RU"/>
           </a:p>
@@ -1878,7 +1875,7 @@
           <a:p>
             <a:fld id="{5B106E36-FD25-4E2D-B0AA-010F637433A0}" type="datetimeFigureOut">
               <a:rPr lang="ru-RU" smtClean="0"/>
-              <a:t>06.02.2024</a:t>
+              <a:t>07.02.2024</a:t>
             </a:fld>
             <a:endParaRPr lang="ru-RU"/>
           </a:p>
@@ -1968,7 +1965,7 @@
           <a:p>
             <a:fld id="{5B106E36-FD25-4E2D-B0AA-010F637433A0}" type="datetimeFigureOut">
               <a:rPr lang="ru-RU" smtClean="0"/>
-              <a:t>06.02.2024</a:t>
+              <a:t>07.02.2024</a:t>
             </a:fld>
             <a:endParaRPr lang="ru-RU"/>
           </a:p>
@@ -2240,7 +2237,7 @@
           <a:p>
             <a:fld id="{5B106E36-FD25-4E2D-B0AA-010F637433A0}" type="datetimeFigureOut">
               <a:rPr lang="ru-RU" smtClean="0"/>
-              <a:t>06.02.2024</a:t>
+              <a:t>07.02.2024</a:t>
             </a:fld>
             <a:endParaRPr lang="ru-RU"/>
           </a:p>
@@ -2488,7 +2485,7 @@
           <a:p>
             <a:fld id="{5B106E36-FD25-4E2D-B0AA-010F637433A0}" type="datetimeFigureOut">
               <a:rPr lang="ru-RU" smtClean="0"/>
-              <a:t>06.02.2024</a:t>
+              <a:t>07.02.2024</a:t>
             </a:fld>
             <a:endParaRPr lang="ru-RU"/>
           </a:p>
@@ -2696,7 +2693,7 @@
           <a:p>
             <a:fld id="{5B106E36-FD25-4E2D-B0AA-010F637433A0}" type="datetimeFigureOut">
               <a:rPr lang="ru-RU" smtClean="0"/>
-              <a:t>06.02.2024</a:t>
+              <a:t>07.02.2024</a:t>
             </a:fld>
             <a:endParaRPr lang="ru-RU"/>
           </a:p>
@@ -3429,8 +3426,8 @@
         </p:nvSpPr>
         <p:spPr>
           <a:xfrm>
-            <a:off x="119336" y="1296323"/>
-            <a:ext cx="11809312" cy="4455005"/>
+            <a:off x="119336" y="836428"/>
+            <a:ext cx="11809312" cy="260469"/>
           </a:xfrm>
         </p:spPr>
         <p:txBody>
@@ -3445,246 +3442,19 @@
                 <a:latin typeface="Times New Roman" panose="02020603050405020304" pitchFamily="18" charset="0"/>
                 <a:cs typeface="Times New Roman" panose="02020603050405020304" pitchFamily="18" charset="0"/>
               </a:rPr>
-              <a:t>Проект </a:t>
-            </a:r>
-            <a:r>
-              <a:rPr lang="ru-RU" sz="1600" dirty="0">
-                <a:latin typeface="Times New Roman" panose="02020603050405020304" pitchFamily="18" charset="0"/>
-                <a:cs typeface="Times New Roman" panose="02020603050405020304" pitchFamily="18" charset="0"/>
-              </a:rPr>
-              <a:t>(англ. </a:t>
-            </a:r>
-            <a:r>
-              <a:rPr lang="ru-RU" sz="1600" dirty="0" err="1">
-                <a:latin typeface="Times New Roman" panose="02020603050405020304" pitchFamily="18" charset="0"/>
-                <a:cs typeface="Times New Roman" panose="02020603050405020304" pitchFamily="18" charset="0"/>
-              </a:rPr>
-              <a:t>design</a:t>
-            </a:r>
-            <a:r>
-              <a:rPr lang="ru-RU" sz="1600" dirty="0">
-                <a:latin typeface="Times New Roman" panose="02020603050405020304" pitchFamily="18" charset="0"/>
-                <a:cs typeface="Times New Roman" panose="02020603050405020304" pitchFamily="18" charset="0"/>
-              </a:rPr>
-              <a:t>) – это работы, планы, мероприятия и другие задачи, направленные на создание уникального продукта (устройства, работы, услуги). </a:t>
-            </a:r>
-            <a:br>
-              <a:rPr lang="ru-RU" sz="1600" dirty="0">
-                <a:latin typeface="Times New Roman" panose="02020603050405020304" pitchFamily="18" charset="0"/>
-                <a:cs typeface="Times New Roman" panose="02020603050405020304" pitchFamily="18" charset="0"/>
-              </a:rPr>
-            </a:br>
-            <a:r>
-              <a:rPr lang="ru-RU" sz="1600" dirty="0">
-                <a:latin typeface="Times New Roman" panose="02020603050405020304" pitchFamily="18" charset="0"/>
-                <a:cs typeface="Times New Roman" panose="02020603050405020304" pitchFamily="18" charset="0"/>
-              </a:rPr>
-              <a:t/>
-            </a:r>
-            <a:br>
-              <a:rPr lang="ru-RU" sz="1600" dirty="0">
-                <a:latin typeface="Times New Roman" panose="02020603050405020304" pitchFamily="18" charset="0"/>
-                <a:cs typeface="Times New Roman" panose="02020603050405020304" pitchFamily="18" charset="0"/>
-              </a:rPr>
-            </a:br>
-            <a:r>
-              <a:rPr lang="ru-RU" sz="1600" b="1" dirty="0">
-                <a:latin typeface="Times New Roman" panose="02020603050405020304" pitchFamily="18" charset="0"/>
-                <a:cs typeface="Times New Roman" panose="02020603050405020304" pitchFamily="18" charset="0"/>
-              </a:rPr>
-              <a:t>Проектная деятельность – </a:t>
-            </a:r>
-            <a:r>
-              <a:rPr lang="ru-RU" sz="1600" dirty="0">
-                <a:latin typeface="Times New Roman" panose="02020603050405020304" pitchFamily="18" charset="0"/>
-                <a:cs typeface="Times New Roman" panose="02020603050405020304" pitchFamily="18" charset="0"/>
-              </a:rPr>
-              <a:t>это совокупность действий, направленных на решение конкретной задачи в рамках проекта, ограниченного целевой установкой, сроками и достигнутыми результатами (или продуктами). </a:t>
-            </a:r>
-            <a:br>
-              <a:rPr lang="ru-RU" sz="1600" dirty="0">
-                <a:latin typeface="Times New Roman" panose="02020603050405020304" pitchFamily="18" charset="0"/>
-                <a:cs typeface="Times New Roman" panose="02020603050405020304" pitchFamily="18" charset="0"/>
-              </a:rPr>
-            </a:br>
-            <a:r>
-              <a:rPr lang="ru-RU" sz="1600" dirty="0">
-                <a:latin typeface="Times New Roman" panose="02020603050405020304" pitchFamily="18" charset="0"/>
-                <a:cs typeface="Times New Roman" panose="02020603050405020304" pitchFamily="18" charset="0"/>
-              </a:rPr>
-              <a:t/>
-            </a:r>
-            <a:br>
-              <a:rPr lang="ru-RU" sz="1600" dirty="0">
-                <a:latin typeface="Times New Roman" panose="02020603050405020304" pitchFamily="18" charset="0"/>
-                <a:cs typeface="Times New Roman" panose="02020603050405020304" pitchFamily="18" charset="0"/>
-              </a:rPr>
-            </a:br>
-            <a:r>
-              <a:rPr lang="ru-RU" sz="1600" b="1" dirty="0">
-                <a:latin typeface="Times New Roman" panose="02020603050405020304" pitchFamily="18" charset="0"/>
-                <a:cs typeface="Times New Roman" panose="02020603050405020304" pitchFamily="18" charset="0"/>
-              </a:rPr>
-              <a:t>Проблема </a:t>
-            </a:r>
-            <a:r>
-              <a:rPr lang="ru-RU" sz="1600" dirty="0">
-                <a:latin typeface="Times New Roman" panose="02020603050405020304" pitchFamily="18" charset="0"/>
-                <a:cs typeface="Times New Roman" panose="02020603050405020304" pitchFamily="18" charset="0"/>
-              </a:rPr>
-              <a:t>– это сложный вопрос, требующий решения (расстояние между состояниями «Хочу» и «Могу»). </a:t>
-            </a:r>
-            <a:br>
-              <a:rPr lang="ru-RU" sz="1600" dirty="0">
-                <a:latin typeface="Times New Roman" panose="02020603050405020304" pitchFamily="18" charset="0"/>
-                <a:cs typeface="Times New Roman" panose="02020603050405020304" pitchFamily="18" charset="0"/>
-              </a:rPr>
-            </a:br>
-            <a:r>
-              <a:rPr lang="ru-RU" sz="1600" dirty="0">
-                <a:latin typeface="Times New Roman" panose="02020603050405020304" pitchFamily="18" charset="0"/>
-                <a:cs typeface="Times New Roman" panose="02020603050405020304" pitchFamily="18" charset="0"/>
-              </a:rPr>
-              <a:t/>
-            </a:r>
-            <a:br>
-              <a:rPr lang="ru-RU" sz="1600" dirty="0">
-                <a:latin typeface="Times New Roman" panose="02020603050405020304" pitchFamily="18" charset="0"/>
-                <a:cs typeface="Times New Roman" panose="02020603050405020304" pitchFamily="18" charset="0"/>
-              </a:rPr>
-            </a:br>
-            <a:r>
-              <a:rPr lang="ru-RU" sz="1600" b="1" dirty="0">
-                <a:latin typeface="Times New Roman" panose="02020603050405020304" pitchFamily="18" charset="0"/>
-                <a:cs typeface="Times New Roman" panose="02020603050405020304" pitchFamily="18" charset="0"/>
-              </a:rPr>
-              <a:t>Идея </a:t>
-            </a:r>
-            <a:r>
-              <a:rPr lang="ru-RU" sz="1600" dirty="0">
-                <a:latin typeface="Times New Roman" panose="02020603050405020304" pitchFamily="18" charset="0"/>
-                <a:cs typeface="Times New Roman" panose="02020603050405020304" pitchFamily="18" charset="0"/>
-              </a:rPr>
-              <a:t>– это мысль, переходящая в действие. В данном случае идея должна быть уникальной для той среды, в которой планируется реализация проекта. </a:t>
-            </a:r>
-            <a:br>
-              <a:rPr lang="ru-RU" sz="1600" dirty="0">
-                <a:latin typeface="Times New Roman" panose="02020603050405020304" pitchFamily="18" charset="0"/>
-                <a:cs typeface="Times New Roman" panose="02020603050405020304" pitchFamily="18" charset="0"/>
-              </a:rPr>
-            </a:br>
-            <a:r>
-              <a:rPr lang="ru-RU" sz="1600" dirty="0">
-                <a:latin typeface="Times New Roman" panose="02020603050405020304" pitchFamily="18" charset="0"/>
-                <a:cs typeface="Times New Roman" panose="02020603050405020304" pitchFamily="18" charset="0"/>
-              </a:rPr>
-              <a:t/>
-            </a:r>
-            <a:br>
-              <a:rPr lang="ru-RU" sz="1600" dirty="0">
-                <a:latin typeface="Times New Roman" panose="02020603050405020304" pitchFamily="18" charset="0"/>
-                <a:cs typeface="Times New Roman" panose="02020603050405020304" pitchFamily="18" charset="0"/>
-              </a:rPr>
-            </a:br>
-            <a:r>
-              <a:rPr lang="ru-RU" sz="1600" b="1" dirty="0">
-                <a:latin typeface="Times New Roman" panose="02020603050405020304" pitchFamily="18" charset="0"/>
-                <a:cs typeface="Times New Roman" panose="02020603050405020304" pitchFamily="18" charset="0"/>
-              </a:rPr>
-              <a:t>Субъекты проектирования </a:t>
-            </a:r>
-            <a:r>
-              <a:rPr lang="ru-RU" sz="1600" dirty="0">
-                <a:latin typeface="Times New Roman" panose="02020603050405020304" pitchFamily="18" charset="0"/>
-                <a:cs typeface="Times New Roman" panose="02020603050405020304" pitchFamily="18" charset="0"/>
-              </a:rPr>
-              <a:t>– отдельные личности или организации, коллективы, социальные институты, ставящие своей целью преобразование действительности. </a:t>
-            </a:r>
-            <a:br>
-              <a:rPr lang="ru-RU" sz="1600" dirty="0">
-                <a:latin typeface="Times New Roman" panose="02020603050405020304" pitchFamily="18" charset="0"/>
-                <a:cs typeface="Times New Roman" panose="02020603050405020304" pitchFamily="18" charset="0"/>
-              </a:rPr>
-            </a:br>
-            <a:r>
-              <a:rPr lang="ru-RU" sz="1600" dirty="0">
-                <a:latin typeface="Times New Roman" panose="02020603050405020304" pitchFamily="18" charset="0"/>
-                <a:cs typeface="Times New Roman" panose="02020603050405020304" pitchFamily="18" charset="0"/>
-              </a:rPr>
-              <a:t/>
-            </a:r>
-            <a:br>
-              <a:rPr lang="ru-RU" sz="1600" dirty="0">
-                <a:latin typeface="Times New Roman" panose="02020603050405020304" pitchFamily="18" charset="0"/>
-                <a:cs typeface="Times New Roman" panose="02020603050405020304" pitchFamily="18" charset="0"/>
-              </a:rPr>
-            </a:br>
-            <a:r>
-              <a:rPr lang="ru-RU" sz="1600" b="1" dirty="0">
-                <a:latin typeface="Times New Roman" panose="02020603050405020304" pitchFamily="18" charset="0"/>
-                <a:cs typeface="Times New Roman" panose="02020603050405020304" pitchFamily="18" charset="0"/>
-              </a:rPr>
-              <a:t>Объекты проектирования</a:t>
-            </a:r>
-            <a:r>
-              <a:rPr lang="ru-RU" sz="1600" dirty="0">
-                <a:latin typeface="Times New Roman" panose="02020603050405020304" pitchFamily="18" charset="0"/>
-                <a:cs typeface="Times New Roman" panose="02020603050405020304" pitchFamily="18" charset="0"/>
-              </a:rPr>
-              <a:t>: </a:t>
-            </a:r>
-            <a:br>
-              <a:rPr lang="ru-RU" sz="1600" dirty="0">
-                <a:latin typeface="Times New Roman" panose="02020603050405020304" pitchFamily="18" charset="0"/>
-                <a:cs typeface="Times New Roman" panose="02020603050405020304" pitchFamily="18" charset="0"/>
-              </a:rPr>
-            </a:br>
-            <a:r>
-              <a:rPr lang="ru-RU" sz="1600" dirty="0">
-                <a:latin typeface="Times New Roman" panose="02020603050405020304" pitchFamily="18" charset="0"/>
-                <a:cs typeface="Times New Roman" panose="02020603050405020304" pitchFamily="18" charset="0"/>
-              </a:rPr>
-              <a:t/>
-            </a:r>
-            <a:br>
-              <a:rPr lang="ru-RU" sz="1600" dirty="0">
-                <a:latin typeface="Times New Roman" panose="02020603050405020304" pitchFamily="18" charset="0"/>
-                <a:cs typeface="Times New Roman" panose="02020603050405020304" pitchFamily="18" charset="0"/>
-              </a:rPr>
-            </a:br>
-            <a:r>
-              <a:rPr lang="ru-RU" sz="1600" dirty="0">
-                <a:latin typeface="Times New Roman" panose="02020603050405020304" pitchFamily="18" charset="0"/>
-                <a:cs typeface="Times New Roman" panose="02020603050405020304" pitchFamily="18" charset="0"/>
-              </a:rPr>
-              <a:t>1) объекты материальной природы (например, объектом проектирования может быть создание новой точки общественного питания или создание новых элементов компьютера); в результате реализации проекта появляется новый объект, вещь, предмет; вместе с тем проектироваться могут новые свойства – назначения и функции старой вещи; подобные объекты чаще связаны с техническим проектированием; </a:t>
-            </a:r>
-            <a:br>
-              <a:rPr lang="ru-RU" sz="1600" dirty="0">
-                <a:latin typeface="Times New Roman" panose="02020603050405020304" pitchFamily="18" charset="0"/>
-                <a:cs typeface="Times New Roman" panose="02020603050405020304" pitchFamily="18" charset="0"/>
-              </a:rPr>
-            </a:br>
-            <a:r>
-              <a:rPr lang="ru-RU" sz="1600" dirty="0">
-                <a:latin typeface="Times New Roman" panose="02020603050405020304" pitchFamily="18" charset="0"/>
-                <a:cs typeface="Times New Roman" panose="02020603050405020304" pitchFamily="18" charset="0"/>
-              </a:rPr>
-              <a:t/>
-            </a:r>
-            <a:br>
-              <a:rPr lang="ru-RU" sz="1600" dirty="0">
-                <a:latin typeface="Times New Roman" panose="02020603050405020304" pitchFamily="18" charset="0"/>
-                <a:cs typeface="Times New Roman" panose="02020603050405020304" pitchFamily="18" charset="0"/>
-              </a:rPr>
-            </a:br>
-            <a:r>
-              <a:rPr lang="ru-RU" sz="1600" dirty="0">
-                <a:latin typeface="Times New Roman" panose="02020603050405020304" pitchFamily="18" charset="0"/>
-                <a:cs typeface="Times New Roman" panose="02020603050405020304" pitchFamily="18" charset="0"/>
-              </a:rPr>
-              <a:t>2) нематериальные (не вещные) свойства и отношения (например, есть такие проекты, которые направлены не на достижение материального результата, а на получение информации о клиентах, изменение нашего отношения к той или иной проблеме).</a:t>
-            </a:r>
+              <a:t>Дерево целей </a:t>
+            </a:r>
+            <a:r>
+              <a:rPr lang="ru-RU" sz="1600" dirty="0">
+                <a:latin typeface="Times New Roman" panose="02020603050405020304" pitchFamily="18" charset="0"/>
+                <a:cs typeface="Times New Roman" panose="02020603050405020304" pitchFamily="18" charset="0"/>
+              </a:rPr>
+              <a:t>— методика постановки целей и ее декомпозиция на задачи, которые делятся на еще более простые шаги. В результате человек приходит к конкретному списку действий, приводящих к достижению замысла. Получается графическая схема, напоминающая дерево, во главе которой находится глобальная цель.</a:t>
+            </a:r>
+            <a:endParaRPr lang="ru-RU" sz="1600" dirty="0">
+              <a:latin typeface="Times New Roman" panose="02020603050405020304" pitchFamily="18" charset="0"/>
+              <a:cs typeface="Times New Roman" panose="02020603050405020304" pitchFamily="18" charset="0"/>
+            </a:endParaRPr>
           </a:p>
         </p:txBody>
       </p:sp>
@@ -3712,10 +3482,10 @@
           <a:p>
             <a:pPr algn="ctr"/>
             <a:r>
-              <a:rPr lang="ru-RU" sz="2100" dirty="0" smtClean="0">
+              <a:rPr lang="ru-RU" sz="2100" dirty="0">
                 <a:latin typeface="Bookman Old Style" panose="02050604050505020204" pitchFamily="18" charset="0"/>
               </a:rPr>
-              <a:t>Основные определения</a:t>
+              <a:t>Структурные составляющие проекта</a:t>
             </a:r>
             <a:endParaRPr lang="ru-RU" sz="2100" dirty="0">
               <a:latin typeface="Bookman Old Style" panose="02050604050505020204" pitchFamily="18" charset="0"/>
@@ -3852,7 +3622,7 @@
           <a:p>
             <a:pPr algn="ctr"/>
             <a:fld id="{C16716D8-33A6-4CD7-92A8-E4A7CF52C18D}" type="slidenum">
-              <a:rPr lang="ru-RU">
+              <a:rPr lang="ru-RU" smtClean="0">
                 <a:solidFill>
                   <a:schemeClr val="accent1">
                     <a:lumMod val="75000"/>
@@ -3864,13 +3634,13 @@
               <a:t>10</a:t>
             </a:fld>
             <a:r>
-              <a:rPr lang="ru-RU" dirty="0">
+              <a:rPr lang="ru-RU" dirty="0" smtClean="0">
                 <a:latin typeface="Bookman Old Style" panose="02050604050505020204" pitchFamily="18" charset="0"/>
               </a:rPr>
               <a:t>/</a:t>
             </a:r>
             <a:r>
-              <a:rPr lang="ru-RU" dirty="0">
+              <a:rPr lang="ru-RU" dirty="0" smtClean="0">
                 <a:solidFill>
                   <a:schemeClr val="tx2">
                     <a:lumMod val="50000"/>
@@ -3878,8 +3648,16 @@
                 </a:solidFill>
                 <a:latin typeface="Bookman Old Style" panose="02050604050505020204" pitchFamily="18" charset="0"/>
               </a:rPr>
-              <a:t>15</a:t>
-            </a:r>
+              <a:t>13</a:t>
+            </a:r>
+            <a:endParaRPr lang="ru-RU" dirty="0">
+              <a:solidFill>
+                <a:schemeClr val="tx2">
+                  <a:lumMod val="50000"/>
+                </a:schemeClr>
+              </a:solidFill>
+              <a:latin typeface="Bookman Old Style" panose="02050604050505020204" pitchFamily="18" charset="0"/>
+            </a:endParaRPr>
           </a:p>
         </p:txBody>
       </p:sp>
@@ -3923,6 +3701,90 @@
             </a:r>
             <a:endParaRPr lang="ru-RU" sz="1500" dirty="0">
               <a:latin typeface="Bookman Old Style" panose="02050604050505020204" pitchFamily="18" charset="0"/>
+            </a:endParaRPr>
+          </a:p>
+        </p:txBody>
+      </p:sp>
+      <p:pic>
+        <p:nvPicPr>
+          <p:cNvPr id="4098" name="Picture 2" descr="Дерево целей: ставим цели по уму - Лайфхакер"/>
+          <p:cNvPicPr>
+            <a:picLocks noChangeAspect="1" noChangeArrowheads="1"/>
+          </p:cNvPicPr>
+          <p:nvPr/>
+        </p:nvPicPr>
+        <p:blipFill>
+          <a:blip r:embed="rId2">
+            <a:extLst>
+              <a:ext uri="{28A0092B-C50C-407E-A947-70E740481C1C}">
+                <a14:useLocalDpi xmlns:a14="http://schemas.microsoft.com/office/drawing/2010/main" val="0"/>
+              </a:ext>
+            </a:extLst>
+          </a:blip>
+          <a:srcRect/>
+          <a:stretch>
+            <a:fillRect/>
+          </a:stretch>
+        </p:blipFill>
+        <p:spPr bwMode="auto">
+          <a:xfrm>
+            <a:off x="3287688" y="1635175"/>
+            <a:ext cx="5616624" cy="3383190"/>
+          </a:xfrm>
+          <a:prstGeom prst="rect">
+            <a:avLst/>
+          </a:prstGeom>
+          <a:noFill/>
+          <a:extLst>
+            <a:ext uri="{909E8E84-426E-40DD-AFC4-6F175D3DCCD1}">
+              <a14:hiddenFill xmlns:a14="http://schemas.microsoft.com/office/drawing/2010/main">
+                <a:solidFill>
+                  <a:srgbClr val="FFFFFF"/>
+                </a:solidFill>
+              </a14:hiddenFill>
+            </a:ext>
+          </a:extLst>
+        </p:spPr>
+      </p:pic>
+      <p:sp>
+        <p:nvSpPr>
+          <p:cNvPr id="11" name="Прямоугольник 10"/>
+          <p:cNvSpPr/>
+          <p:nvPr/>
+        </p:nvSpPr>
+        <p:spPr>
+          <a:xfrm>
+            <a:off x="3359696" y="4798552"/>
+            <a:ext cx="5663952" cy="338554"/>
+          </a:xfrm>
+          <a:prstGeom prst="rect">
+            <a:avLst/>
+          </a:prstGeom>
+        </p:spPr>
+        <p:txBody>
+          <a:bodyPr wrap="square">
+            <a:spAutoFit/>
+          </a:bodyPr>
+          <a:lstStyle/>
+          <a:p>
+            <a:pPr algn="ctr"/>
+            <a:r>
+              <a:rPr lang="ru-RU" sz="1600" i="1" dirty="0" smtClean="0">
+                <a:latin typeface="Times New Roman" panose="02020603050405020304" pitchFamily="18" charset="0"/>
+                <a:cs typeface="Times New Roman" panose="02020603050405020304" pitchFamily="18" charset="0"/>
+              </a:rPr>
+              <a:t>Рис. 5 </a:t>
+            </a:r>
+            <a:r>
+              <a:rPr lang="ru-RU" sz="1600" dirty="0" smtClean="0">
+                <a:latin typeface="Times New Roman" panose="02020603050405020304" pitchFamily="18" charset="0"/>
+                <a:cs typeface="Times New Roman" panose="02020603050405020304" pitchFamily="18" charset="0"/>
+              </a:rPr>
+              <a:t>–  Пример дерева целей</a:t>
+            </a:r>
+            <a:endParaRPr lang="ru-RU" sz="1600" dirty="0">
+              <a:latin typeface="Times New Roman" panose="02020603050405020304" pitchFamily="18" charset="0"/>
+              <a:cs typeface="Times New Roman" panose="02020603050405020304" pitchFamily="18" charset="0"/>
             </a:endParaRPr>
           </a:p>
         </p:txBody>
@@ -3976,8 +3838,8 @@
         </p:nvSpPr>
         <p:spPr>
           <a:xfrm>
-            <a:off x="119336" y="1296323"/>
-            <a:ext cx="11809312" cy="4455005"/>
+            <a:off x="3795" y="1241085"/>
+            <a:ext cx="7153250" cy="4564179"/>
           </a:xfrm>
         </p:spPr>
         <p:txBody>
@@ -3992,7 +3854,270 @@
                 <a:latin typeface="Times New Roman" panose="02020603050405020304" pitchFamily="18" charset="0"/>
                 <a:cs typeface="Times New Roman" panose="02020603050405020304" pitchFamily="18" charset="0"/>
               </a:rPr>
-              <a:t>Проект </a:t>
+              <a:t>Программа</a:t>
+            </a:r>
+            <a:r>
+              <a:rPr lang="ru-RU" sz="1600" dirty="0">
+                <a:latin typeface="Times New Roman" panose="02020603050405020304" pitchFamily="18" charset="0"/>
+                <a:cs typeface="Times New Roman" panose="02020603050405020304" pitchFamily="18" charset="0"/>
+              </a:rPr>
+              <a:t> – это совокупность проектов и различных мероприятий</a:t>
+            </a:r>
+            <a:r>
+              <a:rPr lang="ru-RU" sz="1600" dirty="0" smtClean="0">
+                <a:latin typeface="Times New Roman" panose="02020603050405020304" pitchFamily="18" charset="0"/>
+                <a:cs typeface="Times New Roman" panose="02020603050405020304" pitchFamily="18" charset="0"/>
+              </a:rPr>
+              <a:t>, объединенных </a:t>
+            </a:r>
+            <a:r>
+              <a:rPr lang="ru-RU" sz="1600" dirty="0">
+                <a:latin typeface="Times New Roman" panose="02020603050405020304" pitchFamily="18" charset="0"/>
+                <a:cs typeface="Times New Roman" panose="02020603050405020304" pitchFamily="18" charset="0"/>
+              </a:rPr>
+              <a:t>общей целью и условиями их выполнения</a:t>
+            </a:r>
+            <a:r>
+              <a:rPr lang="ru-RU" sz="1600" dirty="0" smtClean="0">
+                <a:latin typeface="Times New Roman" panose="02020603050405020304" pitchFamily="18" charset="0"/>
+                <a:cs typeface="Times New Roman" panose="02020603050405020304" pitchFamily="18" charset="0"/>
+              </a:rPr>
+              <a:t>.</a:t>
+            </a:r>
+            <a:br>
+              <a:rPr lang="ru-RU" sz="1600" dirty="0" smtClean="0">
+                <a:latin typeface="Times New Roman" panose="02020603050405020304" pitchFamily="18" charset="0"/>
+                <a:cs typeface="Times New Roman" panose="02020603050405020304" pitchFamily="18" charset="0"/>
+              </a:rPr>
+            </a:br>
+            <a:r>
+              <a:rPr lang="ru-RU" sz="1600" dirty="0">
+                <a:latin typeface="Times New Roman" panose="02020603050405020304" pitchFamily="18" charset="0"/>
+                <a:cs typeface="Times New Roman" panose="02020603050405020304" pitchFamily="18" charset="0"/>
+              </a:rPr>
+              <a:t/>
+            </a:r>
+            <a:br>
+              <a:rPr lang="ru-RU" sz="1600" dirty="0">
+                <a:latin typeface="Times New Roman" panose="02020603050405020304" pitchFamily="18" charset="0"/>
+                <a:cs typeface="Times New Roman" panose="02020603050405020304" pitchFamily="18" charset="0"/>
+              </a:rPr>
+            </a:br>
+            <a:r>
+              <a:rPr lang="ru-RU" sz="1600" b="1" dirty="0">
+                <a:latin typeface="Times New Roman" panose="02020603050405020304" pitchFamily="18" charset="0"/>
+                <a:cs typeface="Times New Roman" panose="02020603050405020304" pitchFamily="18" charset="0"/>
+              </a:rPr>
+              <a:t>Портфель</a:t>
+            </a:r>
+            <a:r>
+              <a:rPr lang="ru-RU" sz="1600" dirty="0">
+                <a:latin typeface="Times New Roman" panose="02020603050405020304" pitchFamily="18" charset="0"/>
+                <a:cs typeface="Times New Roman" panose="02020603050405020304" pitchFamily="18" charset="0"/>
+              </a:rPr>
+              <a:t> – набор проектов или программ, объединенных вместе с целью эффективного управления и достижения стратегических целей, а </a:t>
+            </a:r>
+            <a:r>
+              <a:rPr lang="ru-RU" sz="1600" dirty="0" smtClean="0">
+                <a:latin typeface="Times New Roman" panose="02020603050405020304" pitchFamily="18" charset="0"/>
+                <a:cs typeface="Times New Roman" panose="02020603050405020304" pitchFamily="18" charset="0"/>
+              </a:rPr>
+              <a:t>также деятельность </a:t>
+            </a:r>
+            <a:r>
+              <a:rPr lang="ru-RU" sz="1600" dirty="0">
+                <a:latin typeface="Times New Roman" panose="02020603050405020304" pitchFamily="18" charset="0"/>
+                <a:cs typeface="Times New Roman" panose="02020603050405020304" pitchFamily="18" charset="0"/>
+              </a:rPr>
+              <a:t>по их обеспечению. Проекты, входящие в портфель, как правило, имеют общие ограничения (по срокам, ресурсам, уровню риска</a:t>
+            </a:r>
+            <a:r>
+              <a:rPr lang="ru-RU" sz="1600" dirty="0" smtClean="0">
+                <a:latin typeface="Times New Roman" panose="02020603050405020304" pitchFamily="18" charset="0"/>
+                <a:cs typeface="Times New Roman" panose="02020603050405020304" pitchFamily="18" charset="0"/>
+              </a:rPr>
+              <a:t>).</a:t>
+            </a:r>
+            <a:br>
+              <a:rPr lang="ru-RU" sz="1600" dirty="0" smtClean="0">
+                <a:latin typeface="Times New Roman" panose="02020603050405020304" pitchFamily="18" charset="0"/>
+                <a:cs typeface="Times New Roman" panose="02020603050405020304" pitchFamily="18" charset="0"/>
+              </a:rPr>
+            </a:br>
+            <a:r>
+              <a:rPr lang="ru-RU" sz="1600" dirty="0">
+                <a:latin typeface="Times New Roman" panose="02020603050405020304" pitchFamily="18" charset="0"/>
+                <a:cs typeface="Times New Roman" panose="02020603050405020304" pitchFamily="18" charset="0"/>
+              </a:rPr>
+              <a:t/>
+            </a:r>
+            <a:br>
+              <a:rPr lang="ru-RU" sz="1600" dirty="0">
+                <a:latin typeface="Times New Roman" panose="02020603050405020304" pitchFamily="18" charset="0"/>
+                <a:cs typeface="Times New Roman" panose="02020603050405020304" pitchFamily="18" charset="0"/>
+              </a:rPr>
+            </a:br>
+            <a:r>
+              <a:rPr lang="ru-RU" sz="1600" b="1" dirty="0">
+                <a:latin typeface="Times New Roman" panose="02020603050405020304" pitchFamily="18" charset="0"/>
+                <a:cs typeface="Times New Roman" panose="02020603050405020304" pitchFamily="18" charset="0"/>
+              </a:rPr>
+              <a:t>Окружение проекта </a:t>
+            </a:r>
+            <a:r>
+              <a:rPr lang="ru-RU" sz="1600" dirty="0">
+                <a:latin typeface="Times New Roman" panose="02020603050405020304" pitchFamily="18" charset="0"/>
+                <a:cs typeface="Times New Roman" panose="02020603050405020304" pitchFamily="18" charset="0"/>
+              </a:rPr>
+              <a:t>– сложный комплекс взаимосвязанных отношений, которые постоянно воздействуют на проект по мере его </a:t>
+            </a:r>
+            <a:r>
+              <a:rPr lang="ru-RU" sz="1600" dirty="0" smtClean="0">
+                <a:latin typeface="Times New Roman" panose="02020603050405020304" pitchFamily="18" charset="0"/>
+                <a:cs typeface="Times New Roman" panose="02020603050405020304" pitchFamily="18" charset="0"/>
+              </a:rPr>
+              <a:t>реализации</a:t>
+            </a:r>
+            <a:br>
+              <a:rPr lang="ru-RU" sz="1600" dirty="0" smtClean="0">
+                <a:latin typeface="Times New Roman" panose="02020603050405020304" pitchFamily="18" charset="0"/>
+                <a:cs typeface="Times New Roman" panose="02020603050405020304" pitchFamily="18" charset="0"/>
+              </a:rPr>
+            </a:br>
+            <a:r>
+              <a:rPr lang="ru-RU" sz="1600" dirty="0">
+                <a:latin typeface="Times New Roman" panose="02020603050405020304" pitchFamily="18" charset="0"/>
+                <a:cs typeface="Times New Roman" panose="02020603050405020304" pitchFamily="18" charset="0"/>
+              </a:rPr>
+              <a:t/>
+            </a:r>
+            <a:br>
+              <a:rPr lang="ru-RU" sz="1600" dirty="0">
+                <a:latin typeface="Times New Roman" panose="02020603050405020304" pitchFamily="18" charset="0"/>
+                <a:cs typeface="Times New Roman" panose="02020603050405020304" pitchFamily="18" charset="0"/>
+              </a:rPr>
+            </a:br>
+            <a:r>
+              <a:rPr lang="ru-RU" sz="1600" b="1" dirty="0">
+                <a:latin typeface="Times New Roman" panose="02020603050405020304" pitchFamily="18" charset="0"/>
+                <a:cs typeface="Times New Roman" panose="02020603050405020304" pitchFamily="18" charset="0"/>
+              </a:rPr>
+              <a:t>Жизненный цикл проекта </a:t>
+            </a:r>
+            <a:r>
+              <a:rPr lang="ru-RU" sz="1600" dirty="0">
+                <a:latin typeface="Times New Roman" panose="02020603050405020304" pitchFamily="18" charset="0"/>
+                <a:cs typeface="Times New Roman" panose="02020603050405020304" pitchFamily="18" charset="0"/>
+              </a:rPr>
+              <a:t>– это промежуток времени между </a:t>
+            </a:r>
+            <a:r>
+              <a:rPr lang="ru-RU" sz="1600" dirty="0" smtClean="0">
+                <a:latin typeface="Times New Roman" panose="02020603050405020304" pitchFamily="18" charset="0"/>
+                <a:cs typeface="Times New Roman" panose="02020603050405020304" pitchFamily="18" charset="0"/>
+              </a:rPr>
+              <a:t>моментом появления</a:t>
+            </a:r>
+            <a:r>
+              <a:rPr lang="ru-RU" sz="1600" dirty="0">
+                <a:latin typeface="Times New Roman" panose="02020603050405020304" pitchFamily="18" charset="0"/>
+                <a:cs typeface="Times New Roman" panose="02020603050405020304" pitchFamily="18" charset="0"/>
+              </a:rPr>
+              <a:t>, зарождения проекта и моментом его ликвидации, завершения</a:t>
+            </a:r>
+            <a:r>
+              <a:rPr lang="ru-RU" sz="1600" dirty="0" smtClean="0">
+                <a:latin typeface="Times New Roman" panose="02020603050405020304" pitchFamily="18" charset="0"/>
+                <a:cs typeface="Times New Roman" panose="02020603050405020304" pitchFamily="18" charset="0"/>
+              </a:rPr>
+              <a:t>.</a:t>
+            </a:r>
+            <a:br>
+              <a:rPr lang="ru-RU" sz="1600" dirty="0" smtClean="0">
+                <a:latin typeface="Times New Roman" panose="02020603050405020304" pitchFamily="18" charset="0"/>
+                <a:cs typeface="Times New Roman" panose="02020603050405020304" pitchFamily="18" charset="0"/>
+              </a:rPr>
+            </a:br>
+            <a:r>
+              <a:rPr lang="ru-RU" sz="1600" dirty="0">
+                <a:latin typeface="Times New Roman" panose="02020603050405020304" pitchFamily="18" charset="0"/>
+                <a:cs typeface="Times New Roman" panose="02020603050405020304" pitchFamily="18" charset="0"/>
+              </a:rPr>
+              <a:t/>
+            </a:r>
+            <a:br>
+              <a:rPr lang="ru-RU" sz="1600" dirty="0">
+                <a:latin typeface="Times New Roman" panose="02020603050405020304" pitchFamily="18" charset="0"/>
+                <a:cs typeface="Times New Roman" panose="02020603050405020304" pitchFamily="18" charset="0"/>
+              </a:rPr>
+            </a:br>
+            <a:r>
+              <a:rPr lang="ru-RU" sz="1600" b="1" dirty="0">
+                <a:latin typeface="Times New Roman" panose="02020603050405020304" pitchFamily="18" charset="0"/>
+                <a:cs typeface="Times New Roman" panose="02020603050405020304" pitchFamily="18" charset="0"/>
+              </a:rPr>
+              <a:t>Команда проекта </a:t>
+            </a:r>
+            <a:r>
+              <a:rPr lang="ru-RU" sz="1600" dirty="0">
+                <a:latin typeface="Times New Roman" panose="02020603050405020304" pitchFamily="18" charset="0"/>
+                <a:cs typeface="Times New Roman" panose="02020603050405020304" pitchFamily="18" charset="0"/>
+              </a:rPr>
+              <a:t>– это специальная группа, которая становится самостоятельным участником проекта или входит в состав одного из </a:t>
+            </a:r>
+            <a:r>
+              <a:rPr lang="ru-RU" sz="1600" dirty="0" smtClean="0">
+                <a:latin typeface="Times New Roman" panose="02020603050405020304" pitchFamily="18" charset="0"/>
+                <a:cs typeface="Times New Roman" panose="02020603050405020304" pitchFamily="18" charset="0"/>
+              </a:rPr>
+              <a:t>этих участников </a:t>
+            </a:r>
+            <a:r>
+              <a:rPr lang="ru-RU" sz="1600" dirty="0">
+                <a:latin typeface="Times New Roman" panose="02020603050405020304" pitchFamily="18" charset="0"/>
+                <a:cs typeface="Times New Roman" panose="02020603050405020304" pitchFamily="18" charset="0"/>
+              </a:rPr>
+              <a:t>и осуществляет управление инвестиционным процессом</a:t>
+            </a:r>
+            <a:r>
+              <a:rPr lang="ru-RU" sz="1600" dirty="0" smtClean="0">
+                <a:latin typeface="Times New Roman" panose="02020603050405020304" pitchFamily="18" charset="0"/>
+                <a:cs typeface="Times New Roman" panose="02020603050405020304" pitchFamily="18" charset="0"/>
+              </a:rPr>
+              <a:t>.</a:t>
+            </a:r>
+            <a:br>
+              <a:rPr lang="ru-RU" sz="1600" dirty="0" smtClean="0">
+                <a:latin typeface="Times New Roman" panose="02020603050405020304" pitchFamily="18" charset="0"/>
+                <a:cs typeface="Times New Roman" panose="02020603050405020304" pitchFamily="18" charset="0"/>
+              </a:rPr>
+            </a:br>
+            <a:r>
+              <a:rPr lang="ru-RU" sz="1600" dirty="0">
+                <a:latin typeface="Times New Roman" panose="02020603050405020304" pitchFamily="18" charset="0"/>
+                <a:cs typeface="Times New Roman" panose="02020603050405020304" pitchFamily="18" charset="0"/>
+              </a:rPr>
+              <a:t/>
+            </a:r>
+            <a:br>
+              <a:rPr lang="ru-RU" sz="1600" dirty="0">
+                <a:latin typeface="Times New Roman" panose="02020603050405020304" pitchFamily="18" charset="0"/>
+                <a:cs typeface="Times New Roman" panose="02020603050405020304" pitchFamily="18" charset="0"/>
+              </a:rPr>
+            </a:br>
+            <a:r>
+              <a:rPr lang="ru-RU" sz="1600" b="1" dirty="0" err="1" smtClean="0">
+                <a:latin typeface="Times New Roman" panose="02020603050405020304" pitchFamily="18" charset="0"/>
+                <a:cs typeface="Times New Roman" panose="02020603050405020304" pitchFamily="18" charset="0"/>
+              </a:rPr>
+              <a:t>Стейкхо́лдер</a:t>
+            </a:r>
+            <a:r>
+              <a:rPr lang="ru-RU" sz="1600" b="1" dirty="0" smtClean="0">
+                <a:latin typeface="Times New Roman" panose="02020603050405020304" pitchFamily="18" charset="0"/>
+                <a:cs typeface="Times New Roman" panose="02020603050405020304" pitchFamily="18" charset="0"/>
+              </a:rPr>
+              <a:t> </a:t>
             </a:r>
             <a:r>
               <a:rPr lang="ru-RU" sz="1600" dirty="0">
@@ -4006,14 +4131,28 @@
                 <a:latin typeface="Times New Roman" panose="02020603050405020304" pitchFamily="18" charset="0"/>
                 <a:cs typeface="Times New Roman" panose="02020603050405020304" pitchFamily="18" charset="0"/>
               </a:rPr>
-              <a:t>design</a:t>
-            </a:r>
-            <a:r>
-              <a:rPr lang="ru-RU" sz="1600" dirty="0">
-                <a:latin typeface="Times New Roman" panose="02020603050405020304" pitchFamily="18" charset="0"/>
-                <a:cs typeface="Times New Roman" panose="02020603050405020304" pitchFamily="18" charset="0"/>
-              </a:rPr>
-              <a:t>) – это работы, планы, мероприятия и другие задачи, направленные на создание уникального продукта (устройства, работы, услуги). </a:t>
+              <a:t>stákeholder</a:t>
+            </a:r>
+            <a:r>
+              <a:rPr lang="ru-RU" sz="1600" dirty="0">
+                <a:latin typeface="Times New Roman" panose="02020603050405020304" pitchFamily="18" charset="0"/>
+                <a:cs typeface="Times New Roman" panose="02020603050405020304" pitchFamily="18" charset="0"/>
+              </a:rPr>
+              <a:t>) – заинтересованная сторона, причастная сторона, участник работ, роль в проекте — лицо или организация</a:t>
+            </a:r>
+            <a:r>
+              <a:rPr lang="ru-RU" sz="1600" dirty="0" smtClean="0">
+                <a:latin typeface="Times New Roman" panose="02020603050405020304" pitchFamily="18" charset="0"/>
+                <a:cs typeface="Times New Roman" panose="02020603050405020304" pitchFamily="18" charset="0"/>
+              </a:rPr>
+              <a:t>, имеющая </a:t>
+            </a:r>
+            <a:r>
+              <a:rPr lang="ru-RU" sz="1600" dirty="0">
+                <a:latin typeface="Times New Roman" panose="02020603050405020304" pitchFamily="18" charset="0"/>
+                <a:cs typeface="Times New Roman" panose="02020603050405020304" pitchFamily="18" charset="0"/>
+              </a:rPr>
+              <a:t>права, долю, требования или интересы относительно системы</a:t>
             </a:r>
             <a:br>
               <a:rPr lang="ru-RU" sz="1600" dirty="0">
@@ -4026,6 +4165,26 @@
                 <a:latin typeface="Times New Roman" panose="02020603050405020304" pitchFamily="18" charset="0"/>
                 <a:cs typeface="Times New Roman" panose="02020603050405020304" pitchFamily="18" charset="0"/>
               </a:rPr>
+              <a:t>или её свойств</a:t>
+            </a:r>
+            <a:r>
+              <a:rPr lang="ru-RU" sz="1600" dirty="0" smtClean="0">
+                <a:latin typeface="Times New Roman" panose="02020603050405020304" pitchFamily="18" charset="0"/>
+                <a:cs typeface="Times New Roman" panose="02020603050405020304" pitchFamily="18" charset="0"/>
+              </a:rPr>
+              <a:t>.</a:t>
+            </a:r>
+            <a:br>
+              <a:rPr lang="ru-RU" sz="1600" dirty="0" smtClean="0">
+                <a:latin typeface="Times New Roman" panose="02020603050405020304" pitchFamily="18" charset="0"/>
+                <a:cs typeface="Times New Roman" panose="02020603050405020304" pitchFamily="18" charset="0"/>
+              </a:rPr>
+            </a:br>
+            <a:r>
+              <a:rPr lang="ru-RU" sz="1600" dirty="0">
+                <a:latin typeface="Times New Roman" panose="02020603050405020304" pitchFamily="18" charset="0"/>
+                <a:cs typeface="Times New Roman" panose="02020603050405020304" pitchFamily="18" charset="0"/>
+              </a:rPr>
               <a:t/>
             </a:r>
             <a:br>
@@ -4039,199 +4198,19 @@
                 <a:latin typeface="Times New Roman" panose="02020603050405020304" pitchFamily="18" charset="0"/>
                 <a:cs typeface="Times New Roman" panose="02020603050405020304" pitchFamily="18" charset="0"/>
               </a:rPr>
-              <a:t>Проектная деятельность – </a:t>
-            </a:r>
-            <a:r>
-              <a:rPr lang="ru-RU" sz="1600" dirty="0">
-                <a:latin typeface="Times New Roman" panose="02020603050405020304" pitchFamily="18" charset="0"/>
-                <a:cs typeface="Times New Roman" panose="02020603050405020304" pitchFamily="18" charset="0"/>
-              </a:rPr>
-              <a:t>это совокупность действий, направленных на решение конкретной задачи в рамках проекта, ограниченного целевой установкой, сроками и достигнутыми результатами (или продуктами). </a:t>
-            </a:r>
-            <a:br>
-              <a:rPr lang="ru-RU" sz="1600" dirty="0">
-                <a:latin typeface="Times New Roman" panose="02020603050405020304" pitchFamily="18" charset="0"/>
-                <a:cs typeface="Times New Roman" panose="02020603050405020304" pitchFamily="18" charset="0"/>
-              </a:rPr>
-            </a:br>
-            <a:r>
-              <a:rPr lang="ru-RU" sz="1600" dirty="0">
-                <a:latin typeface="Times New Roman" panose="02020603050405020304" pitchFamily="18" charset="0"/>
-                <a:cs typeface="Times New Roman" panose="02020603050405020304" pitchFamily="18" charset="0"/>
-              </a:rPr>
-              <a:t/>
-            </a:r>
-            <a:br>
-              <a:rPr lang="ru-RU" sz="1600" dirty="0">
-                <a:latin typeface="Times New Roman" panose="02020603050405020304" pitchFamily="18" charset="0"/>
-                <a:cs typeface="Times New Roman" panose="02020603050405020304" pitchFamily="18" charset="0"/>
-              </a:rPr>
-            </a:br>
-            <a:r>
-              <a:rPr lang="ru-RU" sz="1600" b="1" dirty="0">
-                <a:latin typeface="Times New Roman" panose="02020603050405020304" pitchFamily="18" charset="0"/>
-                <a:cs typeface="Times New Roman" panose="02020603050405020304" pitchFamily="18" charset="0"/>
-              </a:rPr>
-              <a:t>Проблема </a:t>
-            </a:r>
-            <a:r>
-              <a:rPr lang="ru-RU" sz="1600" dirty="0">
-                <a:latin typeface="Times New Roman" panose="02020603050405020304" pitchFamily="18" charset="0"/>
-                <a:cs typeface="Times New Roman" panose="02020603050405020304" pitchFamily="18" charset="0"/>
-              </a:rPr>
-              <a:t>– это сложный вопрос, требующий решения (расстояние между состояниями «Хочу» и «Могу»). </a:t>
-            </a:r>
-            <a:br>
-              <a:rPr lang="ru-RU" sz="1600" dirty="0">
-                <a:latin typeface="Times New Roman" panose="02020603050405020304" pitchFamily="18" charset="0"/>
-                <a:cs typeface="Times New Roman" panose="02020603050405020304" pitchFamily="18" charset="0"/>
-              </a:rPr>
-            </a:br>
-            <a:r>
-              <a:rPr lang="ru-RU" sz="1600" dirty="0">
-                <a:latin typeface="Times New Roman" panose="02020603050405020304" pitchFamily="18" charset="0"/>
-                <a:cs typeface="Times New Roman" panose="02020603050405020304" pitchFamily="18" charset="0"/>
-              </a:rPr>
-              <a:t/>
-            </a:r>
-            <a:br>
-              <a:rPr lang="ru-RU" sz="1600" dirty="0">
-                <a:latin typeface="Times New Roman" panose="02020603050405020304" pitchFamily="18" charset="0"/>
-                <a:cs typeface="Times New Roman" panose="02020603050405020304" pitchFamily="18" charset="0"/>
-              </a:rPr>
-            </a:br>
-            <a:r>
-              <a:rPr lang="ru-RU" sz="1600" b="1" dirty="0">
-                <a:latin typeface="Times New Roman" panose="02020603050405020304" pitchFamily="18" charset="0"/>
-                <a:cs typeface="Times New Roman" panose="02020603050405020304" pitchFamily="18" charset="0"/>
-              </a:rPr>
-              <a:t>Идея </a:t>
-            </a:r>
-            <a:r>
-              <a:rPr lang="ru-RU" sz="1600" dirty="0">
-                <a:latin typeface="Times New Roman" panose="02020603050405020304" pitchFamily="18" charset="0"/>
-                <a:cs typeface="Times New Roman" panose="02020603050405020304" pitchFamily="18" charset="0"/>
-              </a:rPr>
-              <a:t>– это мысль, переходящая в действие. В данном случае идея должна быть уникальной для той среды, в которой планируется реализация проекта. </a:t>
-            </a:r>
-            <a:br>
-              <a:rPr lang="ru-RU" sz="1600" dirty="0">
-                <a:latin typeface="Times New Roman" panose="02020603050405020304" pitchFamily="18" charset="0"/>
-                <a:cs typeface="Times New Roman" panose="02020603050405020304" pitchFamily="18" charset="0"/>
-              </a:rPr>
-            </a:br>
-            <a:r>
-              <a:rPr lang="ru-RU" sz="1600" dirty="0">
-                <a:latin typeface="Times New Roman" panose="02020603050405020304" pitchFamily="18" charset="0"/>
-                <a:cs typeface="Times New Roman" panose="02020603050405020304" pitchFamily="18" charset="0"/>
-              </a:rPr>
-              <a:t/>
-            </a:r>
-            <a:br>
-              <a:rPr lang="ru-RU" sz="1600" dirty="0">
-                <a:latin typeface="Times New Roman" panose="02020603050405020304" pitchFamily="18" charset="0"/>
-                <a:cs typeface="Times New Roman" panose="02020603050405020304" pitchFamily="18" charset="0"/>
-              </a:rPr>
-            </a:br>
-            <a:r>
-              <a:rPr lang="ru-RU" sz="1600" b="1" dirty="0">
-                <a:latin typeface="Times New Roman" panose="02020603050405020304" pitchFamily="18" charset="0"/>
-                <a:cs typeface="Times New Roman" panose="02020603050405020304" pitchFamily="18" charset="0"/>
-              </a:rPr>
-              <a:t>Субъекты проектирования </a:t>
-            </a:r>
-            <a:r>
-              <a:rPr lang="ru-RU" sz="1600" dirty="0">
-                <a:latin typeface="Times New Roman" panose="02020603050405020304" pitchFamily="18" charset="0"/>
-                <a:cs typeface="Times New Roman" panose="02020603050405020304" pitchFamily="18" charset="0"/>
-              </a:rPr>
-              <a:t>– отдельные личности или организации, коллективы, социальные институты, ставящие своей целью преобразование действительности. </a:t>
-            </a:r>
-            <a:br>
-              <a:rPr lang="ru-RU" sz="1600" dirty="0">
-                <a:latin typeface="Times New Roman" panose="02020603050405020304" pitchFamily="18" charset="0"/>
-                <a:cs typeface="Times New Roman" panose="02020603050405020304" pitchFamily="18" charset="0"/>
-              </a:rPr>
-            </a:br>
-            <a:r>
-              <a:rPr lang="ru-RU" sz="1600" dirty="0">
-                <a:latin typeface="Times New Roman" panose="02020603050405020304" pitchFamily="18" charset="0"/>
-                <a:cs typeface="Times New Roman" panose="02020603050405020304" pitchFamily="18" charset="0"/>
-              </a:rPr>
-              <a:t/>
-            </a:r>
-            <a:br>
-              <a:rPr lang="ru-RU" sz="1600" dirty="0">
-                <a:latin typeface="Times New Roman" panose="02020603050405020304" pitchFamily="18" charset="0"/>
-                <a:cs typeface="Times New Roman" panose="02020603050405020304" pitchFamily="18" charset="0"/>
-              </a:rPr>
-            </a:br>
-            <a:r>
-              <a:rPr lang="ru-RU" sz="1600" b="1" dirty="0">
-                <a:latin typeface="Times New Roman" panose="02020603050405020304" pitchFamily="18" charset="0"/>
-                <a:cs typeface="Times New Roman" panose="02020603050405020304" pitchFamily="18" charset="0"/>
-              </a:rPr>
-              <a:t>Объекты проектирования</a:t>
-            </a:r>
-            <a:r>
-              <a:rPr lang="ru-RU" sz="1600" dirty="0">
-                <a:latin typeface="Times New Roman" panose="02020603050405020304" pitchFamily="18" charset="0"/>
-                <a:cs typeface="Times New Roman" panose="02020603050405020304" pitchFamily="18" charset="0"/>
-              </a:rPr>
-              <a:t>: </a:t>
-            </a:r>
-            <a:br>
-              <a:rPr lang="ru-RU" sz="1600" dirty="0">
-                <a:latin typeface="Times New Roman" panose="02020603050405020304" pitchFamily="18" charset="0"/>
-                <a:cs typeface="Times New Roman" panose="02020603050405020304" pitchFamily="18" charset="0"/>
-              </a:rPr>
-            </a:br>
-            <a:r>
-              <a:rPr lang="ru-RU" sz="1600" dirty="0">
-                <a:latin typeface="Times New Roman" panose="02020603050405020304" pitchFamily="18" charset="0"/>
-                <a:cs typeface="Times New Roman" panose="02020603050405020304" pitchFamily="18" charset="0"/>
-              </a:rPr>
-              <a:t/>
-            </a:r>
-            <a:br>
-              <a:rPr lang="ru-RU" sz="1600" dirty="0">
-                <a:latin typeface="Times New Roman" panose="02020603050405020304" pitchFamily="18" charset="0"/>
-                <a:cs typeface="Times New Roman" panose="02020603050405020304" pitchFamily="18" charset="0"/>
-              </a:rPr>
-            </a:br>
-            <a:r>
-              <a:rPr lang="ru-RU" sz="1600" dirty="0">
-                <a:latin typeface="Times New Roman" panose="02020603050405020304" pitchFamily="18" charset="0"/>
-                <a:cs typeface="Times New Roman" panose="02020603050405020304" pitchFamily="18" charset="0"/>
-              </a:rPr>
-              <a:t>1) объекты материальной природы (например, объектом проектирования может быть создание новой точки общественного питания или создание новых элементов компьютера); в результате реализации проекта появляется новый объект, вещь, предмет; вместе с тем проектироваться могут новые свойства – назначения и функции старой вещи; подобные объекты чаще связаны с техническим проектированием; </a:t>
-            </a:r>
-            <a:br>
-              <a:rPr lang="ru-RU" sz="1600" dirty="0">
-                <a:latin typeface="Times New Roman" panose="02020603050405020304" pitchFamily="18" charset="0"/>
-                <a:cs typeface="Times New Roman" panose="02020603050405020304" pitchFamily="18" charset="0"/>
-              </a:rPr>
-            </a:br>
-            <a:r>
-              <a:rPr lang="ru-RU" sz="1600" dirty="0">
-                <a:latin typeface="Times New Roman" panose="02020603050405020304" pitchFamily="18" charset="0"/>
-                <a:cs typeface="Times New Roman" panose="02020603050405020304" pitchFamily="18" charset="0"/>
-              </a:rPr>
-              <a:t/>
-            </a:r>
-            <a:br>
-              <a:rPr lang="ru-RU" sz="1600" dirty="0">
-                <a:latin typeface="Times New Roman" panose="02020603050405020304" pitchFamily="18" charset="0"/>
-                <a:cs typeface="Times New Roman" panose="02020603050405020304" pitchFamily="18" charset="0"/>
-              </a:rPr>
-            </a:br>
-            <a:r>
-              <a:rPr lang="ru-RU" sz="1600" dirty="0">
-                <a:latin typeface="Times New Roman" panose="02020603050405020304" pitchFamily="18" charset="0"/>
-                <a:cs typeface="Times New Roman" panose="02020603050405020304" pitchFamily="18" charset="0"/>
-              </a:rPr>
-              <a:t>2) нематериальные (не вещные) свойства и отношения (например, есть такие проекты, которые направлены не на достижение материального результата, а на получение информации о клиентах, изменение нашего отношения к той или иной проблеме).</a:t>
-            </a:r>
+              <a:t>Ресурсы</a:t>
+            </a:r>
+            <a:r>
+              <a:rPr lang="ru-RU" sz="1600" dirty="0">
+                <a:latin typeface="Times New Roman" panose="02020603050405020304" pitchFamily="18" charset="0"/>
+                <a:cs typeface="Times New Roman" panose="02020603050405020304" pitchFamily="18" charset="0"/>
+              </a:rPr>
+              <a:t> – условия, необходимые для достижения поставленной цели.</a:t>
+            </a:r>
+            <a:endParaRPr lang="ru-RU" sz="1600" dirty="0">
+              <a:latin typeface="Times New Roman" panose="02020603050405020304" pitchFamily="18" charset="0"/>
+              <a:cs typeface="Times New Roman" panose="02020603050405020304" pitchFamily="18" charset="0"/>
+            </a:endParaRPr>
           </a:p>
         </p:txBody>
       </p:sp>
@@ -4262,7 +4241,7 @@
               <a:rPr lang="ru-RU" sz="2100" dirty="0" smtClean="0">
                 <a:latin typeface="Bookman Old Style" panose="02050604050505020204" pitchFamily="18" charset="0"/>
               </a:rPr>
-              <a:t>Основные определения</a:t>
+              <a:t>Обеспечение проектной деятельности</a:t>
             </a:r>
             <a:endParaRPr lang="ru-RU" sz="2100" dirty="0">
               <a:latin typeface="Bookman Old Style" panose="02050604050505020204" pitchFamily="18" charset="0"/>
@@ -4399,7 +4378,7 @@
           <a:p>
             <a:pPr algn="ctr"/>
             <a:fld id="{C16716D8-33A6-4CD7-92A8-E4A7CF52C18D}" type="slidenum">
-              <a:rPr lang="ru-RU">
+              <a:rPr lang="ru-RU" smtClean="0">
                 <a:solidFill>
                   <a:schemeClr val="accent1">
                     <a:lumMod val="75000"/>
@@ -4411,13 +4390,13 @@
               <a:t>11</a:t>
             </a:fld>
             <a:r>
-              <a:rPr lang="ru-RU" dirty="0">
+              <a:rPr lang="ru-RU" dirty="0" smtClean="0">
                 <a:latin typeface="Bookman Old Style" panose="02050604050505020204" pitchFamily="18" charset="0"/>
               </a:rPr>
               <a:t>/</a:t>
             </a:r>
             <a:r>
-              <a:rPr lang="ru-RU" dirty="0">
+              <a:rPr lang="ru-RU" dirty="0" smtClean="0">
                 <a:solidFill>
                   <a:schemeClr val="tx2">
                     <a:lumMod val="50000"/>
@@ -4425,8 +4404,16 @@
                 </a:solidFill>
                 <a:latin typeface="Bookman Old Style" panose="02050604050505020204" pitchFamily="18" charset="0"/>
               </a:rPr>
-              <a:t>15</a:t>
-            </a:r>
+              <a:t>13</a:t>
+            </a:r>
+            <a:endParaRPr lang="ru-RU" dirty="0">
+              <a:solidFill>
+                <a:schemeClr val="tx2">
+                  <a:lumMod val="50000"/>
+                </a:schemeClr>
+              </a:solidFill>
+              <a:latin typeface="Bookman Old Style" panose="02050604050505020204" pitchFamily="18" charset="0"/>
+            </a:endParaRPr>
           </a:p>
         </p:txBody>
       </p:sp>
@@ -4474,6 +4461,47 @@
           </a:p>
         </p:txBody>
       </p:sp>
+      <p:pic>
+        <p:nvPicPr>
+          <p:cNvPr id="6146" name="Picture 2" descr="Стейкхолдер: кто это и как им управлять"/>
+          <p:cNvPicPr>
+            <a:picLocks noChangeAspect="1" noChangeArrowheads="1"/>
+          </p:cNvPicPr>
+          <p:nvPr/>
+        </p:nvPicPr>
+        <p:blipFill>
+          <a:blip r:embed="rId2">
+            <a:extLst>
+              <a:ext uri="{28A0092B-C50C-407E-A947-70E740481C1C}">
+                <a14:useLocalDpi xmlns:a14="http://schemas.microsoft.com/office/drawing/2010/main" val="0"/>
+              </a:ext>
+            </a:extLst>
+          </a:blip>
+          <a:srcRect/>
+          <a:stretch>
+            <a:fillRect/>
+          </a:stretch>
+        </p:blipFill>
+        <p:spPr bwMode="auto">
+          <a:xfrm>
+            <a:off x="7248128" y="1794688"/>
+            <a:ext cx="4270859" cy="2904185"/>
+          </a:xfrm>
+          <a:prstGeom prst="rect">
+            <a:avLst/>
+          </a:prstGeom>
+          <a:noFill/>
+          <a:extLst>
+            <a:ext uri="{909E8E84-426E-40DD-AFC4-6F175D3DCCD1}">
+              <a14:hiddenFill xmlns:a14="http://schemas.microsoft.com/office/drawing/2010/main">
+                <a:solidFill>
+                  <a:srgbClr val="FFFFFF"/>
+                </a:solidFill>
+              </a14:hiddenFill>
+            </a:ext>
+          </a:extLst>
+        </p:spPr>
+      </p:pic>
     </p:spTree>
     <p:extLst>
       <p:ext uri="{BB962C8B-B14F-4D97-AF65-F5344CB8AC3E}">
@@ -4513,277 +4541,6 @@
       </p:grpSpPr>
       <p:sp>
         <p:nvSpPr>
-          <p:cNvPr id="2" name="Заголовок 1"/>
-          <p:cNvSpPr>
-            <a:spLocks noGrp="1"/>
-          </p:cNvSpPr>
-          <p:nvPr>
-            <p:ph type="ctrTitle"/>
-          </p:nvPr>
-        </p:nvSpPr>
-        <p:spPr>
-          <a:xfrm>
-            <a:off x="119336" y="1296323"/>
-            <a:ext cx="11809312" cy="4455005"/>
-          </a:xfrm>
-        </p:spPr>
-        <p:txBody>
-          <a:bodyPr>
-            <a:noAutofit/>
-          </a:bodyPr>
-          <a:lstStyle/>
-          <a:p>
-            <a:pPr algn="l"/>
-            <a:r>
-              <a:rPr lang="ru-RU" sz="1600" b="1" dirty="0">
-                <a:latin typeface="Times New Roman" panose="02020603050405020304" pitchFamily="18" charset="0"/>
-                <a:cs typeface="Times New Roman" panose="02020603050405020304" pitchFamily="18" charset="0"/>
-              </a:rPr>
-              <a:t>Проект </a:t>
-            </a:r>
-            <a:r>
-              <a:rPr lang="ru-RU" sz="1600" dirty="0">
-                <a:latin typeface="Times New Roman" panose="02020603050405020304" pitchFamily="18" charset="0"/>
-                <a:cs typeface="Times New Roman" panose="02020603050405020304" pitchFamily="18" charset="0"/>
-              </a:rPr>
-              <a:t>(англ. </a:t>
-            </a:r>
-            <a:r>
-              <a:rPr lang="ru-RU" sz="1600" dirty="0" err="1">
-                <a:latin typeface="Times New Roman" panose="02020603050405020304" pitchFamily="18" charset="0"/>
-                <a:cs typeface="Times New Roman" panose="02020603050405020304" pitchFamily="18" charset="0"/>
-              </a:rPr>
-              <a:t>design</a:t>
-            </a:r>
-            <a:r>
-              <a:rPr lang="ru-RU" sz="1600" dirty="0">
-                <a:latin typeface="Times New Roman" panose="02020603050405020304" pitchFamily="18" charset="0"/>
-                <a:cs typeface="Times New Roman" panose="02020603050405020304" pitchFamily="18" charset="0"/>
-              </a:rPr>
-              <a:t>) – это работы, планы, мероприятия и другие задачи, направленные на создание уникального продукта (устройства, работы, услуги). </a:t>
-            </a:r>
-            <a:br>
-              <a:rPr lang="ru-RU" sz="1600" dirty="0">
-                <a:latin typeface="Times New Roman" panose="02020603050405020304" pitchFamily="18" charset="0"/>
-                <a:cs typeface="Times New Roman" panose="02020603050405020304" pitchFamily="18" charset="0"/>
-              </a:rPr>
-            </a:br>
-            <a:r>
-              <a:rPr lang="ru-RU" sz="1600" dirty="0">
-                <a:latin typeface="Times New Roman" panose="02020603050405020304" pitchFamily="18" charset="0"/>
-                <a:cs typeface="Times New Roman" panose="02020603050405020304" pitchFamily="18" charset="0"/>
-              </a:rPr>
-              <a:t/>
-            </a:r>
-            <a:br>
-              <a:rPr lang="ru-RU" sz="1600" dirty="0">
-                <a:latin typeface="Times New Roman" panose="02020603050405020304" pitchFamily="18" charset="0"/>
-                <a:cs typeface="Times New Roman" panose="02020603050405020304" pitchFamily="18" charset="0"/>
-              </a:rPr>
-            </a:br>
-            <a:r>
-              <a:rPr lang="ru-RU" sz="1600" b="1" dirty="0">
-                <a:latin typeface="Times New Roman" panose="02020603050405020304" pitchFamily="18" charset="0"/>
-                <a:cs typeface="Times New Roman" panose="02020603050405020304" pitchFamily="18" charset="0"/>
-              </a:rPr>
-              <a:t>Проектная деятельность – </a:t>
-            </a:r>
-            <a:r>
-              <a:rPr lang="ru-RU" sz="1600" dirty="0">
-                <a:latin typeface="Times New Roman" panose="02020603050405020304" pitchFamily="18" charset="0"/>
-                <a:cs typeface="Times New Roman" panose="02020603050405020304" pitchFamily="18" charset="0"/>
-              </a:rPr>
-              <a:t>это совокупность действий, направленных на решение конкретной задачи в рамках проекта, ограниченного целевой установкой, сроками и достигнутыми результатами (или продуктами). </a:t>
-            </a:r>
-            <a:br>
-              <a:rPr lang="ru-RU" sz="1600" dirty="0">
-                <a:latin typeface="Times New Roman" panose="02020603050405020304" pitchFamily="18" charset="0"/>
-                <a:cs typeface="Times New Roman" panose="02020603050405020304" pitchFamily="18" charset="0"/>
-              </a:rPr>
-            </a:br>
-            <a:r>
-              <a:rPr lang="ru-RU" sz="1600" dirty="0">
-                <a:latin typeface="Times New Roman" panose="02020603050405020304" pitchFamily="18" charset="0"/>
-                <a:cs typeface="Times New Roman" panose="02020603050405020304" pitchFamily="18" charset="0"/>
-              </a:rPr>
-              <a:t/>
-            </a:r>
-            <a:br>
-              <a:rPr lang="ru-RU" sz="1600" dirty="0">
-                <a:latin typeface="Times New Roman" panose="02020603050405020304" pitchFamily="18" charset="0"/>
-                <a:cs typeface="Times New Roman" panose="02020603050405020304" pitchFamily="18" charset="0"/>
-              </a:rPr>
-            </a:br>
-            <a:r>
-              <a:rPr lang="ru-RU" sz="1600" b="1" dirty="0">
-                <a:latin typeface="Times New Roman" panose="02020603050405020304" pitchFamily="18" charset="0"/>
-                <a:cs typeface="Times New Roman" panose="02020603050405020304" pitchFamily="18" charset="0"/>
-              </a:rPr>
-              <a:t>Проблема </a:t>
-            </a:r>
-            <a:r>
-              <a:rPr lang="ru-RU" sz="1600" dirty="0">
-                <a:latin typeface="Times New Roman" panose="02020603050405020304" pitchFamily="18" charset="0"/>
-                <a:cs typeface="Times New Roman" panose="02020603050405020304" pitchFamily="18" charset="0"/>
-              </a:rPr>
-              <a:t>– это сложный вопрос, требующий решения (расстояние между состояниями «Хочу» и «Могу»). </a:t>
-            </a:r>
-            <a:br>
-              <a:rPr lang="ru-RU" sz="1600" dirty="0">
-                <a:latin typeface="Times New Roman" panose="02020603050405020304" pitchFamily="18" charset="0"/>
-                <a:cs typeface="Times New Roman" panose="02020603050405020304" pitchFamily="18" charset="0"/>
-              </a:rPr>
-            </a:br>
-            <a:r>
-              <a:rPr lang="ru-RU" sz="1600" dirty="0">
-                <a:latin typeface="Times New Roman" panose="02020603050405020304" pitchFamily="18" charset="0"/>
-                <a:cs typeface="Times New Roman" panose="02020603050405020304" pitchFamily="18" charset="0"/>
-              </a:rPr>
-              <a:t/>
-            </a:r>
-            <a:br>
-              <a:rPr lang="ru-RU" sz="1600" dirty="0">
-                <a:latin typeface="Times New Roman" panose="02020603050405020304" pitchFamily="18" charset="0"/>
-                <a:cs typeface="Times New Roman" panose="02020603050405020304" pitchFamily="18" charset="0"/>
-              </a:rPr>
-            </a:br>
-            <a:r>
-              <a:rPr lang="ru-RU" sz="1600" b="1" dirty="0">
-                <a:latin typeface="Times New Roman" panose="02020603050405020304" pitchFamily="18" charset="0"/>
-                <a:cs typeface="Times New Roman" panose="02020603050405020304" pitchFamily="18" charset="0"/>
-              </a:rPr>
-              <a:t>Идея </a:t>
-            </a:r>
-            <a:r>
-              <a:rPr lang="ru-RU" sz="1600" dirty="0">
-                <a:latin typeface="Times New Roman" panose="02020603050405020304" pitchFamily="18" charset="0"/>
-                <a:cs typeface="Times New Roman" panose="02020603050405020304" pitchFamily="18" charset="0"/>
-              </a:rPr>
-              <a:t>– это мысль, переходящая в действие. В данном случае идея должна быть уникальной для той среды, в которой планируется реализация проекта. </a:t>
-            </a:r>
-            <a:br>
-              <a:rPr lang="ru-RU" sz="1600" dirty="0">
-                <a:latin typeface="Times New Roman" panose="02020603050405020304" pitchFamily="18" charset="0"/>
-                <a:cs typeface="Times New Roman" panose="02020603050405020304" pitchFamily="18" charset="0"/>
-              </a:rPr>
-            </a:br>
-            <a:r>
-              <a:rPr lang="ru-RU" sz="1600" dirty="0">
-                <a:latin typeface="Times New Roman" panose="02020603050405020304" pitchFamily="18" charset="0"/>
-                <a:cs typeface="Times New Roman" panose="02020603050405020304" pitchFamily="18" charset="0"/>
-              </a:rPr>
-              <a:t/>
-            </a:r>
-            <a:br>
-              <a:rPr lang="ru-RU" sz="1600" dirty="0">
-                <a:latin typeface="Times New Roman" panose="02020603050405020304" pitchFamily="18" charset="0"/>
-                <a:cs typeface="Times New Roman" panose="02020603050405020304" pitchFamily="18" charset="0"/>
-              </a:rPr>
-            </a:br>
-            <a:r>
-              <a:rPr lang="ru-RU" sz="1600" b="1" dirty="0">
-                <a:latin typeface="Times New Roman" panose="02020603050405020304" pitchFamily="18" charset="0"/>
-                <a:cs typeface="Times New Roman" panose="02020603050405020304" pitchFamily="18" charset="0"/>
-              </a:rPr>
-              <a:t>Субъекты проектирования </a:t>
-            </a:r>
-            <a:r>
-              <a:rPr lang="ru-RU" sz="1600" dirty="0">
-                <a:latin typeface="Times New Roman" panose="02020603050405020304" pitchFamily="18" charset="0"/>
-                <a:cs typeface="Times New Roman" panose="02020603050405020304" pitchFamily="18" charset="0"/>
-              </a:rPr>
-              <a:t>– отдельные личности или организации, коллективы, социальные институты, ставящие своей целью преобразование действительности. </a:t>
-            </a:r>
-            <a:br>
-              <a:rPr lang="ru-RU" sz="1600" dirty="0">
-                <a:latin typeface="Times New Roman" panose="02020603050405020304" pitchFamily="18" charset="0"/>
-                <a:cs typeface="Times New Roman" panose="02020603050405020304" pitchFamily="18" charset="0"/>
-              </a:rPr>
-            </a:br>
-            <a:r>
-              <a:rPr lang="ru-RU" sz="1600" dirty="0">
-                <a:latin typeface="Times New Roman" panose="02020603050405020304" pitchFamily="18" charset="0"/>
-                <a:cs typeface="Times New Roman" panose="02020603050405020304" pitchFamily="18" charset="0"/>
-              </a:rPr>
-              <a:t/>
-            </a:r>
-            <a:br>
-              <a:rPr lang="ru-RU" sz="1600" dirty="0">
-                <a:latin typeface="Times New Roman" panose="02020603050405020304" pitchFamily="18" charset="0"/>
-                <a:cs typeface="Times New Roman" panose="02020603050405020304" pitchFamily="18" charset="0"/>
-              </a:rPr>
-            </a:br>
-            <a:r>
-              <a:rPr lang="ru-RU" sz="1600" b="1" dirty="0">
-                <a:latin typeface="Times New Roman" panose="02020603050405020304" pitchFamily="18" charset="0"/>
-                <a:cs typeface="Times New Roman" panose="02020603050405020304" pitchFamily="18" charset="0"/>
-              </a:rPr>
-              <a:t>Объекты проектирования</a:t>
-            </a:r>
-            <a:r>
-              <a:rPr lang="ru-RU" sz="1600" dirty="0">
-                <a:latin typeface="Times New Roman" panose="02020603050405020304" pitchFamily="18" charset="0"/>
-                <a:cs typeface="Times New Roman" panose="02020603050405020304" pitchFamily="18" charset="0"/>
-              </a:rPr>
-              <a:t>: </a:t>
-            </a:r>
-            <a:br>
-              <a:rPr lang="ru-RU" sz="1600" dirty="0">
-                <a:latin typeface="Times New Roman" panose="02020603050405020304" pitchFamily="18" charset="0"/>
-                <a:cs typeface="Times New Roman" panose="02020603050405020304" pitchFamily="18" charset="0"/>
-              </a:rPr>
-            </a:br>
-            <a:r>
-              <a:rPr lang="ru-RU" sz="1600" dirty="0">
-                <a:latin typeface="Times New Roman" panose="02020603050405020304" pitchFamily="18" charset="0"/>
-                <a:cs typeface="Times New Roman" panose="02020603050405020304" pitchFamily="18" charset="0"/>
-              </a:rPr>
-              <a:t/>
-            </a:r>
-            <a:br>
-              <a:rPr lang="ru-RU" sz="1600" dirty="0">
-                <a:latin typeface="Times New Roman" panose="02020603050405020304" pitchFamily="18" charset="0"/>
-                <a:cs typeface="Times New Roman" panose="02020603050405020304" pitchFamily="18" charset="0"/>
-              </a:rPr>
-            </a:br>
-            <a:r>
-              <a:rPr lang="ru-RU" sz="1600" dirty="0">
-                <a:latin typeface="Times New Roman" panose="02020603050405020304" pitchFamily="18" charset="0"/>
-                <a:cs typeface="Times New Roman" panose="02020603050405020304" pitchFamily="18" charset="0"/>
-              </a:rPr>
-              <a:t>1) объекты материальной природы (например, объектом проектирования может быть создание новой точки общественного питания или создание новых элементов компьютера); в результате реализации проекта появляется новый объект, вещь, предмет; вместе с тем проектироваться могут новые свойства – назначения и функции старой вещи; подобные объекты чаще связаны с техническим проектированием; </a:t>
-            </a:r>
-            <a:br>
-              <a:rPr lang="ru-RU" sz="1600" dirty="0">
-                <a:latin typeface="Times New Roman" panose="02020603050405020304" pitchFamily="18" charset="0"/>
-                <a:cs typeface="Times New Roman" panose="02020603050405020304" pitchFamily="18" charset="0"/>
-              </a:rPr>
-            </a:br>
-            <a:r>
-              <a:rPr lang="ru-RU" sz="1600" dirty="0">
-                <a:latin typeface="Times New Roman" panose="02020603050405020304" pitchFamily="18" charset="0"/>
-                <a:cs typeface="Times New Roman" panose="02020603050405020304" pitchFamily="18" charset="0"/>
-              </a:rPr>
-              <a:t/>
-            </a:r>
-            <a:br>
-              <a:rPr lang="ru-RU" sz="1600" dirty="0">
-                <a:latin typeface="Times New Roman" panose="02020603050405020304" pitchFamily="18" charset="0"/>
-                <a:cs typeface="Times New Roman" panose="02020603050405020304" pitchFamily="18" charset="0"/>
-              </a:rPr>
-            </a:br>
-            <a:r>
-              <a:rPr lang="ru-RU" sz="1600" dirty="0">
-                <a:latin typeface="Times New Roman" panose="02020603050405020304" pitchFamily="18" charset="0"/>
-                <a:cs typeface="Times New Roman" panose="02020603050405020304" pitchFamily="18" charset="0"/>
-              </a:rPr>
-              <a:t>2) нематериальные (не вещные) свойства и отношения (например, есть такие проекты, которые направлены не на достижение материального результата, а на получение информации о клиентах, изменение нашего отношения к той или иной проблеме).</a:t>
-            </a:r>
-          </a:p>
-        </p:txBody>
-      </p:sp>
-      <p:sp>
-        <p:nvSpPr>
           <p:cNvPr id="4" name="TextBox 3"/>
           <p:cNvSpPr txBox="1"/>
           <p:nvPr/>
@@ -4809,7 +4566,7 @@
               <a:rPr lang="ru-RU" sz="2100" dirty="0" smtClean="0">
                 <a:latin typeface="Bookman Old Style" panose="02050604050505020204" pitchFamily="18" charset="0"/>
               </a:rPr>
-              <a:t>Основные определения</a:t>
+              <a:t>Методология разработки</a:t>
             </a:r>
             <a:endParaRPr lang="ru-RU" sz="2100" dirty="0">
               <a:latin typeface="Bookman Old Style" panose="02050604050505020204" pitchFamily="18" charset="0"/>
@@ -4946,7 +4703,7 @@
           <a:p>
             <a:pPr algn="ctr"/>
             <a:fld id="{C16716D8-33A6-4CD7-92A8-E4A7CF52C18D}" type="slidenum">
-              <a:rPr lang="ru-RU">
+              <a:rPr lang="ru-RU" smtClean="0">
                 <a:solidFill>
                   <a:schemeClr val="accent1">
                     <a:lumMod val="75000"/>
@@ -4958,13 +4715,13 @@
               <a:t>12</a:t>
             </a:fld>
             <a:r>
-              <a:rPr lang="ru-RU" dirty="0">
+              <a:rPr lang="ru-RU" dirty="0" smtClean="0">
                 <a:latin typeface="Bookman Old Style" panose="02050604050505020204" pitchFamily="18" charset="0"/>
               </a:rPr>
               <a:t>/</a:t>
             </a:r>
             <a:r>
-              <a:rPr lang="ru-RU" dirty="0">
+              <a:rPr lang="ru-RU" dirty="0" smtClean="0">
                 <a:solidFill>
                   <a:schemeClr val="tx2">
                     <a:lumMod val="50000"/>
@@ -4972,8 +4729,16 @@
                 </a:solidFill>
                 <a:latin typeface="Bookman Old Style" panose="02050604050505020204" pitchFamily="18" charset="0"/>
               </a:rPr>
-              <a:t>15</a:t>
-            </a:r>
+              <a:t>13</a:t>
+            </a:r>
+            <a:endParaRPr lang="ru-RU" dirty="0">
+              <a:solidFill>
+                <a:schemeClr val="tx2">
+                  <a:lumMod val="50000"/>
+                </a:schemeClr>
+              </a:solidFill>
+              <a:latin typeface="Bookman Old Style" panose="02050604050505020204" pitchFamily="18" charset="0"/>
+            </a:endParaRPr>
           </a:p>
         </p:txBody>
       </p:sp>
@@ -5021,6 +4786,266 @@
           </a:p>
         </p:txBody>
       </p:sp>
+      <p:sp>
+        <p:nvSpPr>
+          <p:cNvPr id="5" name="Прямоугольник 4"/>
+          <p:cNvSpPr/>
+          <p:nvPr/>
+        </p:nvSpPr>
+        <p:spPr>
+          <a:xfrm>
+            <a:off x="0" y="980728"/>
+            <a:ext cx="6096000" cy="830997"/>
+          </a:xfrm>
+          <a:prstGeom prst="rect">
+            <a:avLst/>
+          </a:prstGeom>
+        </p:spPr>
+        <p:txBody>
+          <a:bodyPr>
+            <a:spAutoFit/>
+          </a:bodyPr>
+          <a:lstStyle/>
+          <a:p>
+            <a:r>
+              <a:rPr lang="ru-RU" sz="1600" b="1" dirty="0" err="1">
+                <a:latin typeface="Times New Roman" panose="02020603050405020304" pitchFamily="18" charset="0"/>
+                <a:cs typeface="Times New Roman" panose="02020603050405020304" pitchFamily="18" charset="0"/>
+              </a:rPr>
+              <a:t>Kanban</a:t>
+            </a:r>
+            <a:r>
+              <a:rPr lang="ru-RU" sz="1600" dirty="0">
+                <a:latin typeface="Times New Roman" panose="02020603050405020304" pitchFamily="18" charset="0"/>
+                <a:cs typeface="Times New Roman" panose="02020603050405020304" pitchFamily="18" charset="0"/>
+              </a:rPr>
+              <a:t> — это методика управления проектами, в которой визуализация заданий используется для управления рабочими </a:t>
+            </a:r>
+            <a:r>
+              <a:rPr lang="ru-RU" sz="1600" dirty="0" smtClean="0">
+                <a:latin typeface="Times New Roman" panose="02020603050405020304" pitchFamily="18" charset="0"/>
+                <a:cs typeface="Times New Roman" panose="02020603050405020304" pitchFamily="18" charset="0"/>
+              </a:rPr>
+              <a:t>процессами;</a:t>
+            </a:r>
+          </a:p>
+        </p:txBody>
+      </p:sp>
+      <p:sp>
+        <p:nvSpPr>
+          <p:cNvPr id="8" name="Прямоугольник 7"/>
+          <p:cNvSpPr/>
+          <p:nvPr/>
+        </p:nvSpPr>
+        <p:spPr>
+          <a:xfrm>
+            <a:off x="12337" y="2060848"/>
+            <a:ext cx="5591945" cy="1815882"/>
+          </a:xfrm>
+          <a:prstGeom prst="rect">
+            <a:avLst/>
+          </a:prstGeom>
+        </p:spPr>
+        <p:txBody>
+          <a:bodyPr wrap="square">
+            <a:spAutoFit/>
+          </a:bodyPr>
+          <a:lstStyle/>
+          <a:p>
+            <a:r>
+              <a:rPr lang="ru-RU" sz="1600" dirty="0">
+                <a:latin typeface="Times New Roman" panose="02020603050405020304" pitchFamily="18" charset="0"/>
+                <a:cs typeface="Times New Roman" panose="02020603050405020304" pitchFamily="18" charset="0"/>
+              </a:rPr>
+              <a:t>Суть </a:t>
+            </a:r>
+            <a:r>
+              <a:rPr lang="ru-RU" sz="1600" b="1" dirty="0" err="1">
+                <a:latin typeface="Times New Roman" panose="02020603050405020304" pitchFamily="18" charset="0"/>
+                <a:cs typeface="Times New Roman" panose="02020603050405020304" pitchFamily="18" charset="0"/>
+              </a:rPr>
+              <a:t>Kanban</a:t>
+            </a:r>
+            <a:r>
+              <a:rPr lang="ru-RU" sz="1600" dirty="0">
+                <a:latin typeface="Times New Roman" panose="02020603050405020304" pitchFamily="18" charset="0"/>
+                <a:cs typeface="Times New Roman" panose="02020603050405020304" pitchFamily="18" charset="0"/>
+              </a:rPr>
+              <a:t> — в визуализации работы, ограничении объема незавершенной работы и достижении максимальной эффективности (или скорости). </a:t>
+            </a:r>
+            <a:r>
+              <a:rPr lang="ru-RU" sz="1600" dirty="0" err="1">
+                <a:latin typeface="Times New Roman" panose="02020603050405020304" pitchFamily="18" charset="0"/>
+                <a:cs typeface="Times New Roman" panose="02020603050405020304" pitchFamily="18" charset="0"/>
+              </a:rPr>
+              <a:t>Kanban</a:t>
+            </a:r>
+            <a:r>
+              <a:rPr lang="ru-RU" sz="1600" dirty="0">
+                <a:latin typeface="Times New Roman" panose="02020603050405020304" pitchFamily="18" charset="0"/>
+                <a:cs typeface="Times New Roman" panose="02020603050405020304" pitchFamily="18" charset="0"/>
+              </a:rPr>
+              <a:t>-команды стремятся максимально сократить время, которое уходит на выполнение проекта (или пользовательской истории) от начала до конца. Для этого они используют доску </a:t>
+            </a:r>
+            <a:r>
+              <a:rPr lang="ru-RU" sz="1600" dirty="0" err="1">
+                <a:latin typeface="Times New Roman" panose="02020603050405020304" pitchFamily="18" charset="0"/>
+                <a:cs typeface="Times New Roman" panose="02020603050405020304" pitchFamily="18" charset="0"/>
+              </a:rPr>
+              <a:t>Kanban</a:t>
+            </a:r>
+            <a:r>
+              <a:rPr lang="ru-RU" sz="1600" dirty="0">
+                <a:latin typeface="Times New Roman" panose="02020603050405020304" pitchFamily="18" charset="0"/>
+                <a:cs typeface="Times New Roman" panose="02020603050405020304" pitchFamily="18" charset="0"/>
+              </a:rPr>
+              <a:t> и непрерывно совершенствуют свой рабочий процесс.</a:t>
+            </a:r>
+          </a:p>
+        </p:txBody>
+      </p:sp>
+      <p:sp>
+        <p:nvSpPr>
+          <p:cNvPr id="11" name="Прямоугольник 10"/>
+          <p:cNvSpPr/>
+          <p:nvPr/>
+        </p:nvSpPr>
+        <p:spPr>
+          <a:xfrm>
+            <a:off x="6023992" y="974626"/>
+            <a:ext cx="6096000" cy="923330"/>
+          </a:xfrm>
+          <a:prstGeom prst="rect">
+            <a:avLst/>
+          </a:prstGeom>
+        </p:spPr>
+        <p:txBody>
+          <a:bodyPr>
+            <a:spAutoFit/>
+          </a:bodyPr>
+          <a:lstStyle/>
+          <a:p>
+            <a:r>
+              <a:rPr lang="ru-RU" b="1" smtClean="0">
+                <a:latin typeface="Times New Roman" panose="02020603050405020304" pitchFamily="18" charset="0"/>
+                <a:cs typeface="Times New Roman" panose="02020603050405020304" pitchFamily="18" charset="0"/>
+              </a:rPr>
+              <a:t>Scrum</a:t>
+            </a:r>
+            <a:r>
+              <a:rPr lang="ru-RU" smtClean="0">
+                <a:latin typeface="Times New Roman" panose="02020603050405020304" pitchFamily="18" charset="0"/>
+                <a:cs typeface="Times New Roman" panose="02020603050405020304" pitchFamily="18" charset="0"/>
+              </a:rPr>
+              <a:t> — это методика управления проектами, которая помогает командам структурировать работу и управлять ею на основе набора ценностей, принципов и практик.</a:t>
+            </a:r>
+            <a:endParaRPr lang="ru-RU" dirty="0">
+              <a:latin typeface="Times New Roman" panose="02020603050405020304" pitchFamily="18" charset="0"/>
+              <a:cs typeface="Times New Roman" panose="02020603050405020304" pitchFamily="18" charset="0"/>
+            </a:endParaRPr>
+          </a:p>
+        </p:txBody>
+      </p:sp>
+      <p:sp>
+        <p:nvSpPr>
+          <p:cNvPr id="16" name="Прямоугольник 15"/>
+          <p:cNvSpPr/>
+          <p:nvPr/>
+        </p:nvSpPr>
+        <p:spPr>
+          <a:xfrm>
+            <a:off x="6023992" y="2060848"/>
+            <a:ext cx="6096000" cy="1815882"/>
+          </a:xfrm>
+          <a:prstGeom prst="rect">
+            <a:avLst/>
+          </a:prstGeom>
+        </p:spPr>
+        <p:txBody>
+          <a:bodyPr>
+            <a:spAutoFit/>
+          </a:bodyPr>
+          <a:lstStyle/>
+          <a:p>
+            <a:r>
+              <a:rPr lang="ru-RU" sz="1600" dirty="0">
+                <a:latin typeface="Times New Roman" panose="02020603050405020304" pitchFamily="18" charset="0"/>
+                <a:cs typeface="Times New Roman" panose="02020603050405020304" pitchFamily="18" charset="0"/>
+              </a:rPr>
+              <a:t>Задача </a:t>
+            </a:r>
+            <a:r>
+              <a:rPr lang="ru-RU" sz="1600" b="1" dirty="0" err="1">
+                <a:latin typeface="Times New Roman" panose="02020603050405020304" pitchFamily="18" charset="0"/>
+                <a:cs typeface="Times New Roman" panose="02020603050405020304" pitchFamily="18" charset="0"/>
+              </a:rPr>
+              <a:t>Scrum</a:t>
+            </a:r>
+            <a:r>
+              <a:rPr lang="ru-RU" sz="1600" dirty="0">
+                <a:latin typeface="Times New Roman" panose="02020603050405020304" pitchFamily="18" charset="0"/>
+                <a:cs typeface="Times New Roman" panose="02020603050405020304" pitchFamily="18" charset="0"/>
+              </a:rPr>
+              <a:t>-команд — создать инкремент (промежуточный продукт работы), который теоретически можно поставить, за ряд промежутков времени, которые называются спринтами. Они стремятся создавать циклы обучения для быстрого сбора и учета отзывов клиентов. </a:t>
+            </a:r>
+            <a:r>
+              <a:rPr lang="ru-RU" sz="1600" dirty="0" err="1">
+                <a:latin typeface="Times New Roman" panose="02020603050405020304" pitchFamily="18" charset="0"/>
+                <a:cs typeface="Times New Roman" panose="02020603050405020304" pitchFamily="18" charset="0"/>
+              </a:rPr>
+              <a:t>Scrum</a:t>
+            </a:r>
+            <a:r>
+              <a:rPr lang="ru-RU" sz="1600" dirty="0">
+                <a:latin typeface="Times New Roman" panose="02020603050405020304" pitchFamily="18" charset="0"/>
+                <a:cs typeface="Times New Roman" panose="02020603050405020304" pitchFamily="18" charset="0"/>
+              </a:rPr>
+              <a:t>-команды используют особые роли, создают специальные артефакты и проводят регулярные собрания, чтобы работа шла в нужном русле.</a:t>
+            </a:r>
+          </a:p>
+        </p:txBody>
+      </p:sp>
+      <p:pic>
+        <p:nvPicPr>
+          <p:cNvPr id="7170" name="Picture 2" descr="看板: Канбан — больше чем просто карточки на досках"/>
+          <p:cNvPicPr>
+            <a:picLocks noChangeAspect="1" noChangeArrowheads="1"/>
+          </p:cNvPicPr>
+          <p:nvPr/>
+        </p:nvPicPr>
+        <p:blipFill>
+          <a:blip r:embed="rId2" cstate="print">
+            <a:extLst>
+              <a:ext uri="{28A0092B-C50C-407E-A947-70E740481C1C}">
+                <a14:useLocalDpi xmlns:a14="http://schemas.microsoft.com/office/drawing/2010/main" val="0"/>
+              </a:ext>
+            </a:extLst>
+          </a:blip>
+          <a:srcRect/>
+          <a:stretch>
+            <a:fillRect/>
+          </a:stretch>
+        </p:blipFill>
+        <p:spPr bwMode="auto">
+          <a:xfrm>
+            <a:off x="1571834" y="3876730"/>
+            <a:ext cx="4032448" cy="2268252"/>
+          </a:xfrm>
+          <a:prstGeom prst="rect">
+            <a:avLst/>
+          </a:prstGeom>
+          <a:noFill/>
+          <a:extLst>
+            <a:ext uri="{909E8E84-426E-40DD-AFC4-6F175D3DCCD1}">
+              <a14:hiddenFill xmlns:a14="http://schemas.microsoft.com/office/drawing/2010/main">
+                <a:solidFill>
+                  <a:srgbClr val="FFFFFF"/>
+                </a:solidFill>
+              </a14:hiddenFill>
+            </a:ext>
+          </a:extLst>
+        </p:spPr>
+      </p:pic>
     </p:spTree>
     <p:extLst>
       <p:ext uri="{BB962C8B-B14F-4D97-AF65-F5344CB8AC3E}">
@@ -5060,277 +5085,6 @@
       </p:grpSpPr>
       <p:sp>
         <p:nvSpPr>
-          <p:cNvPr id="2" name="Заголовок 1"/>
-          <p:cNvSpPr>
-            <a:spLocks noGrp="1"/>
-          </p:cNvSpPr>
-          <p:nvPr>
-            <p:ph type="ctrTitle"/>
-          </p:nvPr>
-        </p:nvSpPr>
-        <p:spPr>
-          <a:xfrm>
-            <a:off x="119336" y="1296323"/>
-            <a:ext cx="11809312" cy="4455005"/>
-          </a:xfrm>
-        </p:spPr>
-        <p:txBody>
-          <a:bodyPr>
-            <a:noAutofit/>
-          </a:bodyPr>
-          <a:lstStyle/>
-          <a:p>
-            <a:pPr algn="l"/>
-            <a:r>
-              <a:rPr lang="ru-RU" sz="1600" b="1" dirty="0">
-                <a:latin typeface="Times New Roman" panose="02020603050405020304" pitchFamily="18" charset="0"/>
-                <a:cs typeface="Times New Roman" panose="02020603050405020304" pitchFamily="18" charset="0"/>
-              </a:rPr>
-              <a:t>Проект </a:t>
-            </a:r>
-            <a:r>
-              <a:rPr lang="ru-RU" sz="1600" dirty="0">
-                <a:latin typeface="Times New Roman" panose="02020603050405020304" pitchFamily="18" charset="0"/>
-                <a:cs typeface="Times New Roman" panose="02020603050405020304" pitchFamily="18" charset="0"/>
-              </a:rPr>
-              <a:t>(англ. </a:t>
-            </a:r>
-            <a:r>
-              <a:rPr lang="ru-RU" sz="1600" dirty="0" err="1">
-                <a:latin typeface="Times New Roman" panose="02020603050405020304" pitchFamily="18" charset="0"/>
-                <a:cs typeface="Times New Roman" panose="02020603050405020304" pitchFamily="18" charset="0"/>
-              </a:rPr>
-              <a:t>design</a:t>
-            </a:r>
-            <a:r>
-              <a:rPr lang="ru-RU" sz="1600" dirty="0">
-                <a:latin typeface="Times New Roman" panose="02020603050405020304" pitchFamily="18" charset="0"/>
-                <a:cs typeface="Times New Roman" panose="02020603050405020304" pitchFamily="18" charset="0"/>
-              </a:rPr>
-              <a:t>) – это работы, планы, мероприятия и другие задачи, направленные на создание уникального продукта (устройства, работы, услуги). </a:t>
-            </a:r>
-            <a:br>
-              <a:rPr lang="ru-RU" sz="1600" dirty="0">
-                <a:latin typeface="Times New Roman" panose="02020603050405020304" pitchFamily="18" charset="0"/>
-                <a:cs typeface="Times New Roman" panose="02020603050405020304" pitchFamily="18" charset="0"/>
-              </a:rPr>
-            </a:br>
-            <a:r>
-              <a:rPr lang="ru-RU" sz="1600" dirty="0">
-                <a:latin typeface="Times New Roman" panose="02020603050405020304" pitchFamily="18" charset="0"/>
-                <a:cs typeface="Times New Roman" panose="02020603050405020304" pitchFamily="18" charset="0"/>
-              </a:rPr>
-              <a:t/>
-            </a:r>
-            <a:br>
-              <a:rPr lang="ru-RU" sz="1600" dirty="0">
-                <a:latin typeface="Times New Roman" panose="02020603050405020304" pitchFamily="18" charset="0"/>
-                <a:cs typeface="Times New Roman" panose="02020603050405020304" pitchFamily="18" charset="0"/>
-              </a:rPr>
-            </a:br>
-            <a:r>
-              <a:rPr lang="ru-RU" sz="1600" b="1" dirty="0">
-                <a:latin typeface="Times New Roman" panose="02020603050405020304" pitchFamily="18" charset="0"/>
-                <a:cs typeface="Times New Roman" panose="02020603050405020304" pitchFamily="18" charset="0"/>
-              </a:rPr>
-              <a:t>Проектная деятельность – </a:t>
-            </a:r>
-            <a:r>
-              <a:rPr lang="ru-RU" sz="1600" dirty="0">
-                <a:latin typeface="Times New Roman" panose="02020603050405020304" pitchFamily="18" charset="0"/>
-                <a:cs typeface="Times New Roman" panose="02020603050405020304" pitchFamily="18" charset="0"/>
-              </a:rPr>
-              <a:t>это совокупность действий, направленных на решение конкретной задачи в рамках проекта, ограниченного целевой установкой, сроками и достигнутыми результатами (или продуктами). </a:t>
-            </a:r>
-            <a:br>
-              <a:rPr lang="ru-RU" sz="1600" dirty="0">
-                <a:latin typeface="Times New Roman" panose="02020603050405020304" pitchFamily="18" charset="0"/>
-                <a:cs typeface="Times New Roman" panose="02020603050405020304" pitchFamily="18" charset="0"/>
-              </a:rPr>
-            </a:br>
-            <a:r>
-              <a:rPr lang="ru-RU" sz="1600" dirty="0">
-                <a:latin typeface="Times New Roman" panose="02020603050405020304" pitchFamily="18" charset="0"/>
-                <a:cs typeface="Times New Roman" panose="02020603050405020304" pitchFamily="18" charset="0"/>
-              </a:rPr>
-              <a:t/>
-            </a:r>
-            <a:br>
-              <a:rPr lang="ru-RU" sz="1600" dirty="0">
-                <a:latin typeface="Times New Roman" panose="02020603050405020304" pitchFamily="18" charset="0"/>
-                <a:cs typeface="Times New Roman" panose="02020603050405020304" pitchFamily="18" charset="0"/>
-              </a:rPr>
-            </a:br>
-            <a:r>
-              <a:rPr lang="ru-RU" sz="1600" b="1" dirty="0">
-                <a:latin typeface="Times New Roman" panose="02020603050405020304" pitchFamily="18" charset="0"/>
-                <a:cs typeface="Times New Roman" panose="02020603050405020304" pitchFamily="18" charset="0"/>
-              </a:rPr>
-              <a:t>Проблема </a:t>
-            </a:r>
-            <a:r>
-              <a:rPr lang="ru-RU" sz="1600" dirty="0">
-                <a:latin typeface="Times New Roman" panose="02020603050405020304" pitchFamily="18" charset="0"/>
-                <a:cs typeface="Times New Roman" panose="02020603050405020304" pitchFamily="18" charset="0"/>
-              </a:rPr>
-              <a:t>– это сложный вопрос, требующий решения (расстояние между состояниями «Хочу» и «Могу»). </a:t>
-            </a:r>
-            <a:br>
-              <a:rPr lang="ru-RU" sz="1600" dirty="0">
-                <a:latin typeface="Times New Roman" panose="02020603050405020304" pitchFamily="18" charset="0"/>
-                <a:cs typeface="Times New Roman" panose="02020603050405020304" pitchFamily="18" charset="0"/>
-              </a:rPr>
-            </a:br>
-            <a:r>
-              <a:rPr lang="ru-RU" sz="1600" dirty="0">
-                <a:latin typeface="Times New Roman" panose="02020603050405020304" pitchFamily="18" charset="0"/>
-                <a:cs typeface="Times New Roman" panose="02020603050405020304" pitchFamily="18" charset="0"/>
-              </a:rPr>
-              <a:t/>
-            </a:r>
-            <a:br>
-              <a:rPr lang="ru-RU" sz="1600" dirty="0">
-                <a:latin typeface="Times New Roman" panose="02020603050405020304" pitchFamily="18" charset="0"/>
-                <a:cs typeface="Times New Roman" panose="02020603050405020304" pitchFamily="18" charset="0"/>
-              </a:rPr>
-            </a:br>
-            <a:r>
-              <a:rPr lang="ru-RU" sz="1600" b="1" dirty="0">
-                <a:latin typeface="Times New Roman" panose="02020603050405020304" pitchFamily="18" charset="0"/>
-                <a:cs typeface="Times New Roman" panose="02020603050405020304" pitchFamily="18" charset="0"/>
-              </a:rPr>
-              <a:t>Идея </a:t>
-            </a:r>
-            <a:r>
-              <a:rPr lang="ru-RU" sz="1600" dirty="0">
-                <a:latin typeface="Times New Roman" panose="02020603050405020304" pitchFamily="18" charset="0"/>
-                <a:cs typeface="Times New Roman" panose="02020603050405020304" pitchFamily="18" charset="0"/>
-              </a:rPr>
-              <a:t>– это мысль, переходящая в действие. В данном случае идея должна быть уникальной для той среды, в которой планируется реализация проекта. </a:t>
-            </a:r>
-            <a:br>
-              <a:rPr lang="ru-RU" sz="1600" dirty="0">
-                <a:latin typeface="Times New Roman" panose="02020603050405020304" pitchFamily="18" charset="0"/>
-                <a:cs typeface="Times New Roman" panose="02020603050405020304" pitchFamily="18" charset="0"/>
-              </a:rPr>
-            </a:br>
-            <a:r>
-              <a:rPr lang="ru-RU" sz="1600" dirty="0">
-                <a:latin typeface="Times New Roman" panose="02020603050405020304" pitchFamily="18" charset="0"/>
-                <a:cs typeface="Times New Roman" panose="02020603050405020304" pitchFamily="18" charset="0"/>
-              </a:rPr>
-              <a:t/>
-            </a:r>
-            <a:br>
-              <a:rPr lang="ru-RU" sz="1600" dirty="0">
-                <a:latin typeface="Times New Roman" panose="02020603050405020304" pitchFamily="18" charset="0"/>
-                <a:cs typeface="Times New Roman" panose="02020603050405020304" pitchFamily="18" charset="0"/>
-              </a:rPr>
-            </a:br>
-            <a:r>
-              <a:rPr lang="ru-RU" sz="1600" b="1" dirty="0">
-                <a:latin typeface="Times New Roman" panose="02020603050405020304" pitchFamily="18" charset="0"/>
-                <a:cs typeface="Times New Roman" panose="02020603050405020304" pitchFamily="18" charset="0"/>
-              </a:rPr>
-              <a:t>Субъекты проектирования </a:t>
-            </a:r>
-            <a:r>
-              <a:rPr lang="ru-RU" sz="1600" dirty="0">
-                <a:latin typeface="Times New Roman" panose="02020603050405020304" pitchFamily="18" charset="0"/>
-                <a:cs typeface="Times New Roman" panose="02020603050405020304" pitchFamily="18" charset="0"/>
-              </a:rPr>
-              <a:t>– отдельные личности или организации, коллективы, социальные институты, ставящие своей целью преобразование действительности. </a:t>
-            </a:r>
-            <a:br>
-              <a:rPr lang="ru-RU" sz="1600" dirty="0">
-                <a:latin typeface="Times New Roman" panose="02020603050405020304" pitchFamily="18" charset="0"/>
-                <a:cs typeface="Times New Roman" panose="02020603050405020304" pitchFamily="18" charset="0"/>
-              </a:rPr>
-            </a:br>
-            <a:r>
-              <a:rPr lang="ru-RU" sz="1600" dirty="0">
-                <a:latin typeface="Times New Roman" panose="02020603050405020304" pitchFamily="18" charset="0"/>
-                <a:cs typeface="Times New Roman" panose="02020603050405020304" pitchFamily="18" charset="0"/>
-              </a:rPr>
-              <a:t/>
-            </a:r>
-            <a:br>
-              <a:rPr lang="ru-RU" sz="1600" dirty="0">
-                <a:latin typeface="Times New Roman" panose="02020603050405020304" pitchFamily="18" charset="0"/>
-                <a:cs typeface="Times New Roman" panose="02020603050405020304" pitchFamily="18" charset="0"/>
-              </a:rPr>
-            </a:br>
-            <a:r>
-              <a:rPr lang="ru-RU" sz="1600" b="1" dirty="0">
-                <a:latin typeface="Times New Roman" panose="02020603050405020304" pitchFamily="18" charset="0"/>
-                <a:cs typeface="Times New Roman" panose="02020603050405020304" pitchFamily="18" charset="0"/>
-              </a:rPr>
-              <a:t>Объекты проектирования</a:t>
-            </a:r>
-            <a:r>
-              <a:rPr lang="ru-RU" sz="1600" dirty="0">
-                <a:latin typeface="Times New Roman" panose="02020603050405020304" pitchFamily="18" charset="0"/>
-                <a:cs typeface="Times New Roman" panose="02020603050405020304" pitchFamily="18" charset="0"/>
-              </a:rPr>
-              <a:t>: </a:t>
-            </a:r>
-            <a:br>
-              <a:rPr lang="ru-RU" sz="1600" dirty="0">
-                <a:latin typeface="Times New Roman" panose="02020603050405020304" pitchFamily="18" charset="0"/>
-                <a:cs typeface="Times New Roman" panose="02020603050405020304" pitchFamily="18" charset="0"/>
-              </a:rPr>
-            </a:br>
-            <a:r>
-              <a:rPr lang="ru-RU" sz="1600" dirty="0">
-                <a:latin typeface="Times New Roman" panose="02020603050405020304" pitchFamily="18" charset="0"/>
-                <a:cs typeface="Times New Roman" panose="02020603050405020304" pitchFamily="18" charset="0"/>
-              </a:rPr>
-              <a:t/>
-            </a:r>
-            <a:br>
-              <a:rPr lang="ru-RU" sz="1600" dirty="0">
-                <a:latin typeface="Times New Roman" panose="02020603050405020304" pitchFamily="18" charset="0"/>
-                <a:cs typeface="Times New Roman" panose="02020603050405020304" pitchFamily="18" charset="0"/>
-              </a:rPr>
-            </a:br>
-            <a:r>
-              <a:rPr lang="ru-RU" sz="1600" dirty="0">
-                <a:latin typeface="Times New Roman" panose="02020603050405020304" pitchFamily="18" charset="0"/>
-                <a:cs typeface="Times New Roman" panose="02020603050405020304" pitchFamily="18" charset="0"/>
-              </a:rPr>
-              <a:t>1) объекты материальной природы (например, объектом проектирования может быть создание новой точки общественного питания или создание новых элементов компьютера); в результате реализации проекта появляется новый объект, вещь, предмет; вместе с тем проектироваться могут новые свойства – назначения и функции старой вещи; подобные объекты чаще связаны с техническим проектированием; </a:t>
-            </a:r>
-            <a:br>
-              <a:rPr lang="ru-RU" sz="1600" dirty="0">
-                <a:latin typeface="Times New Roman" panose="02020603050405020304" pitchFamily="18" charset="0"/>
-                <a:cs typeface="Times New Roman" panose="02020603050405020304" pitchFamily="18" charset="0"/>
-              </a:rPr>
-            </a:br>
-            <a:r>
-              <a:rPr lang="ru-RU" sz="1600" dirty="0">
-                <a:latin typeface="Times New Roman" panose="02020603050405020304" pitchFamily="18" charset="0"/>
-                <a:cs typeface="Times New Roman" panose="02020603050405020304" pitchFamily="18" charset="0"/>
-              </a:rPr>
-              <a:t/>
-            </a:r>
-            <a:br>
-              <a:rPr lang="ru-RU" sz="1600" dirty="0">
-                <a:latin typeface="Times New Roman" panose="02020603050405020304" pitchFamily="18" charset="0"/>
-                <a:cs typeface="Times New Roman" panose="02020603050405020304" pitchFamily="18" charset="0"/>
-              </a:rPr>
-            </a:br>
-            <a:r>
-              <a:rPr lang="ru-RU" sz="1600" dirty="0">
-                <a:latin typeface="Times New Roman" panose="02020603050405020304" pitchFamily="18" charset="0"/>
-                <a:cs typeface="Times New Roman" panose="02020603050405020304" pitchFamily="18" charset="0"/>
-              </a:rPr>
-              <a:t>2) нематериальные (не вещные) свойства и отношения (например, есть такие проекты, которые направлены не на достижение материального результата, а на получение информации о клиентах, изменение нашего отношения к той или иной проблеме).</a:t>
-            </a:r>
-          </a:p>
-        </p:txBody>
-      </p:sp>
-      <p:sp>
-        <p:nvSpPr>
           <p:cNvPr id="4" name="TextBox 3"/>
           <p:cNvSpPr txBox="1"/>
           <p:nvPr/>
@@ -5356,7 +5110,7 @@
               <a:rPr lang="ru-RU" sz="2100" dirty="0" smtClean="0">
                 <a:latin typeface="Bookman Old Style" panose="02050604050505020204" pitchFamily="18" charset="0"/>
               </a:rPr>
-              <a:t>Основные определения</a:t>
+              <a:t>Роли в команде проекта</a:t>
             </a:r>
             <a:endParaRPr lang="ru-RU" sz="2100" dirty="0">
               <a:latin typeface="Bookman Old Style" panose="02050604050505020204" pitchFamily="18" charset="0"/>
@@ -5493,7 +5247,7 @@
           <a:p>
             <a:pPr algn="ctr"/>
             <a:fld id="{C16716D8-33A6-4CD7-92A8-E4A7CF52C18D}" type="slidenum">
-              <a:rPr lang="ru-RU">
+              <a:rPr lang="ru-RU" smtClean="0">
                 <a:solidFill>
                   <a:schemeClr val="accent1">
                     <a:lumMod val="75000"/>
@@ -5505,13 +5259,13 @@
               <a:t>13</a:t>
             </a:fld>
             <a:r>
-              <a:rPr lang="ru-RU" dirty="0">
+              <a:rPr lang="ru-RU" dirty="0" smtClean="0">
                 <a:latin typeface="Bookman Old Style" panose="02050604050505020204" pitchFamily="18" charset="0"/>
               </a:rPr>
               <a:t>/</a:t>
             </a:r>
             <a:r>
-              <a:rPr lang="ru-RU" dirty="0">
+              <a:rPr lang="ru-RU" dirty="0" smtClean="0">
                 <a:solidFill>
                   <a:schemeClr val="tx2">
                     <a:lumMod val="50000"/>
@@ -5519,546 +5273,10 @@
                 </a:solidFill>
                 <a:latin typeface="Bookman Old Style" panose="02050604050505020204" pitchFamily="18" charset="0"/>
               </a:rPr>
-              <a:t>15</a:t>
-            </a:r>
-          </a:p>
-        </p:txBody>
-      </p:sp>
-      <p:sp>
-        <p:nvSpPr>
-          <p:cNvPr id="14" name="TextBox 13"/>
-          <p:cNvSpPr txBox="1"/>
-          <p:nvPr/>
-        </p:nvSpPr>
-        <p:spPr>
-          <a:xfrm>
-            <a:off x="-1" y="6534835"/>
-            <a:ext cx="11208567" cy="338554"/>
-          </a:xfrm>
-          <a:prstGeom prst="rect">
-            <a:avLst/>
-          </a:prstGeom>
-          <a:noFill/>
-          <a:ln>
-            <a:noFill/>
-          </a:ln>
-        </p:spPr>
-        <p:txBody>
-          <a:bodyPr wrap="square" rtlCol="0">
-            <a:spAutoFit/>
-          </a:bodyPr>
-          <a:lstStyle/>
-          <a:p>
-            <a:pPr algn="ctr"/>
-            <a:r>
-              <a:rPr lang="ru-RU" sz="1500" dirty="0">
-                <a:latin typeface="Bookman Old Style" panose="02050604050505020204" pitchFamily="18" charset="0"/>
-              </a:rPr>
-              <a:t>Лекция №1. </a:t>
-            </a:r>
-            <a:r>
-              <a:rPr lang="ru-RU" sz="1600" dirty="0">
-                <a:latin typeface="Bookman Old Style" panose="02050604050505020204" pitchFamily="18" charset="0"/>
-              </a:rPr>
-              <a:t>Общие представления о проектной деятельности</a:t>
-            </a:r>
-            <a:endParaRPr lang="ru-RU" sz="1500" dirty="0">
-              <a:latin typeface="Bookman Old Style" panose="02050604050505020204" pitchFamily="18" charset="0"/>
-            </a:endParaRPr>
-          </a:p>
-        </p:txBody>
-      </p:sp>
-    </p:spTree>
-    <p:extLst>
-      <p:ext uri="{BB962C8B-B14F-4D97-AF65-F5344CB8AC3E}">
-        <p14:creationId xmlns:p14="http://schemas.microsoft.com/office/powerpoint/2010/main" val="1272687750"/>
-      </p:ext>
-    </p:extLst>
-  </p:cSld>
-  <p:clrMapOvr>
-    <a:masterClrMapping/>
-  </p:clrMapOvr>
-  <p:timing>
-    <p:tnLst>
-      <p:par>
-        <p:cTn id="1" dur="indefinite" restart="never" nodeType="tmRoot"/>
-      </p:par>
-    </p:tnLst>
-  </p:timing>
-</p:sld>
-</file>
-
-<file path=ppt/slides/slide14.xml><?xml version="1.0" encoding="utf-8"?>
-<p:sld xmlns:a="http://schemas.openxmlformats.org/drawingml/2006/main" xmlns:r="http://schemas.openxmlformats.org/officeDocument/2006/relationships" xmlns:p="http://schemas.openxmlformats.org/presentationml/2006/main">
-  <p:cSld>
-    <p:spTree>
-      <p:nvGrpSpPr>
-        <p:cNvPr id="1" name=""/>
-        <p:cNvGrpSpPr/>
-        <p:nvPr/>
-      </p:nvGrpSpPr>
-      <p:grpSpPr>
-        <a:xfrm>
-          <a:off x="0" y="0"/>
-          <a:ext cx="0" cy="0"/>
-          <a:chOff x="0" y="0"/>
-          <a:chExt cx="0" cy="0"/>
-        </a:xfrm>
-      </p:grpSpPr>
-      <p:sp>
-        <p:nvSpPr>
-          <p:cNvPr id="2" name="Заголовок 1"/>
-          <p:cNvSpPr>
-            <a:spLocks noGrp="1"/>
-          </p:cNvSpPr>
-          <p:nvPr>
-            <p:ph type="ctrTitle"/>
-          </p:nvPr>
-        </p:nvSpPr>
-        <p:spPr>
-          <a:xfrm>
-            <a:off x="119336" y="1296323"/>
-            <a:ext cx="11809312" cy="4455005"/>
-          </a:xfrm>
-        </p:spPr>
-        <p:txBody>
-          <a:bodyPr>
-            <a:noAutofit/>
-          </a:bodyPr>
-          <a:lstStyle/>
-          <a:p>
-            <a:pPr algn="l"/>
-            <a:r>
-              <a:rPr lang="ru-RU" sz="1600" b="1" dirty="0">
-                <a:latin typeface="Times New Roman" panose="02020603050405020304" pitchFamily="18" charset="0"/>
-                <a:cs typeface="Times New Roman" panose="02020603050405020304" pitchFamily="18" charset="0"/>
-              </a:rPr>
-              <a:t>Проект </a:t>
-            </a:r>
-            <a:r>
-              <a:rPr lang="ru-RU" sz="1600" dirty="0">
-                <a:latin typeface="Times New Roman" panose="02020603050405020304" pitchFamily="18" charset="0"/>
-                <a:cs typeface="Times New Roman" panose="02020603050405020304" pitchFamily="18" charset="0"/>
-              </a:rPr>
-              <a:t>(англ. </a:t>
-            </a:r>
-            <a:r>
-              <a:rPr lang="ru-RU" sz="1600" dirty="0" err="1">
-                <a:latin typeface="Times New Roman" panose="02020603050405020304" pitchFamily="18" charset="0"/>
-                <a:cs typeface="Times New Roman" panose="02020603050405020304" pitchFamily="18" charset="0"/>
-              </a:rPr>
-              <a:t>design</a:t>
-            </a:r>
-            <a:r>
-              <a:rPr lang="ru-RU" sz="1600" dirty="0">
-                <a:latin typeface="Times New Roman" panose="02020603050405020304" pitchFamily="18" charset="0"/>
-                <a:cs typeface="Times New Roman" panose="02020603050405020304" pitchFamily="18" charset="0"/>
-              </a:rPr>
-              <a:t>) – это работы, планы, мероприятия и другие задачи, направленные на создание уникального продукта (устройства, работы, услуги). </a:t>
-            </a:r>
-            <a:br>
-              <a:rPr lang="ru-RU" sz="1600" dirty="0">
-                <a:latin typeface="Times New Roman" panose="02020603050405020304" pitchFamily="18" charset="0"/>
-                <a:cs typeface="Times New Roman" panose="02020603050405020304" pitchFamily="18" charset="0"/>
-              </a:rPr>
-            </a:br>
-            <a:r>
-              <a:rPr lang="ru-RU" sz="1600" dirty="0">
-                <a:latin typeface="Times New Roman" panose="02020603050405020304" pitchFamily="18" charset="0"/>
-                <a:cs typeface="Times New Roman" panose="02020603050405020304" pitchFamily="18" charset="0"/>
-              </a:rPr>
-              <a:t/>
-            </a:r>
-            <a:br>
-              <a:rPr lang="ru-RU" sz="1600" dirty="0">
-                <a:latin typeface="Times New Roman" panose="02020603050405020304" pitchFamily="18" charset="0"/>
-                <a:cs typeface="Times New Roman" panose="02020603050405020304" pitchFamily="18" charset="0"/>
-              </a:rPr>
-            </a:br>
-            <a:r>
-              <a:rPr lang="ru-RU" sz="1600" b="1" dirty="0">
-                <a:latin typeface="Times New Roman" panose="02020603050405020304" pitchFamily="18" charset="0"/>
-                <a:cs typeface="Times New Roman" panose="02020603050405020304" pitchFamily="18" charset="0"/>
-              </a:rPr>
-              <a:t>Проектная деятельность – </a:t>
-            </a:r>
-            <a:r>
-              <a:rPr lang="ru-RU" sz="1600" dirty="0">
-                <a:latin typeface="Times New Roman" panose="02020603050405020304" pitchFamily="18" charset="0"/>
-                <a:cs typeface="Times New Roman" panose="02020603050405020304" pitchFamily="18" charset="0"/>
-              </a:rPr>
-              <a:t>это совокупность действий, направленных на решение конкретной задачи в рамках проекта, ограниченного целевой установкой, сроками и достигнутыми результатами (или продуктами). </a:t>
-            </a:r>
-            <a:br>
-              <a:rPr lang="ru-RU" sz="1600" dirty="0">
-                <a:latin typeface="Times New Roman" panose="02020603050405020304" pitchFamily="18" charset="0"/>
-                <a:cs typeface="Times New Roman" panose="02020603050405020304" pitchFamily="18" charset="0"/>
-              </a:rPr>
-            </a:br>
-            <a:r>
-              <a:rPr lang="ru-RU" sz="1600" dirty="0">
-                <a:latin typeface="Times New Roman" panose="02020603050405020304" pitchFamily="18" charset="0"/>
-                <a:cs typeface="Times New Roman" panose="02020603050405020304" pitchFamily="18" charset="0"/>
-              </a:rPr>
-              <a:t/>
-            </a:r>
-            <a:br>
-              <a:rPr lang="ru-RU" sz="1600" dirty="0">
-                <a:latin typeface="Times New Roman" panose="02020603050405020304" pitchFamily="18" charset="0"/>
-                <a:cs typeface="Times New Roman" panose="02020603050405020304" pitchFamily="18" charset="0"/>
-              </a:rPr>
-            </a:br>
-            <a:r>
-              <a:rPr lang="ru-RU" sz="1600" b="1" dirty="0">
-                <a:latin typeface="Times New Roman" panose="02020603050405020304" pitchFamily="18" charset="0"/>
-                <a:cs typeface="Times New Roman" panose="02020603050405020304" pitchFamily="18" charset="0"/>
-              </a:rPr>
-              <a:t>Проблема </a:t>
-            </a:r>
-            <a:r>
-              <a:rPr lang="ru-RU" sz="1600" dirty="0">
-                <a:latin typeface="Times New Roman" panose="02020603050405020304" pitchFamily="18" charset="0"/>
-                <a:cs typeface="Times New Roman" panose="02020603050405020304" pitchFamily="18" charset="0"/>
-              </a:rPr>
-              <a:t>– это сложный вопрос, требующий решения (расстояние между состояниями «Хочу» и «Могу»). </a:t>
-            </a:r>
-            <a:br>
-              <a:rPr lang="ru-RU" sz="1600" dirty="0">
-                <a:latin typeface="Times New Roman" panose="02020603050405020304" pitchFamily="18" charset="0"/>
-                <a:cs typeface="Times New Roman" panose="02020603050405020304" pitchFamily="18" charset="0"/>
-              </a:rPr>
-            </a:br>
-            <a:r>
-              <a:rPr lang="ru-RU" sz="1600" dirty="0">
-                <a:latin typeface="Times New Roman" panose="02020603050405020304" pitchFamily="18" charset="0"/>
-                <a:cs typeface="Times New Roman" panose="02020603050405020304" pitchFamily="18" charset="0"/>
-              </a:rPr>
-              <a:t/>
-            </a:r>
-            <a:br>
-              <a:rPr lang="ru-RU" sz="1600" dirty="0">
-                <a:latin typeface="Times New Roman" panose="02020603050405020304" pitchFamily="18" charset="0"/>
-                <a:cs typeface="Times New Roman" panose="02020603050405020304" pitchFamily="18" charset="0"/>
-              </a:rPr>
-            </a:br>
-            <a:r>
-              <a:rPr lang="ru-RU" sz="1600" b="1" dirty="0">
-                <a:latin typeface="Times New Roman" panose="02020603050405020304" pitchFamily="18" charset="0"/>
-                <a:cs typeface="Times New Roman" panose="02020603050405020304" pitchFamily="18" charset="0"/>
-              </a:rPr>
-              <a:t>Идея </a:t>
-            </a:r>
-            <a:r>
-              <a:rPr lang="ru-RU" sz="1600" dirty="0">
-                <a:latin typeface="Times New Roman" panose="02020603050405020304" pitchFamily="18" charset="0"/>
-                <a:cs typeface="Times New Roman" panose="02020603050405020304" pitchFamily="18" charset="0"/>
-              </a:rPr>
-              <a:t>– это мысль, переходящая в действие. В данном случае идея должна быть уникальной для той среды, в которой планируется реализация проекта. </a:t>
-            </a:r>
-            <a:br>
-              <a:rPr lang="ru-RU" sz="1600" dirty="0">
-                <a:latin typeface="Times New Roman" panose="02020603050405020304" pitchFamily="18" charset="0"/>
-                <a:cs typeface="Times New Roman" panose="02020603050405020304" pitchFamily="18" charset="0"/>
-              </a:rPr>
-            </a:br>
-            <a:r>
-              <a:rPr lang="ru-RU" sz="1600" dirty="0">
-                <a:latin typeface="Times New Roman" panose="02020603050405020304" pitchFamily="18" charset="0"/>
-                <a:cs typeface="Times New Roman" panose="02020603050405020304" pitchFamily="18" charset="0"/>
-              </a:rPr>
-              <a:t/>
-            </a:r>
-            <a:br>
-              <a:rPr lang="ru-RU" sz="1600" dirty="0">
-                <a:latin typeface="Times New Roman" panose="02020603050405020304" pitchFamily="18" charset="0"/>
-                <a:cs typeface="Times New Roman" panose="02020603050405020304" pitchFamily="18" charset="0"/>
-              </a:rPr>
-            </a:br>
-            <a:r>
-              <a:rPr lang="ru-RU" sz="1600" b="1" dirty="0">
-                <a:latin typeface="Times New Roman" panose="02020603050405020304" pitchFamily="18" charset="0"/>
-                <a:cs typeface="Times New Roman" panose="02020603050405020304" pitchFamily="18" charset="0"/>
-              </a:rPr>
-              <a:t>Субъекты проектирования </a:t>
-            </a:r>
-            <a:r>
-              <a:rPr lang="ru-RU" sz="1600" dirty="0">
-                <a:latin typeface="Times New Roman" panose="02020603050405020304" pitchFamily="18" charset="0"/>
-                <a:cs typeface="Times New Roman" panose="02020603050405020304" pitchFamily="18" charset="0"/>
-              </a:rPr>
-              <a:t>– отдельные личности или организации, коллективы, социальные институты, ставящие своей целью преобразование действительности. </a:t>
-            </a:r>
-            <a:br>
-              <a:rPr lang="ru-RU" sz="1600" dirty="0">
-                <a:latin typeface="Times New Roman" panose="02020603050405020304" pitchFamily="18" charset="0"/>
-                <a:cs typeface="Times New Roman" panose="02020603050405020304" pitchFamily="18" charset="0"/>
-              </a:rPr>
-            </a:br>
-            <a:r>
-              <a:rPr lang="ru-RU" sz="1600" dirty="0">
-                <a:latin typeface="Times New Roman" panose="02020603050405020304" pitchFamily="18" charset="0"/>
-                <a:cs typeface="Times New Roman" panose="02020603050405020304" pitchFamily="18" charset="0"/>
-              </a:rPr>
-              <a:t/>
-            </a:r>
-            <a:br>
-              <a:rPr lang="ru-RU" sz="1600" dirty="0">
-                <a:latin typeface="Times New Roman" panose="02020603050405020304" pitchFamily="18" charset="0"/>
-                <a:cs typeface="Times New Roman" panose="02020603050405020304" pitchFamily="18" charset="0"/>
-              </a:rPr>
-            </a:br>
-            <a:r>
-              <a:rPr lang="ru-RU" sz="1600" b="1" dirty="0">
-                <a:latin typeface="Times New Roman" panose="02020603050405020304" pitchFamily="18" charset="0"/>
-                <a:cs typeface="Times New Roman" panose="02020603050405020304" pitchFamily="18" charset="0"/>
-              </a:rPr>
-              <a:t>Объекты проектирования</a:t>
-            </a:r>
-            <a:r>
-              <a:rPr lang="ru-RU" sz="1600" dirty="0">
-                <a:latin typeface="Times New Roman" panose="02020603050405020304" pitchFamily="18" charset="0"/>
-                <a:cs typeface="Times New Roman" panose="02020603050405020304" pitchFamily="18" charset="0"/>
-              </a:rPr>
-              <a:t>: </a:t>
-            </a:r>
-            <a:br>
-              <a:rPr lang="ru-RU" sz="1600" dirty="0">
-                <a:latin typeface="Times New Roman" panose="02020603050405020304" pitchFamily="18" charset="0"/>
-                <a:cs typeface="Times New Roman" panose="02020603050405020304" pitchFamily="18" charset="0"/>
-              </a:rPr>
-            </a:br>
-            <a:r>
-              <a:rPr lang="ru-RU" sz="1600" dirty="0">
-                <a:latin typeface="Times New Roman" panose="02020603050405020304" pitchFamily="18" charset="0"/>
-                <a:cs typeface="Times New Roman" panose="02020603050405020304" pitchFamily="18" charset="0"/>
-              </a:rPr>
-              <a:t/>
-            </a:r>
-            <a:br>
-              <a:rPr lang="ru-RU" sz="1600" dirty="0">
-                <a:latin typeface="Times New Roman" panose="02020603050405020304" pitchFamily="18" charset="0"/>
-                <a:cs typeface="Times New Roman" panose="02020603050405020304" pitchFamily="18" charset="0"/>
-              </a:rPr>
-            </a:br>
-            <a:r>
-              <a:rPr lang="ru-RU" sz="1600" dirty="0">
-                <a:latin typeface="Times New Roman" panose="02020603050405020304" pitchFamily="18" charset="0"/>
-                <a:cs typeface="Times New Roman" panose="02020603050405020304" pitchFamily="18" charset="0"/>
-              </a:rPr>
-              <a:t>1) объекты материальной природы (например, объектом проектирования может быть создание новой точки общественного питания или создание новых элементов компьютера); в результате реализации проекта появляется новый объект, вещь, предмет; вместе с тем проектироваться могут новые свойства – назначения и функции старой вещи; подобные объекты чаще связаны с техническим проектированием; </a:t>
-            </a:r>
-            <a:br>
-              <a:rPr lang="ru-RU" sz="1600" dirty="0">
-                <a:latin typeface="Times New Roman" panose="02020603050405020304" pitchFamily="18" charset="0"/>
-                <a:cs typeface="Times New Roman" panose="02020603050405020304" pitchFamily="18" charset="0"/>
-              </a:rPr>
-            </a:br>
-            <a:r>
-              <a:rPr lang="ru-RU" sz="1600" dirty="0">
-                <a:latin typeface="Times New Roman" panose="02020603050405020304" pitchFamily="18" charset="0"/>
-                <a:cs typeface="Times New Roman" panose="02020603050405020304" pitchFamily="18" charset="0"/>
-              </a:rPr>
-              <a:t/>
-            </a:r>
-            <a:br>
-              <a:rPr lang="ru-RU" sz="1600" dirty="0">
-                <a:latin typeface="Times New Roman" panose="02020603050405020304" pitchFamily="18" charset="0"/>
-                <a:cs typeface="Times New Roman" panose="02020603050405020304" pitchFamily="18" charset="0"/>
-              </a:rPr>
-            </a:br>
-            <a:r>
-              <a:rPr lang="ru-RU" sz="1600" dirty="0">
-                <a:latin typeface="Times New Roman" panose="02020603050405020304" pitchFamily="18" charset="0"/>
-                <a:cs typeface="Times New Roman" panose="02020603050405020304" pitchFamily="18" charset="0"/>
-              </a:rPr>
-              <a:t>2) нематериальные (не вещные) свойства и отношения (например, есть такие проекты, которые направлены не на достижение материального результата, а на получение информации о клиентах, изменение нашего отношения к той или иной проблеме).</a:t>
-            </a:r>
-          </a:p>
-        </p:txBody>
-      </p:sp>
-      <p:sp>
-        <p:nvSpPr>
-          <p:cNvPr id="4" name="TextBox 3"/>
-          <p:cNvSpPr txBox="1"/>
-          <p:nvPr/>
-        </p:nvSpPr>
-        <p:spPr>
-          <a:xfrm>
-            <a:off x="1524000" y="43947"/>
-            <a:ext cx="9144000" cy="415498"/>
-          </a:xfrm>
-          <a:prstGeom prst="rect">
-            <a:avLst/>
-          </a:prstGeom>
-          <a:noFill/>
-        </p:spPr>
-        <p:txBody>
-          <a:bodyPr wrap="square" rtlCol="0">
-            <a:spAutoFit/>
-          </a:bodyPr>
-          <a:lstStyle/>
-          <a:p>
-            <a:pPr algn="ctr"/>
-            <a:r>
-              <a:rPr lang="ru-RU" sz="2100" dirty="0" smtClean="0">
-                <a:latin typeface="Bookman Old Style" panose="02050604050505020204" pitchFamily="18" charset="0"/>
-              </a:rPr>
-              <a:t>Основные определения</a:t>
-            </a:r>
-            <a:endParaRPr lang="ru-RU" sz="2100" dirty="0">
-              <a:latin typeface="Bookman Old Style" panose="02050604050505020204" pitchFamily="18" charset="0"/>
-            </a:endParaRPr>
-          </a:p>
-        </p:txBody>
-      </p:sp>
-      <p:cxnSp>
-        <p:nvCxnSpPr>
-          <p:cNvPr id="7" name="Прямая соединительная линия 6"/>
-          <p:cNvCxnSpPr/>
-          <p:nvPr/>
-        </p:nvCxnSpPr>
-        <p:spPr>
-          <a:xfrm>
-            <a:off x="0" y="497464"/>
-            <a:ext cx="12192000" cy="0"/>
-          </a:xfrm>
-          <a:prstGeom prst="line">
-            <a:avLst/>
-          </a:prstGeom>
-          <a:ln w="76200" cmpd="thickThin">
-            <a:solidFill>
-              <a:schemeClr val="tx2"/>
-            </a:solidFill>
-          </a:ln>
-        </p:spPr>
-        <p:style>
-          <a:lnRef idx="1">
-            <a:schemeClr val="accent1"/>
-          </a:lnRef>
-          <a:fillRef idx="0">
-            <a:schemeClr val="accent1"/>
-          </a:fillRef>
-          <a:effectRef idx="0">
-            <a:schemeClr val="accent1"/>
-          </a:effectRef>
-          <a:fontRef idx="minor">
-            <a:schemeClr val="tx1"/>
-          </a:fontRef>
-        </p:style>
-      </p:cxnSp>
-      <p:cxnSp>
-        <p:nvCxnSpPr>
-          <p:cNvPr id="9" name="Прямая соединительная линия 8"/>
-          <p:cNvCxnSpPr/>
-          <p:nvPr/>
-        </p:nvCxnSpPr>
-        <p:spPr>
-          <a:xfrm>
-            <a:off x="0" y="6534835"/>
-            <a:ext cx="12192000" cy="0"/>
-          </a:xfrm>
-          <a:prstGeom prst="line">
-            <a:avLst/>
-          </a:prstGeom>
-          <a:ln w="28575">
-            <a:solidFill>
-              <a:schemeClr val="tx2"/>
-            </a:solidFill>
-          </a:ln>
-        </p:spPr>
-        <p:style>
-          <a:lnRef idx="1">
-            <a:schemeClr val="accent1"/>
-          </a:lnRef>
-          <a:fillRef idx="0">
-            <a:schemeClr val="accent1"/>
-          </a:fillRef>
-          <a:effectRef idx="0">
-            <a:schemeClr val="accent1"/>
-          </a:effectRef>
-          <a:fontRef idx="minor">
-            <a:schemeClr val="tx1"/>
-          </a:fontRef>
-        </p:style>
-      </p:cxnSp>
-      <p:cxnSp>
-        <p:nvCxnSpPr>
-          <p:cNvPr id="10" name="Прямая соединительная линия 9"/>
-          <p:cNvCxnSpPr/>
-          <p:nvPr/>
-        </p:nvCxnSpPr>
-        <p:spPr>
-          <a:xfrm flipV="1">
-            <a:off x="11208568" y="6534835"/>
-            <a:ext cx="0" cy="332656"/>
-          </a:xfrm>
-          <a:prstGeom prst="line">
-            <a:avLst/>
-          </a:prstGeom>
-          <a:ln w="28575">
-            <a:solidFill>
-              <a:schemeClr val="tx2"/>
-            </a:solidFill>
-          </a:ln>
-        </p:spPr>
-        <p:style>
-          <a:lnRef idx="1">
-            <a:schemeClr val="accent1"/>
-          </a:lnRef>
-          <a:fillRef idx="0">
-            <a:schemeClr val="accent1"/>
-          </a:fillRef>
-          <a:effectRef idx="0">
-            <a:schemeClr val="accent1"/>
-          </a:effectRef>
-          <a:fontRef idx="minor">
-            <a:schemeClr val="tx1"/>
-          </a:fontRef>
-        </p:style>
-      </p:cxnSp>
-      <p:sp>
-        <p:nvSpPr>
-          <p:cNvPr id="13" name="TextBox 12"/>
-          <p:cNvSpPr txBox="1"/>
-          <p:nvPr/>
-        </p:nvSpPr>
-        <p:spPr>
-          <a:xfrm>
-            <a:off x="11208569" y="6515751"/>
-            <a:ext cx="983432" cy="369332"/>
-          </a:xfrm>
-          <a:prstGeom prst="rect">
-            <a:avLst/>
-          </a:prstGeom>
-          <a:noFill/>
-        </p:spPr>
-        <p:txBody>
-          <a:bodyPr wrap="square" rtlCol="0">
-            <a:spAutoFit/>
-          </a:bodyPr>
-          <a:lstStyle/>
-          <a:p>
-            <a:pPr algn="ctr"/>
-            <a:fld id="{C16716D8-33A6-4CD7-92A8-E4A7CF52C18D}" type="slidenum">
-              <a:rPr lang="ru-RU">
-                <a:solidFill>
-                  <a:schemeClr val="accent1">
-                    <a:lumMod val="75000"/>
-                  </a:schemeClr>
-                </a:solidFill>
-                <a:latin typeface="Bookman Old Style" panose="02050604050505020204" pitchFamily="18" charset="0"/>
-              </a:rPr>
-              <a:pPr algn="ctr"/>
-              <a:t>14</a:t>
-            </a:fld>
-            <a:r>
-              <a:rPr lang="ru-RU" dirty="0">
-                <a:latin typeface="Bookman Old Style" panose="02050604050505020204" pitchFamily="18" charset="0"/>
-              </a:rPr>
-              <a:t>/</a:t>
-            </a:r>
-            <a:r>
-              <a:rPr lang="ru-RU" dirty="0">
+              <a:t>1</a:t>
+            </a:r>
+            <a:r>
+              <a:rPr lang="en-US" dirty="0" smtClean="0">
                 <a:solidFill>
                   <a:schemeClr val="tx2">
                     <a:lumMod val="50000"/>
@@ -6066,1102 +5284,16 @@
                 </a:solidFill>
                 <a:latin typeface="Bookman Old Style" panose="02050604050505020204" pitchFamily="18" charset="0"/>
               </a:rPr>
-              <a:t>15</a:t>
-            </a:r>
-          </a:p>
-        </p:txBody>
-      </p:sp>
-      <p:sp>
-        <p:nvSpPr>
-          <p:cNvPr id="14" name="TextBox 13"/>
-          <p:cNvSpPr txBox="1"/>
-          <p:nvPr/>
-        </p:nvSpPr>
-        <p:spPr>
-          <a:xfrm>
-            <a:off x="-1" y="6534835"/>
-            <a:ext cx="11208567" cy="338554"/>
-          </a:xfrm>
-          <a:prstGeom prst="rect">
-            <a:avLst/>
-          </a:prstGeom>
-          <a:noFill/>
-          <a:ln>
-            <a:noFill/>
-          </a:ln>
-        </p:spPr>
-        <p:txBody>
-          <a:bodyPr wrap="square" rtlCol="0">
-            <a:spAutoFit/>
-          </a:bodyPr>
-          <a:lstStyle/>
-          <a:p>
-            <a:pPr algn="ctr"/>
-            <a:r>
-              <a:rPr lang="ru-RU" sz="1500" dirty="0">
-                <a:latin typeface="Bookman Old Style" panose="02050604050505020204" pitchFamily="18" charset="0"/>
-              </a:rPr>
-              <a:t>Лекция №1. </a:t>
-            </a:r>
-            <a:r>
-              <a:rPr lang="ru-RU" sz="1600" dirty="0">
-                <a:latin typeface="Bookman Old Style" panose="02050604050505020204" pitchFamily="18" charset="0"/>
-              </a:rPr>
-              <a:t>Общие представления о проектной деятельности</a:t>
-            </a:r>
-            <a:endParaRPr lang="ru-RU" sz="1500" dirty="0">
+              <a:t>3</a:t>
+            </a:r>
+            <a:endParaRPr lang="ru-RU" dirty="0">
+              <a:solidFill>
+                <a:schemeClr val="tx2">
+                  <a:lumMod val="50000"/>
+                </a:schemeClr>
+              </a:solidFill>
               <a:latin typeface="Bookman Old Style" panose="02050604050505020204" pitchFamily="18" charset="0"/>
             </a:endParaRPr>
-          </a:p>
-        </p:txBody>
-      </p:sp>
-    </p:spTree>
-    <p:extLst>
-      <p:ext uri="{BB962C8B-B14F-4D97-AF65-F5344CB8AC3E}">
-        <p14:creationId xmlns:p14="http://schemas.microsoft.com/office/powerpoint/2010/main" val="1673717500"/>
-      </p:ext>
-    </p:extLst>
-  </p:cSld>
-  <p:clrMapOvr>
-    <a:masterClrMapping/>
-  </p:clrMapOvr>
-  <p:timing>
-    <p:tnLst>
-      <p:par>
-        <p:cTn id="1" dur="indefinite" restart="never" nodeType="tmRoot"/>
-      </p:par>
-    </p:tnLst>
-  </p:timing>
-</p:sld>
-</file>
-
-<file path=ppt/slides/slide15.xml><?xml version="1.0" encoding="utf-8"?>
-<p:sld xmlns:a="http://schemas.openxmlformats.org/drawingml/2006/main" xmlns:r="http://schemas.openxmlformats.org/officeDocument/2006/relationships" xmlns:p="http://schemas.openxmlformats.org/presentationml/2006/main">
-  <p:cSld>
-    <p:spTree>
-      <p:nvGrpSpPr>
-        <p:cNvPr id="1" name=""/>
-        <p:cNvGrpSpPr/>
-        <p:nvPr/>
-      </p:nvGrpSpPr>
-      <p:grpSpPr>
-        <a:xfrm>
-          <a:off x="0" y="0"/>
-          <a:ext cx="0" cy="0"/>
-          <a:chOff x="0" y="0"/>
-          <a:chExt cx="0" cy="0"/>
-        </a:xfrm>
-      </p:grpSpPr>
-      <p:sp>
-        <p:nvSpPr>
-          <p:cNvPr id="2" name="Заголовок 1"/>
-          <p:cNvSpPr>
-            <a:spLocks noGrp="1"/>
-          </p:cNvSpPr>
-          <p:nvPr>
-            <p:ph type="ctrTitle"/>
-          </p:nvPr>
-        </p:nvSpPr>
-        <p:spPr>
-          <a:xfrm>
-            <a:off x="119336" y="1296323"/>
-            <a:ext cx="11809312" cy="4455005"/>
-          </a:xfrm>
-        </p:spPr>
-        <p:txBody>
-          <a:bodyPr>
-            <a:noAutofit/>
-          </a:bodyPr>
-          <a:lstStyle/>
-          <a:p>
-            <a:pPr algn="l"/>
-            <a:r>
-              <a:rPr lang="ru-RU" sz="1600" b="1" dirty="0">
-                <a:latin typeface="Times New Roman" panose="02020603050405020304" pitchFamily="18" charset="0"/>
-                <a:cs typeface="Times New Roman" panose="02020603050405020304" pitchFamily="18" charset="0"/>
-              </a:rPr>
-              <a:t>Проект </a:t>
-            </a:r>
-            <a:r>
-              <a:rPr lang="ru-RU" sz="1600" dirty="0">
-                <a:latin typeface="Times New Roman" panose="02020603050405020304" pitchFamily="18" charset="0"/>
-                <a:cs typeface="Times New Roman" panose="02020603050405020304" pitchFamily="18" charset="0"/>
-              </a:rPr>
-              <a:t>(англ. </a:t>
-            </a:r>
-            <a:r>
-              <a:rPr lang="ru-RU" sz="1600" dirty="0" err="1">
-                <a:latin typeface="Times New Roman" panose="02020603050405020304" pitchFamily="18" charset="0"/>
-                <a:cs typeface="Times New Roman" panose="02020603050405020304" pitchFamily="18" charset="0"/>
-              </a:rPr>
-              <a:t>design</a:t>
-            </a:r>
-            <a:r>
-              <a:rPr lang="ru-RU" sz="1600" dirty="0">
-                <a:latin typeface="Times New Roman" panose="02020603050405020304" pitchFamily="18" charset="0"/>
-                <a:cs typeface="Times New Roman" panose="02020603050405020304" pitchFamily="18" charset="0"/>
-              </a:rPr>
-              <a:t>) – это работы, планы, мероприятия и другие задачи, направленные на создание уникального продукта (устройства, работы, услуги). </a:t>
-            </a:r>
-            <a:br>
-              <a:rPr lang="ru-RU" sz="1600" dirty="0">
-                <a:latin typeface="Times New Roman" panose="02020603050405020304" pitchFamily="18" charset="0"/>
-                <a:cs typeface="Times New Roman" panose="02020603050405020304" pitchFamily="18" charset="0"/>
-              </a:rPr>
-            </a:br>
-            <a:r>
-              <a:rPr lang="ru-RU" sz="1600" dirty="0">
-                <a:latin typeface="Times New Roman" panose="02020603050405020304" pitchFamily="18" charset="0"/>
-                <a:cs typeface="Times New Roman" panose="02020603050405020304" pitchFamily="18" charset="0"/>
-              </a:rPr>
-              <a:t/>
-            </a:r>
-            <a:br>
-              <a:rPr lang="ru-RU" sz="1600" dirty="0">
-                <a:latin typeface="Times New Roman" panose="02020603050405020304" pitchFamily="18" charset="0"/>
-                <a:cs typeface="Times New Roman" panose="02020603050405020304" pitchFamily="18" charset="0"/>
-              </a:rPr>
-            </a:br>
-            <a:r>
-              <a:rPr lang="ru-RU" sz="1600" b="1" dirty="0">
-                <a:latin typeface="Times New Roman" panose="02020603050405020304" pitchFamily="18" charset="0"/>
-                <a:cs typeface="Times New Roman" panose="02020603050405020304" pitchFamily="18" charset="0"/>
-              </a:rPr>
-              <a:t>Проектная деятельность – </a:t>
-            </a:r>
-            <a:r>
-              <a:rPr lang="ru-RU" sz="1600" dirty="0">
-                <a:latin typeface="Times New Roman" panose="02020603050405020304" pitchFamily="18" charset="0"/>
-                <a:cs typeface="Times New Roman" panose="02020603050405020304" pitchFamily="18" charset="0"/>
-              </a:rPr>
-              <a:t>это совокупность действий, направленных на решение конкретной задачи в рамках проекта, ограниченного целевой установкой, сроками и достигнутыми результатами (или продуктами). </a:t>
-            </a:r>
-            <a:br>
-              <a:rPr lang="ru-RU" sz="1600" dirty="0">
-                <a:latin typeface="Times New Roman" panose="02020603050405020304" pitchFamily="18" charset="0"/>
-                <a:cs typeface="Times New Roman" panose="02020603050405020304" pitchFamily="18" charset="0"/>
-              </a:rPr>
-            </a:br>
-            <a:r>
-              <a:rPr lang="ru-RU" sz="1600" dirty="0">
-                <a:latin typeface="Times New Roman" panose="02020603050405020304" pitchFamily="18" charset="0"/>
-                <a:cs typeface="Times New Roman" panose="02020603050405020304" pitchFamily="18" charset="0"/>
-              </a:rPr>
-              <a:t/>
-            </a:r>
-            <a:br>
-              <a:rPr lang="ru-RU" sz="1600" dirty="0">
-                <a:latin typeface="Times New Roman" panose="02020603050405020304" pitchFamily="18" charset="0"/>
-                <a:cs typeface="Times New Roman" panose="02020603050405020304" pitchFamily="18" charset="0"/>
-              </a:rPr>
-            </a:br>
-            <a:r>
-              <a:rPr lang="ru-RU" sz="1600" b="1" dirty="0">
-                <a:latin typeface="Times New Roman" panose="02020603050405020304" pitchFamily="18" charset="0"/>
-                <a:cs typeface="Times New Roman" panose="02020603050405020304" pitchFamily="18" charset="0"/>
-              </a:rPr>
-              <a:t>Проблема </a:t>
-            </a:r>
-            <a:r>
-              <a:rPr lang="ru-RU" sz="1600" dirty="0">
-                <a:latin typeface="Times New Roman" panose="02020603050405020304" pitchFamily="18" charset="0"/>
-                <a:cs typeface="Times New Roman" panose="02020603050405020304" pitchFamily="18" charset="0"/>
-              </a:rPr>
-              <a:t>– это сложный вопрос, требующий решения (расстояние между состояниями «Хочу» и «Могу»). </a:t>
-            </a:r>
-            <a:br>
-              <a:rPr lang="ru-RU" sz="1600" dirty="0">
-                <a:latin typeface="Times New Roman" panose="02020603050405020304" pitchFamily="18" charset="0"/>
-                <a:cs typeface="Times New Roman" panose="02020603050405020304" pitchFamily="18" charset="0"/>
-              </a:rPr>
-            </a:br>
-            <a:r>
-              <a:rPr lang="ru-RU" sz="1600" dirty="0">
-                <a:latin typeface="Times New Roman" panose="02020603050405020304" pitchFamily="18" charset="0"/>
-                <a:cs typeface="Times New Roman" panose="02020603050405020304" pitchFamily="18" charset="0"/>
-              </a:rPr>
-              <a:t/>
-            </a:r>
-            <a:br>
-              <a:rPr lang="ru-RU" sz="1600" dirty="0">
-                <a:latin typeface="Times New Roman" panose="02020603050405020304" pitchFamily="18" charset="0"/>
-                <a:cs typeface="Times New Roman" panose="02020603050405020304" pitchFamily="18" charset="0"/>
-              </a:rPr>
-            </a:br>
-            <a:r>
-              <a:rPr lang="ru-RU" sz="1600" b="1" dirty="0">
-                <a:latin typeface="Times New Roman" panose="02020603050405020304" pitchFamily="18" charset="0"/>
-                <a:cs typeface="Times New Roman" panose="02020603050405020304" pitchFamily="18" charset="0"/>
-              </a:rPr>
-              <a:t>Идея </a:t>
-            </a:r>
-            <a:r>
-              <a:rPr lang="ru-RU" sz="1600" dirty="0">
-                <a:latin typeface="Times New Roman" panose="02020603050405020304" pitchFamily="18" charset="0"/>
-                <a:cs typeface="Times New Roman" panose="02020603050405020304" pitchFamily="18" charset="0"/>
-              </a:rPr>
-              <a:t>– это мысль, переходящая в действие. В данном случае идея должна быть уникальной для той среды, в которой планируется реализация проекта. </a:t>
-            </a:r>
-            <a:br>
-              <a:rPr lang="ru-RU" sz="1600" dirty="0">
-                <a:latin typeface="Times New Roman" panose="02020603050405020304" pitchFamily="18" charset="0"/>
-                <a:cs typeface="Times New Roman" panose="02020603050405020304" pitchFamily="18" charset="0"/>
-              </a:rPr>
-            </a:br>
-            <a:r>
-              <a:rPr lang="ru-RU" sz="1600" dirty="0">
-                <a:latin typeface="Times New Roman" panose="02020603050405020304" pitchFamily="18" charset="0"/>
-                <a:cs typeface="Times New Roman" panose="02020603050405020304" pitchFamily="18" charset="0"/>
-              </a:rPr>
-              <a:t/>
-            </a:r>
-            <a:br>
-              <a:rPr lang="ru-RU" sz="1600" dirty="0">
-                <a:latin typeface="Times New Roman" panose="02020603050405020304" pitchFamily="18" charset="0"/>
-                <a:cs typeface="Times New Roman" panose="02020603050405020304" pitchFamily="18" charset="0"/>
-              </a:rPr>
-            </a:br>
-            <a:r>
-              <a:rPr lang="ru-RU" sz="1600" b="1" dirty="0">
-                <a:latin typeface="Times New Roman" panose="02020603050405020304" pitchFamily="18" charset="0"/>
-                <a:cs typeface="Times New Roman" panose="02020603050405020304" pitchFamily="18" charset="0"/>
-              </a:rPr>
-              <a:t>Субъекты проектирования </a:t>
-            </a:r>
-            <a:r>
-              <a:rPr lang="ru-RU" sz="1600" dirty="0">
-                <a:latin typeface="Times New Roman" panose="02020603050405020304" pitchFamily="18" charset="0"/>
-                <a:cs typeface="Times New Roman" panose="02020603050405020304" pitchFamily="18" charset="0"/>
-              </a:rPr>
-              <a:t>– отдельные личности или организации, коллективы, социальные институты, ставящие своей целью преобразование действительности. </a:t>
-            </a:r>
-            <a:br>
-              <a:rPr lang="ru-RU" sz="1600" dirty="0">
-                <a:latin typeface="Times New Roman" panose="02020603050405020304" pitchFamily="18" charset="0"/>
-                <a:cs typeface="Times New Roman" panose="02020603050405020304" pitchFamily="18" charset="0"/>
-              </a:rPr>
-            </a:br>
-            <a:r>
-              <a:rPr lang="ru-RU" sz="1600" dirty="0">
-                <a:latin typeface="Times New Roman" panose="02020603050405020304" pitchFamily="18" charset="0"/>
-                <a:cs typeface="Times New Roman" panose="02020603050405020304" pitchFamily="18" charset="0"/>
-              </a:rPr>
-              <a:t/>
-            </a:r>
-            <a:br>
-              <a:rPr lang="ru-RU" sz="1600" dirty="0">
-                <a:latin typeface="Times New Roman" panose="02020603050405020304" pitchFamily="18" charset="0"/>
-                <a:cs typeface="Times New Roman" panose="02020603050405020304" pitchFamily="18" charset="0"/>
-              </a:rPr>
-            </a:br>
-            <a:r>
-              <a:rPr lang="ru-RU" sz="1600" b="1" dirty="0">
-                <a:latin typeface="Times New Roman" panose="02020603050405020304" pitchFamily="18" charset="0"/>
-                <a:cs typeface="Times New Roman" panose="02020603050405020304" pitchFamily="18" charset="0"/>
-              </a:rPr>
-              <a:t>Объекты проектирования</a:t>
-            </a:r>
-            <a:r>
-              <a:rPr lang="ru-RU" sz="1600" dirty="0">
-                <a:latin typeface="Times New Roman" panose="02020603050405020304" pitchFamily="18" charset="0"/>
-                <a:cs typeface="Times New Roman" panose="02020603050405020304" pitchFamily="18" charset="0"/>
-              </a:rPr>
-              <a:t>: </a:t>
-            </a:r>
-            <a:br>
-              <a:rPr lang="ru-RU" sz="1600" dirty="0">
-                <a:latin typeface="Times New Roman" panose="02020603050405020304" pitchFamily="18" charset="0"/>
-                <a:cs typeface="Times New Roman" panose="02020603050405020304" pitchFamily="18" charset="0"/>
-              </a:rPr>
-            </a:br>
-            <a:r>
-              <a:rPr lang="ru-RU" sz="1600" dirty="0">
-                <a:latin typeface="Times New Roman" panose="02020603050405020304" pitchFamily="18" charset="0"/>
-                <a:cs typeface="Times New Roman" panose="02020603050405020304" pitchFamily="18" charset="0"/>
-              </a:rPr>
-              <a:t/>
-            </a:r>
-            <a:br>
-              <a:rPr lang="ru-RU" sz="1600" dirty="0">
-                <a:latin typeface="Times New Roman" panose="02020603050405020304" pitchFamily="18" charset="0"/>
-                <a:cs typeface="Times New Roman" panose="02020603050405020304" pitchFamily="18" charset="0"/>
-              </a:rPr>
-            </a:br>
-            <a:r>
-              <a:rPr lang="ru-RU" sz="1600" dirty="0">
-                <a:latin typeface="Times New Roman" panose="02020603050405020304" pitchFamily="18" charset="0"/>
-                <a:cs typeface="Times New Roman" panose="02020603050405020304" pitchFamily="18" charset="0"/>
-              </a:rPr>
-              <a:t>1) объекты материальной природы (например, объектом проектирования может быть создание новой точки общественного питания или создание новых элементов компьютера); в результате реализации проекта появляется новый объект, вещь, предмет; вместе с тем проектироваться могут новые свойства – назначения и функции старой вещи; подобные объекты чаще связаны с техническим проектированием; </a:t>
-            </a:r>
-            <a:br>
-              <a:rPr lang="ru-RU" sz="1600" dirty="0">
-                <a:latin typeface="Times New Roman" panose="02020603050405020304" pitchFamily="18" charset="0"/>
-                <a:cs typeface="Times New Roman" panose="02020603050405020304" pitchFamily="18" charset="0"/>
-              </a:rPr>
-            </a:br>
-            <a:r>
-              <a:rPr lang="ru-RU" sz="1600" dirty="0">
-                <a:latin typeface="Times New Roman" panose="02020603050405020304" pitchFamily="18" charset="0"/>
-                <a:cs typeface="Times New Roman" panose="02020603050405020304" pitchFamily="18" charset="0"/>
-              </a:rPr>
-              <a:t/>
-            </a:r>
-            <a:br>
-              <a:rPr lang="ru-RU" sz="1600" dirty="0">
-                <a:latin typeface="Times New Roman" panose="02020603050405020304" pitchFamily="18" charset="0"/>
-                <a:cs typeface="Times New Roman" panose="02020603050405020304" pitchFamily="18" charset="0"/>
-              </a:rPr>
-            </a:br>
-            <a:r>
-              <a:rPr lang="ru-RU" sz="1600" dirty="0">
-                <a:latin typeface="Times New Roman" panose="02020603050405020304" pitchFamily="18" charset="0"/>
-                <a:cs typeface="Times New Roman" panose="02020603050405020304" pitchFamily="18" charset="0"/>
-              </a:rPr>
-              <a:t>2) нематериальные (не вещные) свойства и отношения (например, есть такие проекты, которые направлены не на достижение материального результата, а на получение информации о клиентах, изменение нашего отношения к той или иной проблеме).</a:t>
-            </a:r>
-          </a:p>
-        </p:txBody>
-      </p:sp>
-      <p:sp>
-        <p:nvSpPr>
-          <p:cNvPr id="4" name="TextBox 3"/>
-          <p:cNvSpPr txBox="1"/>
-          <p:nvPr/>
-        </p:nvSpPr>
-        <p:spPr>
-          <a:xfrm>
-            <a:off x="1524000" y="43947"/>
-            <a:ext cx="9144000" cy="415498"/>
-          </a:xfrm>
-          <a:prstGeom prst="rect">
-            <a:avLst/>
-          </a:prstGeom>
-          <a:noFill/>
-        </p:spPr>
-        <p:txBody>
-          <a:bodyPr wrap="square" rtlCol="0">
-            <a:spAutoFit/>
-          </a:bodyPr>
-          <a:lstStyle/>
-          <a:p>
-            <a:pPr algn="ctr"/>
-            <a:r>
-              <a:rPr lang="ru-RU" sz="2100" dirty="0" smtClean="0">
-                <a:latin typeface="Bookman Old Style" panose="02050604050505020204" pitchFamily="18" charset="0"/>
-              </a:rPr>
-              <a:t>Основные определения</a:t>
-            </a:r>
-            <a:endParaRPr lang="ru-RU" sz="2100" dirty="0">
-              <a:latin typeface="Bookman Old Style" panose="02050604050505020204" pitchFamily="18" charset="0"/>
-            </a:endParaRPr>
-          </a:p>
-        </p:txBody>
-      </p:sp>
-      <p:cxnSp>
-        <p:nvCxnSpPr>
-          <p:cNvPr id="7" name="Прямая соединительная линия 6"/>
-          <p:cNvCxnSpPr/>
-          <p:nvPr/>
-        </p:nvCxnSpPr>
-        <p:spPr>
-          <a:xfrm>
-            <a:off x="0" y="497464"/>
-            <a:ext cx="12192000" cy="0"/>
-          </a:xfrm>
-          <a:prstGeom prst="line">
-            <a:avLst/>
-          </a:prstGeom>
-          <a:ln w="76200" cmpd="thickThin">
-            <a:solidFill>
-              <a:schemeClr val="tx2"/>
-            </a:solidFill>
-          </a:ln>
-        </p:spPr>
-        <p:style>
-          <a:lnRef idx="1">
-            <a:schemeClr val="accent1"/>
-          </a:lnRef>
-          <a:fillRef idx="0">
-            <a:schemeClr val="accent1"/>
-          </a:fillRef>
-          <a:effectRef idx="0">
-            <a:schemeClr val="accent1"/>
-          </a:effectRef>
-          <a:fontRef idx="minor">
-            <a:schemeClr val="tx1"/>
-          </a:fontRef>
-        </p:style>
-      </p:cxnSp>
-      <p:cxnSp>
-        <p:nvCxnSpPr>
-          <p:cNvPr id="9" name="Прямая соединительная линия 8"/>
-          <p:cNvCxnSpPr/>
-          <p:nvPr/>
-        </p:nvCxnSpPr>
-        <p:spPr>
-          <a:xfrm>
-            <a:off x="0" y="6534835"/>
-            <a:ext cx="12192000" cy="0"/>
-          </a:xfrm>
-          <a:prstGeom prst="line">
-            <a:avLst/>
-          </a:prstGeom>
-          <a:ln w="28575">
-            <a:solidFill>
-              <a:schemeClr val="tx2"/>
-            </a:solidFill>
-          </a:ln>
-        </p:spPr>
-        <p:style>
-          <a:lnRef idx="1">
-            <a:schemeClr val="accent1"/>
-          </a:lnRef>
-          <a:fillRef idx="0">
-            <a:schemeClr val="accent1"/>
-          </a:fillRef>
-          <a:effectRef idx="0">
-            <a:schemeClr val="accent1"/>
-          </a:effectRef>
-          <a:fontRef idx="minor">
-            <a:schemeClr val="tx1"/>
-          </a:fontRef>
-        </p:style>
-      </p:cxnSp>
-      <p:cxnSp>
-        <p:nvCxnSpPr>
-          <p:cNvPr id="10" name="Прямая соединительная линия 9"/>
-          <p:cNvCxnSpPr/>
-          <p:nvPr/>
-        </p:nvCxnSpPr>
-        <p:spPr>
-          <a:xfrm flipV="1">
-            <a:off x="11208568" y="6534835"/>
-            <a:ext cx="0" cy="332656"/>
-          </a:xfrm>
-          <a:prstGeom prst="line">
-            <a:avLst/>
-          </a:prstGeom>
-          <a:ln w="28575">
-            <a:solidFill>
-              <a:schemeClr val="tx2"/>
-            </a:solidFill>
-          </a:ln>
-        </p:spPr>
-        <p:style>
-          <a:lnRef idx="1">
-            <a:schemeClr val="accent1"/>
-          </a:lnRef>
-          <a:fillRef idx="0">
-            <a:schemeClr val="accent1"/>
-          </a:fillRef>
-          <a:effectRef idx="0">
-            <a:schemeClr val="accent1"/>
-          </a:effectRef>
-          <a:fontRef idx="minor">
-            <a:schemeClr val="tx1"/>
-          </a:fontRef>
-        </p:style>
-      </p:cxnSp>
-      <p:sp>
-        <p:nvSpPr>
-          <p:cNvPr id="13" name="TextBox 12"/>
-          <p:cNvSpPr txBox="1"/>
-          <p:nvPr/>
-        </p:nvSpPr>
-        <p:spPr>
-          <a:xfrm>
-            <a:off x="11208569" y="6515751"/>
-            <a:ext cx="983432" cy="369332"/>
-          </a:xfrm>
-          <a:prstGeom prst="rect">
-            <a:avLst/>
-          </a:prstGeom>
-          <a:noFill/>
-        </p:spPr>
-        <p:txBody>
-          <a:bodyPr wrap="square" rtlCol="0">
-            <a:spAutoFit/>
-          </a:bodyPr>
-          <a:lstStyle/>
-          <a:p>
-            <a:pPr algn="ctr"/>
-            <a:fld id="{C16716D8-33A6-4CD7-92A8-E4A7CF52C18D}" type="slidenum">
-              <a:rPr lang="ru-RU">
-                <a:solidFill>
-                  <a:schemeClr val="accent1">
-                    <a:lumMod val="75000"/>
-                  </a:schemeClr>
-                </a:solidFill>
-                <a:latin typeface="Bookman Old Style" panose="02050604050505020204" pitchFamily="18" charset="0"/>
-              </a:rPr>
-              <a:pPr algn="ctr"/>
-              <a:t>15</a:t>
-            </a:fld>
-            <a:r>
-              <a:rPr lang="ru-RU" dirty="0">
-                <a:latin typeface="Bookman Old Style" panose="02050604050505020204" pitchFamily="18" charset="0"/>
-              </a:rPr>
-              <a:t>/</a:t>
-            </a:r>
-            <a:r>
-              <a:rPr lang="ru-RU" dirty="0">
-                <a:solidFill>
-                  <a:schemeClr val="tx2">
-                    <a:lumMod val="50000"/>
-                  </a:schemeClr>
-                </a:solidFill>
-                <a:latin typeface="Bookman Old Style" panose="02050604050505020204" pitchFamily="18" charset="0"/>
-              </a:rPr>
-              <a:t>15</a:t>
-            </a:r>
-          </a:p>
-        </p:txBody>
-      </p:sp>
-      <p:sp>
-        <p:nvSpPr>
-          <p:cNvPr id="14" name="TextBox 13"/>
-          <p:cNvSpPr txBox="1"/>
-          <p:nvPr/>
-        </p:nvSpPr>
-        <p:spPr>
-          <a:xfrm>
-            <a:off x="-1" y="6534835"/>
-            <a:ext cx="11208567" cy="338554"/>
-          </a:xfrm>
-          <a:prstGeom prst="rect">
-            <a:avLst/>
-          </a:prstGeom>
-          <a:noFill/>
-          <a:ln>
-            <a:noFill/>
-          </a:ln>
-        </p:spPr>
-        <p:txBody>
-          <a:bodyPr wrap="square" rtlCol="0">
-            <a:spAutoFit/>
-          </a:bodyPr>
-          <a:lstStyle/>
-          <a:p>
-            <a:pPr algn="ctr"/>
-            <a:r>
-              <a:rPr lang="ru-RU" sz="1500" dirty="0">
-                <a:latin typeface="Bookman Old Style" panose="02050604050505020204" pitchFamily="18" charset="0"/>
-              </a:rPr>
-              <a:t>Лекция №1. </a:t>
-            </a:r>
-            <a:r>
-              <a:rPr lang="ru-RU" sz="1600" dirty="0">
-                <a:latin typeface="Bookman Old Style" panose="02050604050505020204" pitchFamily="18" charset="0"/>
-              </a:rPr>
-              <a:t>Общие представления о проектной деятельности</a:t>
-            </a:r>
-            <a:endParaRPr lang="ru-RU" sz="1500" dirty="0">
-              <a:latin typeface="Bookman Old Style" panose="02050604050505020204" pitchFamily="18" charset="0"/>
-            </a:endParaRPr>
-          </a:p>
-        </p:txBody>
-      </p:sp>
-    </p:spTree>
-    <p:extLst>
-      <p:ext uri="{BB962C8B-B14F-4D97-AF65-F5344CB8AC3E}">
-        <p14:creationId xmlns:p14="http://schemas.microsoft.com/office/powerpoint/2010/main" val="841359473"/>
-      </p:ext>
-    </p:extLst>
-  </p:cSld>
-  <p:clrMapOvr>
-    <a:masterClrMapping/>
-  </p:clrMapOvr>
-  <p:timing>
-    <p:tnLst>
-      <p:par>
-        <p:cTn id="1" dur="indefinite" restart="never" nodeType="tmRoot"/>
-      </p:par>
-    </p:tnLst>
-  </p:timing>
-</p:sld>
-</file>
-
-<file path=ppt/slides/slide16.xml><?xml version="1.0" encoding="utf-8"?>
-<p:sld xmlns:a="http://schemas.openxmlformats.org/drawingml/2006/main" xmlns:r="http://schemas.openxmlformats.org/officeDocument/2006/relationships" xmlns:p="http://schemas.openxmlformats.org/presentationml/2006/main">
-  <p:cSld>
-    <p:spTree>
-      <p:nvGrpSpPr>
-        <p:cNvPr id="1" name=""/>
-        <p:cNvGrpSpPr/>
-        <p:nvPr/>
-      </p:nvGrpSpPr>
-      <p:grpSpPr>
-        <a:xfrm>
-          <a:off x="0" y="0"/>
-          <a:ext cx="0" cy="0"/>
-          <a:chOff x="0" y="0"/>
-          <a:chExt cx="0" cy="0"/>
-        </a:xfrm>
-      </p:grpSpPr>
-      <p:sp>
-        <p:nvSpPr>
-          <p:cNvPr id="2" name="Заголовок 1"/>
-          <p:cNvSpPr>
-            <a:spLocks noGrp="1"/>
-          </p:cNvSpPr>
-          <p:nvPr>
-            <p:ph type="ctrTitle"/>
-          </p:nvPr>
-        </p:nvSpPr>
-        <p:spPr>
-          <a:xfrm>
-            <a:off x="119336" y="1296323"/>
-            <a:ext cx="11809312" cy="4455005"/>
-          </a:xfrm>
-        </p:spPr>
-        <p:txBody>
-          <a:bodyPr>
-            <a:noAutofit/>
-          </a:bodyPr>
-          <a:lstStyle/>
-          <a:p>
-            <a:pPr algn="l"/>
-            <a:r>
-              <a:rPr lang="ru-RU" sz="1600" b="1" dirty="0">
-                <a:latin typeface="Times New Roman" panose="02020603050405020304" pitchFamily="18" charset="0"/>
-                <a:cs typeface="Times New Roman" panose="02020603050405020304" pitchFamily="18" charset="0"/>
-              </a:rPr>
-              <a:t>Проект </a:t>
-            </a:r>
-            <a:r>
-              <a:rPr lang="ru-RU" sz="1600" dirty="0">
-                <a:latin typeface="Times New Roman" panose="02020603050405020304" pitchFamily="18" charset="0"/>
-                <a:cs typeface="Times New Roman" panose="02020603050405020304" pitchFamily="18" charset="0"/>
-              </a:rPr>
-              <a:t>(англ. </a:t>
-            </a:r>
-            <a:r>
-              <a:rPr lang="ru-RU" sz="1600" dirty="0" err="1">
-                <a:latin typeface="Times New Roman" panose="02020603050405020304" pitchFamily="18" charset="0"/>
-                <a:cs typeface="Times New Roman" panose="02020603050405020304" pitchFamily="18" charset="0"/>
-              </a:rPr>
-              <a:t>design</a:t>
-            </a:r>
-            <a:r>
-              <a:rPr lang="ru-RU" sz="1600" dirty="0">
-                <a:latin typeface="Times New Roman" panose="02020603050405020304" pitchFamily="18" charset="0"/>
-                <a:cs typeface="Times New Roman" panose="02020603050405020304" pitchFamily="18" charset="0"/>
-              </a:rPr>
-              <a:t>) – это работы, планы, мероприятия и другие задачи, направленные на создание уникального продукта (устройства, работы, услуги). </a:t>
-            </a:r>
-            <a:br>
-              <a:rPr lang="ru-RU" sz="1600" dirty="0">
-                <a:latin typeface="Times New Roman" panose="02020603050405020304" pitchFamily="18" charset="0"/>
-                <a:cs typeface="Times New Roman" panose="02020603050405020304" pitchFamily="18" charset="0"/>
-              </a:rPr>
-            </a:br>
-            <a:r>
-              <a:rPr lang="ru-RU" sz="1600" dirty="0">
-                <a:latin typeface="Times New Roman" panose="02020603050405020304" pitchFamily="18" charset="0"/>
-                <a:cs typeface="Times New Roman" panose="02020603050405020304" pitchFamily="18" charset="0"/>
-              </a:rPr>
-              <a:t/>
-            </a:r>
-            <a:br>
-              <a:rPr lang="ru-RU" sz="1600" dirty="0">
-                <a:latin typeface="Times New Roman" panose="02020603050405020304" pitchFamily="18" charset="0"/>
-                <a:cs typeface="Times New Roman" panose="02020603050405020304" pitchFamily="18" charset="0"/>
-              </a:rPr>
-            </a:br>
-            <a:r>
-              <a:rPr lang="ru-RU" sz="1600" b="1" dirty="0">
-                <a:latin typeface="Times New Roman" panose="02020603050405020304" pitchFamily="18" charset="0"/>
-                <a:cs typeface="Times New Roman" panose="02020603050405020304" pitchFamily="18" charset="0"/>
-              </a:rPr>
-              <a:t>Проектная деятельность – </a:t>
-            </a:r>
-            <a:r>
-              <a:rPr lang="ru-RU" sz="1600" dirty="0">
-                <a:latin typeface="Times New Roman" panose="02020603050405020304" pitchFamily="18" charset="0"/>
-                <a:cs typeface="Times New Roman" panose="02020603050405020304" pitchFamily="18" charset="0"/>
-              </a:rPr>
-              <a:t>это совокупность действий, направленных на решение конкретной задачи в рамках проекта, ограниченного целевой установкой, сроками и достигнутыми результатами (или продуктами). </a:t>
-            </a:r>
-            <a:br>
-              <a:rPr lang="ru-RU" sz="1600" dirty="0">
-                <a:latin typeface="Times New Roman" panose="02020603050405020304" pitchFamily="18" charset="0"/>
-                <a:cs typeface="Times New Roman" panose="02020603050405020304" pitchFamily="18" charset="0"/>
-              </a:rPr>
-            </a:br>
-            <a:r>
-              <a:rPr lang="ru-RU" sz="1600" dirty="0">
-                <a:latin typeface="Times New Roman" panose="02020603050405020304" pitchFamily="18" charset="0"/>
-                <a:cs typeface="Times New Roman" panose="02020603050405020304" pitchFamily="18" charset="0"/>
-              </a:rPr>
-              <a:t/>
-            </a:r>
-            <a:br>
-              <a:rPr lang="ru-RU" sz="1600" dirty="0">
-                <a:latin typeface="Times New Roman" panose="02020603050405020304" pitchFamily="18" charset="0"/>
-                <a:cs typeface="Times New Roman" panose="02020603050405020304" pitchFamily="18" charset="0"/>
-              </a:rPr>
-            </a:br>
-            <a:r>
-              <a:rPr lang="ru-RU" sz="1600" b="1" dirty="0">
-                <a:latin typeface="Times New Roman" panose="02020603050405020304" pitchFamily="18" charset="0"/>
-                <a:cs typeface="Times New Roman" panose="02020603050405020304" pitchFamily="18" charset="0"/>
-              </a:rPr>
-              <a:t>Проблема </a:t>
-            </a:r>
-            <a:r>
-              <a:rPr lang="ru-RU" sz="1600" dirty="0">
-                <a:latin typeface="Times New Roman" panose="02020603050405020304" pitchFamily="18" charset="0"/>
-                <a:cs typeface="Times New Roman" panose="02020603050405020304" pitchFamily="18" charset="0"/>
-              </a:rPr>
-              <a:t>– это сложный вопрос, требующий решения (расстояние между состояниями «Хочу» и «Могу»). </a:t>
-            </a:r>
-            <a:br>
-              <a:rPr lang="ru-RU" sz="1600" dirty="0">
-                <a:latin typeface="Times New Roman" panose="02020603050405020304" pitchFamily="18" charset="0"/>
-                <a:cs typeface="Times New Roman" panose="02020603050405020304" pitchFamily="18" charset="0"/>
-              </a:rPr>
-            </a:br>
-            <a:r>
-              <a:rPr lang="ru-RU" sz="1600" dirty="0">
-                <a:latin typeface="Times New Roman" panose="02020603050405020304" pitchFamily="18" charset="0"/>
-                <a:cs typeface="Times New Roman" panose="02020603050405020304" pitchFamily="18" charset="0"/>
-              </a:rPr>
-              <a:t/>
-            </a:r>
-            <a:br>
-              <a:rPr lang="ru-RU" sz="1600" dirty="0">
-                <a:latin typeface="Times New Roman" panose="02020603050405020304" pitchFamily="18" charset="0"/>
-                <a:cs typeface="Times New Roman" panose="02020603050405020304" pitchFamily="18" charset="0"/>
-              </a:rPr>
-            </a:br>
-            <a:r>
-              <a:rPr lang="ru-RU" sz="1600" b="1" dirty="0">
-                <a:latin typeface="Times New Roman" panose="02020603050405020304" pitchFamily="18" charset="0"/>
-                <a:cs typeface="Times New Roman" panose="02020603050405020304" pitchFamily="18" charset="0"/>
-              </a:rPr>
-              <a:t>Идея </a:t>
-            </a:r>
-            <a:r>
-              <a:rPr lang="ru-RU" sz="1600" dirty="0">
-                <a:latin typeface="Times New Roman" panose="02020603050405020304" pitchFamily="18" charset="0"/>
-                <a:cs typeface="Times New Roman" panose="02020603050405020304" pitchFamily="18" charset="0"/>
-              </a:rPr>
-              <a:t>– это мысль, переходящая в действие. В данном случае идея должна быть уникальной для той среды, в которой планируется реализация проекта. </a:t>
-            </a:r>
-            <a:br>
-              <a:rPr lang="ru-RU" sz="1600" dirty="0">
-                <a:latin typeface="Times New Roman" panose="02020603050405020304" pitchFamily="18" charset="0"/>
-                <a:cs typeface="Times New Roman" panose="02020603050405020304" pitchFamily="18" charset="0"/>
-              </a:rPr>
-            </a:br>
-            <a:r>
-              <a:rPr lang="ru-RU" sz="1600" dirty="0">
-                <a:latin typeface="Times New Roman" panose="02020603050405020304" pitchFamily="18" charset="0"/>
-                <a:cs typeface="Times New Roman" panose="02020603050405020304" pitchFamily="18" charset="0"/>
-              </a:rPr>
-              <a:t/>
-            </a:r>
-            <a:br>
-              <a:rPr lang="ru-RU" sz="1600" dirty="0">
-                <a:latin typeface="Times New Roman" panose="02020603050405020304" pitchFamily="18" charset="0"/>
-                <a:cs typeface="Times New Roman" panose="02020603050405020304" pitchFamily="18" charset="0"/>
-              </a:rPr>
-            </a:br>
-            <a:r>
-              <a:rPr lang="ru-RU" sz="1600" b="1" dirty="0">
-                <a:latin typeface="Times New Roman" panose="02020603050405020304" pitchFamily="18" charset="0"/>
-                <a:cs typeface="Times New Roman" panose="02020603050405020304" pitchFamily="18" charset="0"/>
-              </a:rPr>
-              <a:t>Субъекты проектирования </a:t>
-            </a:r>
-            <a:r>
-              <a:rPr lang="ru-RU" sz="1600" dirty="0">
-                <a:latin typeface="Times New Roman" panose="02020603050405020304" pitchFamily="18" charset="0"/>
-                <a:cs typeface="Times New Roman" panose="02020603050405020304" pitchFamily="18" charset="0"/>
-              </a:rPr>
-              <a:t>– отдельные личности или организации, коллективы, социальные институты, ставящие своей целью преобразование действительности. </a:t>
-            </a:r>
-            <a:br>
-              <a:rPr lang="ru-RU" sz="1600" dirty="0">
-                <a:latin typeface="Times New Roman" panose="02020603050405020304" pitchFamily="18" charset="0"/>
-                <a:cs typeface="Times New Roman" panose="02020603050405020304" pitchFamily="18" charset="0"/>
-              </a:rPr>
-            </a:br>
-            <a:r>
-              <a:rPr lang="ru-RU" sz="1600" dirty="0">
-                <a:latin typeface="Times New Roman" panose="02020603050405020304" pitchFamily="18" charset="0"/>
-                <a:cs typeface="Times New Roman" panose="02020603050405020304" pitchFamily="18" charset="0"/>
-              </a:rPr>
-              <a:t/>
-            </a:r>
-            <a:br>
-              <a:rPr lang="ru-RU" sz="1600" dirty="0">
-                <a:latin typeface="Times New Roman" panose="02020603050405020304" pitchFamily="18" charset="0"/>
-                <a:cs typeface="Times New Roman" panose="02020603050405020304" pitchFamily="18" charset="0"/>
-              </a:rPr>
-            </a:br>
-            <a:r>
-              <a:rPr lang="ru-RU" sz="1600" b="1" dirty="0">
-                <a:latin typeface="Times New Roman" panose="02020603050405020304" pitchFamily="18" charset="0"/>
-                <a:cs typeface="Times New Roman" panose="02020603050405020304" pitchFamily="18" charset="0"/>
-              </a:rPr>
-              <a:t>Объекты проектирования</a:t>
-            </a:r>
-            <a:r>
-              <a:rPr lang="ru-RU" sz="1600" dirty="0">
-                <a:latin typeface="Times New Roman" panose="02020603050405020304" pitchFamily="18" charset="0"/>
-                <a:cs typeface="Times New Roman" panose="02020603050405020304" pitchFamily="18" charset="0"/>
-              </a:rPr>
-              <a:t>: </a:t>
-            </a:r>
-            <a:br>
-              <a:rPr lang="ru-RU" sz="1600" dirty="0">
-                <a:latin typeface="Times New Roman" panose="02020603050405020304" pitchFamily="18" charset="0"/>
-                <a:cs typeface="Times New Roman" panose="02020603050405020304" pitchFamily="18" charset="0"/>
-              </a:rPr>
-            </a:br>
-            <a:r>
-              <a:rPr lang="ru-RU" sz="1600" dirty="0">
-                <a:latin typeface="Times New Roman" panose="02020603050405020304" pitchFamily="18" charset="0"/>
-                <a:cs typeface="Times New Roman" panose="02020603050405020304" pitchFamily="18" charset="0"/>
-              </a:rPr>
-              <a:t/>
-            </a:r>
-            <a:br>
-              <a:rPr lang="ru-RU" sz="1600" dirty="0">
-                <a:latin typeface="Times New Roman" panose="02020603050405020304" pitchFamily="18" charset="0"/>
-                <a:cs typeface="Times New Roman" panose="02020603050405020304" pitchFamily="18" charset="0"/>
-              </a:rPr>
-            </a:br>
-            <a:r>
-              <a:rPr lang="ru-RU" sz="1600" dirty="0">
-                <a:latin typeface="Times New Roman" panose="02020603050405020304" pitchFamily="18" charset="0"/>
-                <a:cs typeface="Times New Roman" panose="02020603050405020304" pitchFamily="18" charset="0"/>
-              </a:rPr>
-              <a:t>1) объекты материальной природы (например, объектом проектирования может быть создание новой точки общественного питания или создание новых элементов компьютера); в результате реализации проекта появляется новый объект, вещь, предмет; вместе с тем проектироваться могут новые свойства – назначения и функции старой вещи; подобные объекты чаще связаны с техническим проектированием; </a:t>
-            </a:r>
-            <a:br>
-              <a:rPr lang="ru-RU" sz="1600" dirty="0">
-                <a:latin typeface="Times New Roman" panose="02020603050405020304" pitchFamily="18" charset="0"/>
-                <a:cs typeface="Times New Roman" panose="02020603050405020304" pitchFamily="18" charset="0"/>
-              </a:rPr>
-            </a:br>
-            <a:r>
-              <a:rPr lang="ru-RU" sz="1600" dirty="0">
-                <a:latin typeface="Times New Roman" panose="02020603050405020304" pitchFamily="18" charset="0"/>
-                <a:cs typeface="Times New Roman" panose="02020603050405020304" pitchFamily="18" charset="0"/>
-              </a:rPr>
-              <a:t/>
-            </a:r>
-            <a:br>
-              <a:rPr lang="ru-RU" sz="1600" dirty="0">
-                <a:latin typeface="Times New Roman" panose="02020603050405020304" pitchFamily="18" charset="0"/>
-                <a:cs typeface="Times New Roman" panose="02020603050405020304" pitchFamily="18" charset="0"/>
-              </a:rPr>
-            </a:br>
-            <a:r>
-              <a:rPr lang="ru-RU" sz="1600" dirty="0">
-                <a:latin typeface="Times New Roman" panose="02020603050405020304" pitchFamily="18" charset="0"/>
-                <a:cs typeface="Times New Roman" panose="02020603050405020304" pitchFamily="18" charset="0"/>
-              </a:rPr>
-              <a:t>2) нематериальные (не вещные) свойства и отношения (например, есть такие проекты, которые направлены не на достижение материального результата, а на получение информации о клиентах, изменение нашего отношения к той или иной проблеме).</a:t>
-            </a:r>
-          </a:p>
-        </p:txBody>
-      </p:sp>
-      <p:sp>
-        <p:nvSpPr>
-          <p:cNvPr id="4" name="TextBox 3"/>
-          <p:cNvSpPr txBox="1"/>
-          <p:nvPr/>
-        </p:nvSpPr>
-        <p:spPr>
-          <a:xfrm>
-            <a:off x="1524000" y="43947"/>
-            <a:ext cx="9144000" cy="415498"/>
-          </a:xfrm>
-          <a:prstGeom prst="rect">
-            <a:avLst/>
-          </a:prstGeom>
-          <a:noFill/>
-        </p:spPr>
-        <p:txBody>
-          <a:bodyPr wrap="square" rtlCol="0">
-            <a:spAutoFit/>
-          </a:bodyPr>
-          <a:lstStyle/>
-          <a:p>
-            <a:pPr algn="ctr"/>
-            <a:r>
-              <a:rPr lang="ru-RU" sz="2100" dirty="0" smtClean="0">
-                <a:latin typeface="Bookman Old Style" panose="02050604050505020204" pitchFamily="18" charset="0"/>
-              </a:rPr>
-              <a:t>Основные определения</a:t>
-            </a:r>
-            <a:endParaRPr lang="ru-RU" sz="2100" dirty="0">
-              <a:latin typeface="Bookman Old Style" panose="02050604050505020204" pitchFamily="18" charset="0"/>
-            </a:endParaRPr>
-          </a:p>
-        </p:txBody>
-      </p:sp>
-      <p:cxnSp>
-        <p:nvCxnSpPr>
-          <p:cNvPr id="7" name="Прямая соединительная линия 6"/>
-          <p:cNvCxnSpPr/>
-          <p:nvPr/>
-        </p:nvCxnSpPr>
-        <p:spPr>
-          <a:xfrm>
-            <a:off x="0" y="497464"/>
-            <a:ext cx="12192000" cy="0"/>
-          </a:xfrm>
-          <a:prstGeom prst="line">
-            <a:avLst/>
-          </a:prstGeom>
-          <a:ln w="76200" cmpd="thickThin">
-            <a:solidFill>
-              <a:schemeClr val="tx2"/>
-            </a:solidFill>
-          </a:ln>
-        </p:spPr>
-        <p:style>
-          <a:lnRef idx="1">
-            <a:schemeClr val="accent1"/>
-          </a:lnRef>
-          <a:fillRef idx="0">
-            <a:schemeClr val="accent1"/>
-          </a:fillRef>
-          <a:effectRef idx="0">
-            <a:schemeClr val="accent1"/>
-          </a:effectRef>
-          <a:fontRef idx="minor">
-            <a:schemeClr val="tx1"/>
-          </a:fontRef>
-        </p:style>
-      </p:cxnSp>
-      <p:cxnSp>
-        <p:nvCxnSpPr>
-          <p:cNvPr id="9" name="Прямая соединительная линия 8"/>
-          <p:cNvCxnSpPr/>
-          <p:nvPr/>
-        </p:nvCxnSpPr>
-        <p:spPr>
-          <a:xfrm>
-            <a:off x="0" y="6534835"/>
-            <a:ext cx="12192000" cy="0"/>
-          </a:xfrm>
-          <a:prstGeom prst="line">
-            <a:avLst/>
-          </a:prstGeom>
-          <a:ln w="28575">
-            <a:solidFill>
-              <a:schemeClr val="tx2"/>
-            </a:solidFill>
-          </a:ln>
-        </p:spPr>
-        <p:style>
-          <a:lnRef idx="1">
-            <a:schemeClr val="accent1"/>
-          </a:lnRef>
-          <a:fillRef idx="0">
-            <a:schemeClr val="accent1"/>
-          </a:fillRef>
-          <a:effectRef idx="0">
-            <a:schemeClr val="accent1"/>
-          </a:effectRef>
-          <a:fontRef idx="minor">
-            <a:schemeClr val="tx1"/>
-          </a:fontRef>
-        </p:style>
-      </p:cxnSp>
-      <p:cxnSp>
-        <p:nvCxnSpPr>
-          <p:cNvPr id="10" name="Прямая соединительная линия 9"/>
-          <p:cNvCxnSpPr/>
-          <p:nvPr/>
-        </p:nvCxnSpPr>
-        <p:spPr>
-          <a:xfrm flipV="1">
-            <a:off x="11208568" y="6534835"/>
-            <a:ext cx="0" cy="332656"/>
-          </a:xfrm>
-          <a:prstGeom prst="line">
-            <a:avLst/>
-          </a:prstGeom>
-          <a:ln w="28575">
-            <a:solidFill>
-              <a:schemeClr val="tx2"/>
-            </a:solidFill>
-          </a:ln>
-        </p:spPr>
-        <p:style>
-          <a:lnRef idx="1">
-            <a:schemeClr val="accent1"/>
-          </a:lnRef>
-          <a:fillRef idx="0">
-            <a:schemeClr val="accent1"/>
-          </a:fillRef>
-          <a:effectRef idx="0">
-            <a:schemeClr val="accent1"/>
-          </a:effectRef>
-          <a:fontRef idx="minor">
-            <a:schemeClr val="tx1"/>
-          </a:fontRef>
-        </p:style>
-      </p:cxnSp>
-      <p:sp>
-        <p:nvSpPr>
-          <p:cNvPr id="13" name="TextBox 12"/>
-          <p:cNvSpPr txBox="1"/>
-          <p:nvPr/>
-        </p:nvSpPr>
-        <p:spPr>
-          <a:xfrm>
-            <a:off x="11208569" y="6515751"/>
-            <a:ext cx="983432" cy="369332"/>
-          </a:xfrm>
-          <a:prstGeom prst="rect">
-            <a:avLst/>
-          </a:prstGeom>
-          <a:noFill/>
-        </p:spPr>
-        <p:txBody>
-          <a:bodyPr wrap="square" rtlCol="0">
-            <a:spAutoFit/>
-          </a:bodyPr>
-          <a:lstStyle/>
-          <a:p>
-            <a:pPr algn="ctr"/>
-            <a:fld id="{C16716D8-33A6-4CD7-92A8-E4A7CF52C18D}" type="slidenum">
-              <a:rPr lang="ru-RU">
-                <a:solidFill>
-                  <a:schemeClr val="accent1">
-                    <a:lumMod val="75000"/>
-                  </a:schemeClr>
-                </a:solidFill>
-                <a:latin typeface="Bookman Old Style" panose="02050604050505020204" pitchFamily="18" charset="0"/>
-              </a:rPr>
-              <a:pPr algn="ctr"/>
-              <a:t>16</a:t>
-            </a:fld>
-            <a:r>
-              <a:rPr lang="ru-RU" dirty="0">
-                <a:latin typeface="Bookman Old Style" panose="02050604050505020204" pitchFamily="18" charset="0"/>
-              </a:rPr>
-              <a:t>/</a:t>
-            </a:r>
-            <a:r>
-              <a:rPr lang="ru-RU" dirty="0">
-                <a:solidFill>
-                  <a:schemeClr val="tx2">
-                    <a:lumMod val="50000"/>
-                  </a:schemeClr>
-                </a:solidFill>
-                <a:latin typeface="Bookman Old Style" panose="02050604050505020204" pitchFamily="18" charset="0"/>
-              </a:rPr>
-              <a:t>15</a:t>
-            </a:r>
           </a:p>
         </p:txBody>
       </p:sp>
@@ -7681,7 +5813,7 @@
           <a:p>
             <a:pPr algn="ctr"/>
             <a:fld id="{C16716D8-33A6-4CD7-92A8-E4A7CF52C18D}" type="slidenum">
-              <a:rPr lang="ru-RU">
+              <a:rPr lang="ru-RU" smtClean="0">
                 <a:solidFill>
                   <a:schemeClr val="accent1">
                     <a:lumMod val="75000"/>
@@ -7693,13 +5825,13 @@
               <a:t>2</a:t>
             </a:fld>
             <a:r>
-              <a:rPr lang="ru-RU" dirty="0">
+              <a:rPr lang="ru-RU" dirty="0" smtClean="0">
                 <a:latin typeface="Bookman Old Style" panose="02050604050505020204" pitchFamily="18" charset="0"/>
               </a:rPr>
               <a:t>/</a:t>
             </a:r>
             <a:r>
-              <a:rPr lang="ru-RU" dirty="0">
+              <a:rPr lang="ru-RU" dirty="0" smtClean="0">
                 <a:solidFill>
                   <a:schemeClr val="tx2">
                     <a:lumMod val="50000"/>
@@ -7707,8 +5839,16 @@
                 </a:solidFill>
                 <a:latin typeface="Bookman Old Style" panose="02050604050505020204" pitchFamily="18" charset="0"/>
               </a:rPr>
-              <a:t>15</a:t>
-            </a:r>
+              <a:t>13</a:t>
+            </a:r>
+            <a:endParaRPr lang="ru-RU" dirty="0">
+              <a:solidFill>
+                <a:schemeClr val="tx2">
+                  <a:lumMod val="50000"/>
+                </a:schemeClr>
+              </a:solidFill>
+              <a:latin typeface="Bookman Old Style" panose="02050604050505020204" pitchFamily="18" charset="0"/>
+            </a:endParaRPr>
           </a:p>
         </p:txBody>
       </p:sp>
@@ -7957,7 +6097,7 @@
           <a:p>
             <a:pPr algn="ctr"/>
             <a:fld id="{C16716D8-33A6-4CD7-92A8-E4A7CF52C18D}" type="slidenum">
-              <a:rPr lang="ru-RU">
+              <a:rPr lang="ru-RU" smtClean="0">
                 <a:solidFill>
                   <a:schemeClr val="accent1">
                     <a:lumMod val="75000"/>
@@ -7969,13 +6109,13 @@
               <a:t>3</a:t>
             </a:fld>
             <a:r>
-              <a:rPr lang="ru-RU" dirty="0">
+              <a:rPr lang="ru-RU" dirty="0" smtClean="0">
                 <a:latin typeface="Bookman Old Style" panose="02050604050505020204" pitchFamily="18" charset="0"/>
               </a:rPr>
               <a:t>/</a:t>
             </a:r>
             <a:r>
-              <a:rPr lang="ru-RU" dirty="0">
+              <a:rPr lang="ru-RU" dirty="0" smtClean="0">
                 <a:solidFill>
                   <a:schemeClr val="tx2">
                     <a:lumMod val="50000"/>
@@ -7983,8 +6123,16 @@
                 </a:solidFill>
                 <a:latin typeface="Bookman Old Style" panose="02050604050505020204" pitchFamily="18" charset="0"/>
               </a:rPr>
-              <a:t>15</a:t>
-            </a:r>
+              <a:t>13</a:t>
+            </a:r>
+            <a:endParaRPr lang="ru-RU" dirty="0">
+              <a:solidFill>
+                <a:schemeClr val="tx2">
+                  <a:lumMod val="50000"/>
+                </a:schemeClr>
+              </a:solidFill>
+              <a:latin typeface="Bookman Old Style" panose="02050604050505020204" pitchFamily="18" charset="0"/>
+            </a:endParaRPr>
           </a:p>
         </p:txBody>
       </p:sp>
@@ -8270,7 +6418,7 @@
         </p:blipFill>
         <p:spPr bwMode="auto">
           <a:xfrm>
-            <a:off x="7123700" y="1111064"/>
+            <a:off x="7187153" y="1422451"/>
             <a:ext cx="4602336" cy="3081861"/>
           </a:xfrm>
           <a:prstGeom prst="rect">
@@ -8337,7 +6485,7 @@
         </p:nvSpPr>
         <p:spPr>
           <a:xfrm>
-            <a:off x="191344" y="1196752"/>
+            <a:off x="191344" y="1818790"/>
             <a:ext cx="11809312" cy="2664296"/>
           </a:xfrm>
         </p:spPr>
@@ -8367,7 +6515,14 @@
                 <a:latin typeface="Times New Roman" panose="02020603050405020304" pitchFamily="18" charset="0"/>
                 <a:cs typeface="Times New Roman" panose="02020603050405020304" pitchFamily="18" charset="0"/>
               </a:rPr>
-              <a:t>, а какие – нет. Почему?</a:t>
+              <a:t>, а какие – нет. Почему</a:t>
+            </a:r>
+            <a:r>
+              <a:rPr lang="ru-RU" sz="1600" dirty="0" smtClean="0">
+                <a:latin typeface="Times New Roman" panose="02020603050405020304" pitchFamily="18" charset="0"/>
+                <a:cs typeface="Times New Roman" panose="02020603050405020304" pitchFamily="18" charset="0"/>
+              </a:rPr>
+              <a:t>?</a:t>
             </a:r>
             <a:br>
               <a:rPr lang="ru-RU" sz="1600" dirty="0" smtClean="0">
@@ -8380,7 +6535,7 @@
                 <a:latin typeface="Times New Roman" panose="02020603050405020304" pitchFamily="18" charset="0"/>
                 <a:cs typeface="Times New Roman" panose="02020603050405020304" pitchFamily="18" charset="0"/>
               </a:rPr>
-              <a:t>1. Создание нового продукта;</a:t>
+              <a:t/>
             </a:r>
             <a:br>
               <a:rPr lang="ru-RU" sz="1600" dirty="0" smtClean="0">
@@ -8393,7 +6548,14 @@
                 <a:latin typeface="Times New Roman" panose="02020603050405020304" pitchFamily="18" charset="0"/>
                 <a:cs typeface="Times New Roman" panose="02020603050405020304" pitchFamily="18" charset="0"/>
               </a:rPr>
-              <a:t>2. Реорганизация структуры фирмы;</a:t>
+              <a:t>1. Создание нового продукта</a:t>
+            </a:r>
+            <a:r>
+              <a:rPr lang="ru-RU" sz="1600" dirty="0" smtClean="0">
+                <a:latin typeface="Times New Roman" panose="02020603050405020304" pitchFamily="18" charset="0"/>
+                <a:cs typeface="Times New Roman" panose="02020603050405020304" pitchFamily="18" charset="0"/>
+              </a:rPr>
+              <a:t>;</a:t>
             </a:r>
             <a:br>
               <a:rPr lang="ru-RU" sz="1600" dirty="0" smtClean="0">
@@ -8406,7 +6568,7 @@
                 <a:latin typeface="Times New Roman" panose="02020603050405020304" pitchFamily="18" charset="0"/>
                 <a:cs typeface="Times New Roman" panose="02020603050405020304" pitchFamily="18" charset="0"/>
               </a:rPr>
-              <a:t>3. Строительство склада;</a:t>
+              <a:t/>
             </a:r>
             <a:br>
               <a:rPr lang="ru-RU" sz="1600" dirty="0" smtClean="0">
@@ -8419,7 +6581,14 @@
                 <a:latin typeface="Times New Roman" panose="02020603050405020304" pitchFamily="18" charset="0"/>
                 <a:cs typeface="Times New Roman" panose="02020603050405020304" pitchFamily="18" charset="0"/>
               </a:rPr>
-              <a:t>4. Проведение выборной кампании партии;</a:t>
+              <a:t>2. Реорганизация структуры фирмы</a:t>
+            </a:r>
+            <a:r>
+              <a:rPr lang="ru-RU" sz="1600" dirty="0" smtClean="0">
+                <a:latin typeface="Times New Roman" panose="02020603050405020304" pitchFamily="18" charset="0"/>
+                <a:cs typeface="Times New Roman" panose="02020603050405020304" pitchFamily="18" charset="0"/>
+              </a:rPr>
+              <a:t>;</a:t>
             </a:r>
             <a:br>
               <a:rPr lang="ru-RU" sz="1600" dirty="0" smtClean="0">
@@ -8432,7 +6601,7 @@
                 <a:latin typeface="Times New Roman" panose="02020603050405020304" pitchFamily="18" charset="0"/>
                 <a:cs typeface="Times New Roman" panose="02020603050405020304" pitchFamily="18" charset="0"/>
               </a:rPr>
-              <a:t>5. Внедрение системы автоматического учета на складе;</a:t>
+              <a:t/>
             </a:r>
             <a:br>
               <a:rPr lang="ru-RU" sz="1600" dirty="0" smtClean="0">
@@ -8445,7 +6614,126 @@
                 <a:latin typeface="Times New Roman" panose="02020603050405020304" pitchFamily="18" charset="0"/>
                 <a:cs typeface="Times New Roman" panose="02020603050405020304" pitchFamily="18" charset="0"/>
               </a:rPr>
-              <a:t>6. Переезд в новый офис;</a:t>
+              <a:t>3. Строительство склада</a:t>
+            </a:r>
+            <a:r>
+              <a:rPr lang="ru-RU" sz="1600" dirty="0" smtClean="0">
+                <a:latin typeface="Times New Roman" panose="02020603050405020304" pitchFamily="18" charset="0"/>
+                <a:cs typeface="Times New Roman" panose="02020603050405020304" pitchFamily="18" charset="0"/>
+              </a:rPr>
+              <a:t>;</a:t>
+            </a:r>
+            <a:br>
+              <a:rPr lang="ru-RU" sz="1600" dirty="0" smtClean="0">
+                <a:latin typeface="Times New Roman" panose="02020603050405020304" pitchFamily="18" charset="0"/>
+                <a:cs typeface="Times New Roman" panose="02020603050405020304" pitchFamily="18" charset="0"/>
+              </a:rPr>
+            </a:br>
+            <a:r>
+              <a:rPr lang="ru-RU" sz="1600" dirty="0" smtClean="0">
+                <a:latin typeface="Times New Roman" panose="02020603050405020304" pitchFamily="18" charset="0"/>
+                <a:cs typeface="Times New Roman" panose="02020603050405020304" pitchFamily="18" charset="0"/>
+              </a:rPr>
+              <a:t/>
+            </a:r>
+            <a:br>
+              <a:rPr lang="ru-RU" sz="1600" dirty="0" smtClean="0">
+                <a:latin typeface="Times New Roman" panose="02020603050405020304" pitchFamily="18" charset="0"/>
+                <a:cs typeface="Times New Roman" panose="02020603050405020304" pitchFamily="18" charset="0"/>
+              </a:rPr>
+            </a:br>
+            <a:r>
+              <a:rPr lang="ru-RU" sz="1600" dirty="0" smtClean="0">
+                <a:latin typeface="Times New Roman" panose="02020603050405020304" pitchFamily="18" charset="0"/>
+                <a:cs typeface="Times New Roman" panose="02020603050405020304" pitchFamily="18" charset="0"/>
+              </a:rPr>
+              <a:t>4. Проведение выборной кампании партии</a:t>
+            </a:r>
+            <a:r>
+              <a:rPr lang="ru-RU" sz="1600" dirty="0" smtClean="0">
+                <a:latin typeface="Times New Roman" panose="02020603050405020304" pitchFamily="18" charset="0"/>
+                <a:cs typeface="Times New Roman" panose="02020603050405020304" pitchFamily="18" charset="0"/>
+              </a:rPr>
+              <a:t>;</a:t>
+            </a:r>
+            <a:br>
+              <a:rPr lang="ru-RU" sz="1600" dirty="0" smtClean="0">
+                <a:latin typeface="Times New Roman" panose="02020603050405020304" pitchFamily="18" charset="0"/>
+                <a:cs typeface="Times New Roman" panose="02020603050405020304" pitchFamily="18" charset="0"/>
+              </a:rPr>
+            </a:br>
+            <a:r>
+              <a:rPr lang="ru-RU" sz="1600" dirty="0" smtClean="0">
+                <a:latin typeface="Times New Roman" panose="02020603050405020304" pitchFamily="18" charset="0"/>
+                <a:cs typeface="Times New Roman" panose="02020603050405020304" pitchFamily="18" charset="0"/>
+              </a:rPr>
+              <a:t/>
+            </a:r>
+            <a:br>
+              <a:rPr lang="ru-RU" sz="1600" dirty="0" smtClean="0">
+                <a:latin typeface="Times New Roman" panose="02020603050405020304" pitchFamily="18" charset="0"/>
+                <a:cs typeface="Times New Roman" panose="02020603050405020304" pitchFamily="18" charset="0"/>
+              </a:rPr>
+            </a:br>
+            <a:r>
+              <a:rPr lang="ru-RU" sz="1600" dirty="0" smtClean="0">
+                <a:latin typeface="Times New Roman" panose="02020603050405020304" pitchFamily="18" charset="0"/>
+                <a:cs typeface="Times New Roman" panose="02020603050405020304" pitchFamily="18" charset="0"/>
+              </a:rPr>
+              <a:t>5. Внедрение системы автоматического учета на складе</a:t>
+            </a:r>
+            <a:r>
+              <a:rPr lang="ru-RU" sz="1600" dirty="0" smtClean="0">
+                <a:latin typeface="Times New Roman" panose="02020603050405020304" pitchFamily="18" charset="0"/>
+                <a:cs typeface="Times New Roman" panose="02020603050405020304" pitchFamily="18" charset="0"/>
+              </a:rPr>
+              <a:t>;</a:t>
+            </a:r>
+            <a:br>
+              <a:rPr lang="ru-RU" sz="1600" dirty="0" smtClean="0">
+                <a:latin typeface="Times New Roman" panose="02020603050405020304" pitchFamily="18" charset="0"/>
+                <a:cs typeface="Times New Roman" panose="02020603050405020304" pitchFamily="18" charset="0"/>
+              </a:rPr>
+            </a:br>
+            <a:r>
+              <a:rPr lang="ru-RU" sz="1600" dirty="0" smtClean="0">
+                <a:latin typeface="Times New Roman" panose="02020603050405020304" pitchFamily="18" charset="0"/>
+                <a:cs typeface="Times New Roman" panose="02020603050405020304" pitchFamily="18" charset="0"/>
+              </a:rPr>
+              <a:t/>
+            </a:r>
+            <a:br>
+              <a:rPr lang="ru-RU" sz="1600" dirty="0" smtClean="0">
+                <a:latin typeface="Times New Roman" panose="02020603050405020304" pitchFamily="18" charset="0"/>
+                <a:cs typeface="Times New Roman" panose="02020603050405020304" pitchFamily="18" charset="0"/>
+              </a:rPr>
+            </a:br>
+            <a:r>
+              <a:rPr lang="ru-RU" sz="1600" dirty="0" smtClean="0">
+                <a:latin typeface="Times New Roman" panose="02020603050405020304" pitchFamily="18" charset="0"/>
+                <a:cs typeface="Times New Roman" panose="02020603050405020304" pitchFamily="18" charset="0"/>
+              </a:rPr>
+              <a:t>6. Переезд в новый офис</a:t>
+            </a:r>
+            <a:r>
+              <a:rPr lang="ru-RU" sz="1600" dirty="0" smtClean="0">
+                <a:latin typeface="Times New Roman" panose="02020603050405020304" pitchFamily="18" charset="0"/>
+                <a:cs typeface="Times New Roman" panose="02020603050405020304" pitchFamily="18" charset="0"/>
+              </a:rPr>
+              <a:t>;</a:t>
+            </a:r>
+            <a:br>
+              <a:rPr lang="ru-RU" sz="1600" dirty="0" smtClean="0">
+                <a:latin typeface="Times New Roman" panose="02020603050405020304" pitchFamily="18" charset="0"/>
+                <a:cs typeface="Times New Roman" panose="02020603050405020304" pitchFamily="18" charset="0"/>
+              </a:rPr>
+            </a:br>
+            <a:r>
+              <a:rPr lang="ru-RU" sz="1600" dirty="0" smtClean="0">
+                <a:latin typeface="Times New Roman" panose="02020603050405020304" pitchFamily="18" charset="0"/>
+                <a:cs typeface="Times New Roman" panose="02020603050405020304" pitchFamily="18" charset="0"/>
+              </a:rPr>
+              <a:t/>
             </a:r>
             <a:br>
               <a:rPr lang="ru-RU" sz="1600" dirty="0" smtClean="0">
@@ -8631,7 +6919,7 @@
           <a:p>
             <a:pPr algn="ctr"/>
             <a:fld id="{C16716D8-33A6-4CD7-92A8-E4A7CF52C18D}" type="slidenum">
-              <a:rPr lang="ru-RU">
+              <a:rPr lang="ru-RU" smtClean="0">
                 <a:solidFill>
                   <a:schemeClr val="accent1">
                     <a:lumMod val="75000"/>
@@ -8643,13 +6931,13 @@
               <a:t>4</a:t>
             </a:fld>
             <a:r>
-              <a:rPr lang="ru-RU" dirty="0">
+              <a:rPr lang="ru-RU" dirty="0" smtClean="0">
                 <a:latin typeface="Bookman Old Style" panose="02050604050505020204" pitchFamily="18" charset="0"/>
               </a:rPr>
               <a:t>/</a:t>
             </a:r>
             <a:r>
-              <a:rPr lang="ru-RU" dirty="0">
+              <a:rPr lang="ru-RU" dirty="0" smtClean="0">
                 <a:solidFill>
                   <a:schemeClr val="tx2">
                     <a:lumMod val="50000"/>
@@ -8657,8 +6945,16 @@
                 </a:solidFill>
                 <a:latin typeface="Bookman Old Style" panose="02050604050505020204" pitchFamily="18" charset="0"/>
               </a:rPr>
-              <a:t>15</a:t>
-            </a:r>
+              <a:t>13</a:t>
+            </a:r>
+            <a:endParaRPr lang="ru-RU" dirty="0">
+              <a:solidFill>
+                <a:schemeClr val="tx2">
+                  <a:lumMod val="50000"/>
+                </a:schemeClr>
+              </a:solidFill>
+              <a:latin typeface="Bookman Old Style" panose="02050604050505020204" pitchFamily="18" charset="0"/>
+            </a:endParaRPr>
           </a:p>
         </p:txBody>
       </p:sp>
@@ -8706,6 +7002,45 @@
           </a:p>
         </p:txBody>
       </p:sp>
+      <p:pic>
+        <p:nvPicPr>
+          <p:cNvPr id="1026" name="Picture 2" descr="Подкаст на ПОДумать слушать онлайн - Podster.fm"/>
+          <p:cNvPicPr>
+            <a:picLocks noChangeAspect="1" noChangeArrowheads="1"/>
+          </p:cNvPicPr>
+          <p:nvPr/>
+        </p:nvPicPr>
+        <p:blipFill rotWithShape="1">
+          <a:blip r:embed="rId2">
+            <a:extLst>
+              <a:ext uri="{28A0092B-C50C-407E-A947-70E740481C1C}">
+                <a14:useLocalDpi xmlns:a14="http://schemas.microsoft.com/office/drawing/2010/main" val="0"/>
+              </a:ext>
+            </a:extLst>
+          </a:blip>
+          <a:srcRect t="3848" b="3223"/>
+          <a:stretch/>
+        </p:blipFill>
+        <p:spPr bwMode="auto">
+          <a:xfrm>
+            <a:off x="8760296" y="2129317"/>
+            <a:ext cx="2867025" cy="2664296"/>
+          </a:xfrm>
+          <a:prstGeom prst="rect">
+            <a:avLst/>
+          </a:prstGeom>
+          <a:noFill/>
+          <a:extLst>
+            <a:ext uri="{909E8E84-426E-40DD-AFC4-6F175D3DCCD1}">
+              <a14:hiddenFill xmlns:a14="http://schemas.microsoft.com/office/drawing/2010/main">
+                <a:solidFill>
+                  <a:srgbClr val="FFFFFF"/>
+                </a:solidFill>
+              </a14:hiddenFill>
+            </a:ext>
+          </a:extLst>
+        </p:spPr>
+      </p:pic>
     </p:spTree>
     <p:extLst>
       <p:ext uri="{BB962C8B-B14F-4D97-AF65-F5344CB8AC3E}">
@@ -8951,7 +7286,7 @@
           <a:p>
             <a:pPr algn="ctr"/>
             <a:fld id="{C16716D8-33A6-4CD7-92A8-E4A7CF52C18D}" type="slidenum">
-              <a:rPr lang="ru-RU">
+              <a:rPr lang="ru-RU" smtClean="0">
                 <a:solidFill>
                   <a:schemeClr val="accent1">
                     <a:lumMod val="75000"/>
@@ -8963,13 +7298,13 @@
               <a:t>5</a:t>
             </a:fld>
             <a:r>
-              <a:rPr lang="ru-RU" dirty="0">
+              <a:rPr lang="ru-RU" dirty="0" smtClean="0">
                 <a:latin typeface="Bookman Old Style" panose="02050604050505020204" pitchFamily="18" charset="0"/>
               </a:rPr>
               <a:t>/</a:t>
             </a:r>
             <a:r>
-              <a:rPr lang="ru-RU" dirty="0">
+              <a:rPr lang="ru-RU" dirty="0" smtClean="0">
                 <a:solidFill>
                   <a:schemeClr val="tx2">
                     <a:lumMod val="50000"/>
@@ -8977,8 +7312,16 @@
                 </a:solidFill>
                 <a:latin typeface="Bookman Old Style" panose="02050604050505020204" pitchFamily="18" charset="0"/>
               </a:rPr>
-              <a:t>15</a:t>
-            </a:r>
+              <a:t>13</a:t>
+            </a:r>
+            <a:endParaRPr lang="ru-RU" dirty="0">
+              <a:solidFill>
+                <a:schemeClr val="tx2">
+                  <a:lumMod val="50000"/>
+                </a:schemeClr>
+              </a:solidFill>
+              <a:latin typeface="Bookman Old Style" panose="02050604050505020204" pitchFamily="18" charset="0"/>
+            </a:endParaRPr>
           </a:p>
         </p:txBody>
       </p:sp>
@@ -9042,8 +7385,8 @@
         </p:blipFill>
         <p:spPr>
           <a:xfrm>
-            <a:off x="3104732" y="1315450"/>
-            <a:ext cx="5982535" cy="4848902"/>
+            <a:off x="2783632" y="1121573"/>
+            <a:ext cx="6303635" cy="5109157"/>
           </a:xfrm>
           <a:prstGeom prst="rect">
             <a:avLst/>
@@ -9099,8 +7442,8 @@
         </p:nvSpPr>
         <p:spPr>
           <a:xfrm>
-            <a:off x="119336" y="1296323"/>
-            <a:ext cx="11809312" cy="4455005"/>
+            <a:off x="101216" y="2448872"/>
+            <a:ext cx="6264696" cy="2088232"/>
           </a:xfrm>
         </p:spPr>
         <p:txBody>
@@ -9111,11 +7454,60 @@
           <a:p>
             <a:pPr algn="l"/>
             <a:r>
-              <a:rPr lang="ru-RU" sz="1600" dirty="0" smtClean="0">
-                <a:latin typeface="Times New Roman" panose="02020603050405020304" pitchFamily="18" charset="0"/>
-                <a:cs typeface="Times New Roman" panose="02020603050405020304" pitchFamily="18" charset="0"/>
-              </a:rPr>
-              <a:t>Классификация проектов:</a:t>
+              <a:rPr lang="ru-RU" sz="1600" dirty="0">
+                <a:latin typeface="Times New Roman" panose="02020603050405020304" pitchFamily="18" charset="0"/>
+                <a:cs typeface="Times New Roman" panose="02020603050405020304" pitchFamily="18" charset="0"/>
+              </a:rPr>
+              <a:t>П</a:t>
+            </a:r>
+            <a:r>
+              <a:rPr lang="ru-RU" sz="1600" dirty="0" smtClean="0">
+                <a:latin typeface="Times New Roman" panose="02020603050405020304" pitchFamily="18" charset="0"/>
+                <a:cs typeface="Times New Roman" panose="02020603050405020304" pitchFamily="18" charset="0"/>
+              </a:rPr>
+              <a:t>о масштабу:</a:t>
+            </a:r>
+            <a:r>
+              <a:rPr lang="en-US" sz="1600" dirty="0" smtClean="0">
+                <a:latin typeface="Times New Roman" panose="02020603050405020304" pitchFamily="18" charset="0"/>
+                <a:cs typeface="Times New Roman" panose="02020603050405020304" pitchFamily="18" charset="0"/>
+              </a:rPr>
+              <a:t> </a:t>
+            </a:r>
+            <a:r>
+              <a:rPr lang="ru-RU" sz="1600" dirty="0" err="1" smtClean="0">
+                <a:latin typeface="Times New Roman" panose="02020603050405020304" pitchFamily="18" charset="0"/>
+                <a:cs typeface="Times New Roman" panose="02020603050405020304" pitchFamily="18" charset="0"/>
+              </a:rPr>
+              <a:t>микропроект</a:t>
+            </a:r>
+            <a:r>
+              <a:rPr lang="ru-RU" sz="1600" dirty="0">
+                <a:latin typeface="Times New Roman" panose="02020603050405020304" pitchFamily="18" charset="0"/>
+                <a:cs typeface="Times New Roman" panose="02020603050405020304" pitchFamily="18" charset="0"/>
+              </a:rPr>
+              <a:t>, малый, средний, </a:t>
+            </a:r>
+            <a:r>
+              <a:rPr lang="ru-RU" sz="1600" dirty="0" err="1">
+                <a:latin typeface="Times New Roman" panose="02020603050405020304" pitchFamily="18" charset="0"/>
+                <a:cs typeface="Times New Roman" panose="02020603050405020304" pitchFamily="18" charset="0"/>
+              </a:rPr>
+              <a:t>мегапроект</a:t>
+            </a:r>
+            <a:r>
+              <a:rPr lang="ru-RU" sz="1600" dirty="0">
+                <a:latin typeface="Times New Roman" panose="02020603050405020304" pitchFamily="18" charset="0"/>
+                <a:cs typeface="Times New Roman" panose="02020603050405020304" pitchFamily="18" charset="0"/>
+              </a:rPr>
+              <a:t>. </a:t>
+            </a:r>
+            <a:r>
+              <a:rPr lang="ru-RU" sz="1600" dirty="0" smtClean="0">
+                <a:latin typeface="Times New Roman" panose="02020603050405020304" pitchFamily="18" charset="0"/>
+                <a:cs typeface="Times New Roman" panose="02020603050405020304" pitchFamily="18" charset="0"/>
+              </a:rPr>
+              <a:t/>
             </a:r>
             <a:br>
               <a:rPr lang="ru-RU" sz="1600" dirty="0" smtClean="0">
@@ -9128,7 +7520,7 @@
                 <a:latin typeface="Times New Roman" panose="02020603050405020304" pitchFamily="18" charset="0"/>
                 <a:cs typeface="Times New Roman" panose="02020603050405020304" pitchFamily="18" charset="0"/>
               </a:rPr>
-              <a:t>По масштабу:</a:t>
+              <a:t/>
             </a:r>
             <a:br>
               <a:rPr lang="ru-RU" sz="1600" dirty="0" smtClean="0">
@@ -9137,28 +7529,49 @@
               </a:rPr>
             </a:br>
             <a:r>
-              <a:rPr lang="ru-RU" sz="1600" dirty="0" smtClean="0">
-                <a:latin typeface="Times New Roman" panose="02020603050405020304" pitchFamily="18" charset="0"/>
-                <a:cs typeface="Times New Roman" panose="02020603050405020304" pitchFamily="18" charset="0"/>
-              </a:rPr>
-              <a:t>	</a:t>
-            </a:r>
-            <a:r>
-              <a:rPr lang="ru-RU" sz="1600" dirty="0" err="1" smtClean="0">
-                <a:latin typeface="Times New Roman" panose="02020603050405020304" pitchFamily="18" charset="0"/>
-                <a:cs typeface="Times New Roman" panose="02020603050405020304" pitchFamily="18" charset="0"/>
-              </a:rPr>
-              <a:t>микропроект</a:t>
-            </a:r>
-            <a:r>
-              <a:rPr lang="ru-RU" sz="1600" dirty="0" smtClean="0">
-                <a:latin typeface="Times New Roman" panose="02020603050405020304" pitchFamily="18" charset="0"/>
-                <a:cs typeface="Times New Roman" panose="02020603050405020304" pitchFamily="18" charset="0"/>
-              </a:rPr>
-              <a:t> – чаще всего, это форма представления индивидуальной инициативы, получившей признание окружающих. Может не требовать финансирования и т.д.</a:t>
+              <a:rPr lang="ru-RU" sz="1600" b="1" dirty="0" err="1" smtClean="0">
+                <a:latin typeface="Times New Roman" panose="02020603050405020304" pitchFamily="18" charset="0"/>
+                <a:cs typeface="Times New Roman" panose="02020603050405020304" pitchFamily="18" charset="0"/>
+              </a:rPr>
+              <a:t>Микропроект</a:t>
+            </a:r>
+            <a:r>
+              <a:rPr lang="ru-RU" sz="1600" dirty="0" smtClean="0">
+                <a:latin typeface="Times New Roman" panose="02020603050405020304" pitchFamily="18" charset="0"/>
+                <a:cs typeface="Times New Roman" panose="02020603050405020304" pitchFamily="18" charset="0"/>
+              </a:rPr>
+              <a:t> </a:t>
+            </a:r>
+            <a:r>
+              <a:rPr lang="ru-RU" sz="1600" dirty="0">
+                <a:latin typeface="Times New Roman" panose="02020603050405020304" pitchFamily="18" charset="0"/>
+                <a:cs typeface="Times New Roman" panose="02020603050405020304" pitchFamily="18" charset="0"/>
+              </a:rPr>
+              <a:t>– чаще всего, это форма представления индивидуальной инициативы, получившей признание окружающих. </a:t>
+            </a:r>
+            <a:r>
+              <a:rPr lang="ru-RU" sz="1600" dirty="0" err="1">
+                <a:latin typeface="Times New Roman" panose="02020603050405020304" pitchFamily="18" charset="0"/>
+                <a:cs typeface="Times New Roman" panose="02020603050405020304" pitchFamily="18" charset="0"/>
+              </a:rPr>
+              <a:t>Микропроект</a:t>
+            </a:r>
+            <a:r>
+              <a:rPr lang="ru-RU" sz="1600" dirty="0">
+                <a:latin typeface="Times New Roman" panose="02020603050405020304" pitchFamily="18" charset="0"/>
+                <a:cs typeface="Times New Roman" panose="02020603050405020304" pitchFamily="18" charset="0"/>
+              </a:rPr>
+              <a:t> делается для себя и своих. Он может не требовать внешнего финансирования, специального оборудования, может создаваться из подручных средств; </a:t>
+            </a:r>
+            <a:r>
+              <a:rPr lang="en-US" sz="1600" dirty="0" smtClean="0">
+                <a:latin typeface="Times New Roman" panose="02020603050405020304" pitchFamily="18" charset="0"/>
+                <a:cs typeface="Times New Roman" panose="02020603050405020304" pitchFamily="18" charset="0"/>
+              </a:rPr>
+              <a:t/>
             </a:r>
             <a:br>
-              <a:rPr lang="ru-RU" sz="1600" dirty="0" smtClean="0">
+              <a:rPr lang="en-US" sz="1600" dirty="0" smtClean="0">
                 <a:latin typeface="Times New Roman" panose="02020603050405020304" pitchFamily="18" charset="0"/>
                 <a:cs typeface="Times New Roman" panose="02020603050405020304" pitchFamily="18" charset="0"/>
               </a:rPr>
@@ -9168,14 +7581,128 @@
                 <a:latin typeface="Times New Roman" panose="02020603050405020304" pitchFamily="18" charset="0"/>
                 <a:cs typeface="Times New Roman" panose="02020603050405020304" pitchFamily="18" charset="0"/>
               </a:rPr>
-              <a:t>	</a:t>
-            </a:r>
-            <a:r>
-              <a:rPr lang="ru-RU" sz="1600" dirty="0" smtClean="0">
-                <a:latin typeface="Times New Roman" panose="02020603050405020304" pitchFamily="18" charset="0"/>
-                <a:cs typeface="Times New Roman" panose="02020603050405020304" pitchFamily="18" charset="0"/>
-              </a:rPr>
-              <a:t>Малые проекты – невелики по масштабу</a:t>
+              <a:t/>
+            </a:r>
+            <a:br>
+              <a:rPr lang="ru-RU" sz="1600" dirty="0">
+                <a:latin typeface="Times New Roman" panose="02020603050405020304" pitchFamily="18" charset="0"/>
+                <a:cs typeface="Times New Roman" panose="02020603050405020304" pitchFamily="18" charset="0"/>
+              </a:rPr>
+            </a:br>
+            <a:r>
+              <a:rPr lang="ru-RU" sz="1600" b="1" dirty="0" smtClean="0">
+                <a:latin typeface="Times New Roman" panose="02020603050405020304" pitchFamily="18" charset="0"/>
+                <a:cs typeface="Times New Roman" panose="02020603050405020304" pitchFamily="18" charset="0"/>
+              </a:rPr>
+              <a:t>Малые </a:t>
+            </a:r>
+            <a:r>
+              <a:rPr lang="ru-RU" sz="1600" b="1" dirty="0">
+                <a:latin typeface="Times New Roman" panose="02020603050405020304" pitchFamily="18" charset="0"/>
+                <a:cs typeface="Times New Roman" panose="02020603050405020304" pitchFamily="18" charset="0"/>
+              </a:rPr>
+              <a:t>проекты </a:t>
+            </a:r>
+            <a:r>
+              <a:rPr lang="ru-RU" sz="1600" dirty="0">
+                <a:latin typeface="Times New Roman" panose="02020603050405020304" pitchFamily="18" charset="0"/>
+                <a:cs typeface="Times New Roman" panose="02020603050405020304" pitchFamily="18" charset="0"/>
+              </a:rPr>
+              <a:t>невелики по масштабу, просты и ограничены объемами. Так, например, в американской практике малые проекты связаны с объемом капиталовложений в размере 10–15 млн долл., трудозатратами до 40–50 тыс. чел. Типичный пример малого проекта – модернизация действующих производств. </a:t>
+            </a:r>
+            <a:r>
+              <a:rPr lang="en-US" sz="1600" dirty="0" smtClean="0">
+                <a:latin typeface="Times New Roman" panose="02020603050405020304" pitchFamily="18" charset="0"/>
+                <a:cs typeface="Times New Roman" panose="02020603050405020304" pitchFamily="18" charset="0"/>
+              </a:rPr>
+              <a:t/>
+            </a:r>
+            <a:br>
+              <a:rPr lang="en-US" sz="1600" dirty="0" smtClean="0">
+                <a:latin typeface="Times New Roman" panose="02020603050405020304" pitchFamily="18" charset="0"/>
+                <a:cs typeface="Times New Roman" panose="02020603050405020304" pitchFamily="18" charset="0"/>
+              </a:rPr>
+            </a:br>
+            <a:r>
+              <a:rPr lang="ru-RU" sz="1600" dirty="0" smtClean="0">
+                <a:latin typeface="Times New Roman" panose="02020603050405020304" pitchFamily="18" charset="0"/>
+                <a:cs typeface="Times New Roman" panose="02020603050405020304" pitchFamily="18" charset="0"/>
+              </a:rPr>
+              <a:t/>
+            </a:r>
+            <a:br>
+              <a:rPr lang="ru-RU" sz="1600" dirty="0" smtClean="0">
+                <a:latin typeface="Times New Roman" panose="02020603050405020304" pitchFamily="18" charset="0"/>
+                <a:cs typeface="Times New Roman" panose="02020603050405020304" pitchFamily="18" charset="0"/>
+              </a:rPr>
+            </a:br>
+            <a:r>
+              <a:rPr lang="ru-RU" sz="1600" b="1" dirty="0" smtClean="0">
+                <a:latin typeface="Times New Roman" panose="02020603050405020304" pitchFamily="18" charset="0"/>
+                <a:cs typeface="Times New Roman" panose="02020603050405020304" pitchFamily="18" charset="0"/>
+              </a:rPr>
+              <a:t>Средние </a:t>
+            </a:r>
+            <a:r>
+              <a:rPr lang="ru-RU" sz="1600" b="1" dirty="0">
+                <a:latin typeface="Times New Roman" panose="02020603050405020304" pitchFamily="18" charset="0"/>
+                <a:cs typeface="Times New Roman" panose="02020603050405020304" pitchFamily="18" charset="0"/>
+              </a:rPr>
+              <a:t>проекты </a:t>
+            </a:r>
+            <a:r>
+              <a:rPr lang="ru-RU" sz="1600" dirty="0">
+                <a:latin typeface="Times New Roman" panose="02020603050405020304" pitchFamily="18" charset="0"/>
+                <a:cs typeface="Times New Roman" panose="02020603050405020304" pitchFamily="18" charset="0"/>
+              </a:rPr>
+              <a:t>наиболее распространены в практике. Они имеют сравнительно небольшую длительность – до 2– 5 лет, требуют более тщательной проработки всех подсистем проекта и предполагают более значительные затраты</a:t>
+            </a:r>
+            <a:r>
+              <a:rPr lang="ru-RU" sz="1600" dirty="0" smtClean="0">
+                <a:latin typeface="Times New Roman" panose="02020603050405020304" pitchFamily="18" charset="0"/>
+                <a:cs typeface="Times New Roman" panose="02020603050405020304" pitchFamily="18" charset="0"/>
+              </a:rPr>
+              <a:t>;</a:t>
+            </a:r>
+            <a:br>
+              <a:rPr lang="ru-RU" sz="1600" dirty="0" smtClean="0">
+                <a:latin typeface="Times New Roman" panose="02020603050405020304" pitchFamily="18" charset="0"/>
+                <a:cs typeface="Times New Roman" panose="02020603050405020304" pitchFamily="18" charset="0"/>
+              </a:rPr>
+            </a:br>
+            <a:r>
+              <a:rPr lang="ru-RU" sz="1600" dirty="0" smtClean="0">
+                <a:latin typeface="Times New Roman" panose="02020603050405020304" pitchFamily="18" charset="0"/>
+                <a:cs typeface="Times New Roman" panose="02020603050405020304" pitchFamily="18" charset="0"/>
+              </a:rPr>
+              <a:t/>
+            </a:r>
+            <a:br>
+              <a:rPr lang="ru-RU" sz="1600" dirty="0" smtClean="0">
+                <a:latin typeface="Times New Roman" panose="02020603050405020304" pitchFamily="18" charset="0"/>
+                <a:cs typeface="Times New Roman" panose="02020603050405020304" pitchFamily="18" charset="0"/>
+              </a:rPr>
+            </a:br>
+            <a:r>
+              <a:rPr lang="ru-RU" sz="1600" b="1" dirty="0" smtClean="0">
+                <a:latin typeface="Times New Roman" panose="02020603050405020304" pitchFamily="18" charset="0"/>
+                <a:cs typeface="Times New Roman" panose="02020603050405020304" pitchFamily="18" charset="0"/>
+              </a:rPr>
+              <a:t>Мегапроекты</a:t>
+            </a:r>
+            <a:r>
+              <a:rPr lang="ru-RU" sz="1600" dirty="0" smtClean="0">
+                <a:latin typeface="Times New Roman" panose="02020603050405020304" pitchFamily="18" charset="0"/>
+                <a:cs typeface="Times New Roman" panose="02020603050405020304" pitchFamily="18" charset="0"/>
+              </a:rPr>
+              <a:t> </a:t>
+            </a:r>
+            <a:r>
+              <a:rPr lang="ru-RU" sz="1600" dirty="0">
+                <a:latin typeface="Times New Roman" panose="02020603050405020304" pitchFamily="18" charset="0"/>
+                <a:cs typeface="Times New Roman" panose="02020603050405020304" pitchFamily="18" charset="0"/>
+              </a:rPr>
+              <a:t>– целевые программы, содержащие множество взаимосвязанных проектов, объединенных общей целью выделенными ресурсами, отпущенным временем. Мегапроекты обладают высокой стоимостью – до 1 млрд долл., трудоемкостью до 2 млн чел., длительностью реализации – до 5–7 лет;</a:t>
             </a:r>
             <a:endParaRPr lang="ru-RU" sz="1600" dirty="0">
               <a:latin typeface="Times New Roman" panose="02020603050405020304" pitchFamily="18" charset="0"/>
@@ -9208,10 +7735,10 @@
           <a:p>
             <a:pPr algn="ctr"/>
             <a:r>
-              <a:rPr lang="ru-RU" sz="2100" dirty="0" smtClean="0">
+              <a:rPr lang="ru-RU" sz="2100" dirty="0">
                 <a:latin typeface="Bookman Old Style" panose="02050604050505020204" pitchFamily="18" charset="0"/>
               </a:rPr>
-              <a:t>Основные определения</a:t>
+              <a:t>Классификация видов проекта</a:t>
             </a:r>
             <a:endParaRPr lang="ru-RU" sz="2100" dirty="0">
               <a:latin typeface="Bookman Old Style" panose="02050604050505020204" pitchFamily="18" charset="0"/>
@@ -9348,7 +7875,7 @@
           <a:p>
             <a:pPr algn="ctr"/>
             <a:fld id="{C16716D8-33A6-4CD7-92A8-E4A7CF52C18D}" type="slidenum">
-              <a:rPr lang="ru-RU">
+              <a:rPr lang="ru-RU" smtClean="0">
                 <a:solidFill>
                   <a:schemeClr val="accent1">
                     <a:lumMod val="75000"/>
@@ -9360,13 +7887,13 @@
               <a:t>6</a:t>
             </a:fld>
             <a:r>
-              <a:rPr lang="ru-RU" dirty="0">
+              <a:rPr lang="ru-RU" dirty="0" smtClean="0">
                 <a:latin typeface="Bookman Old Style" panose="02050604050505020204" pitchFamily="18" charset="0"/>
               </a:rPr>
               <a:t>/</a:t>
             </a:r>
             <a:r>
-              <a:rPr lang="ru-RU" dirty="0">
+              <a:rPr lang="ru-RU" dirty="0" smtClean="0">
                 <a:solidFill>
                   <a:schemeClr val="tx2">
                     <a:lumMod val="50000"/>
@@ -9374,8 +7901,16 @@
                 </a:solidFill>
                 <a:latin typeface="Bookman Old Style" panose="02050604050505020204" pitchFamily="18" charset="0"/>
               </a:rPr>
-              <a:t>15</a:t>
-            </a:r>
+              <a:t>13</a:t>
+            </a:r>
+            <a:endParaRPr lang="ru-RU" dirty="0">
+              <a:solidFill>
+                <a:schemeClr val="tx2">
+                  <a:lumMod val="50000"/>
+                </a:schemeClr>
+              </a:solidFill>
+              <a:latin typeface="Bookman Old Style" panose="02050604050505020204" pitchFamily="18" charset="0"/>
+            </a:endParaRPr>
           </a:p>
         </p:txBody>
       </p:sp>
@@ -9419,6 +7954,90 @@
             </a:r>
             <a:endParaRPr lang="ru-RU" sz="1500" dirty="0">
               <a:latin typeface="Bookman Old Style" panose="02050604050505020204" pitchFamily="18" charset="0"/>
+            </a:endParaRPr>
+          </a:p>
+        </p:txBody>
+      </p:sp>
+      <p:pic>
+        <p:nvPicPr>
+          <p:cNvPr id="5124" name="Picture 4" descr="Петра"/>
+          <p:cNvPicPr>
+            <a:picLocks noChangeAspect="1" noChangeArrowheads="1"/>
+          </p:cNvPicPr>
+          <p:nvPr/>
+        </p:nvPicPr>
+        <p:blipFill>
+          <a:blip r:embed="rId2">
+            <a:extLst>
+              <a:ext uri="{28A0092B-C50C-407E-A947-70E740481C1C}">
+                <a14:useLocalDpi xmlns:a14="http://schemas.microsoft.com/office/drawing/2010/main" val="0"/>
+              </a:ext>
+            </a:extLst>
+          </a:blip>
+          <a:srcRect/>
+          <a:stretch>
+            <a:fillRect/>
+          </a:stretch>
+        </p:blipFill>
+        <p:spPr bwMode="auto">
+          <a:xfrm>
+            <a:off x="6443701" y="1482059"/>
+            <a:ext cx="5256584" cy="3609521"/>
+          </a:xfrm>
+          <a:prstGeom prst="rect">
+            <a:avLst/>
+          </a:prstGeom>
+          <a:noFill/>
+          <a:extLst>
+            <a:ext uri="{909E8E84-426E-40DD-AFC4-6F175D3DCCD1}">
+              <a14:hiddenFill xmlns:a14="http://schemas.microsoft.com/office/drawing/2010/main">
+                <a:solidFill>
+                  <a:srgbClr val="FFFFFF"/>
+                </a:solidFill>
+              </a14:hiddenFill>
+            </a:ext>
+          </a:extLst>
+        </p:spPr>
+      </p:pic>
+      <p:sp>
+        <p:nvSpPr>
+          <p:cNvPr id="11" name="Прямоугольник 10"/>
+          <p:cNvSpPr/>
+          <p:nvPr/>
+        </p:nvSpPr>
+        <p:spPr>
+          <a:xfrm>
+            <a:off x="6431100" y="5138445"/>
+            <a:ext cx="5663952" cy="338554"/>
+          </a:xfrm>
+          <a:prstGeom prst="rect">
+            <a:avLst/>
+          </a:prstGeom>
+        </p:spPr>
+        <p:txBody>
+          <a:bodyPr wrap="square">
+            <a:spAutoFit/>
+          </a:bodyPr>
+          <a:lstStyle/>
+          <a:p>
+            <a:pPr algn="ctr"/>
+            <a:r>
+              <a:rPr lang="ru-RU" sz="1600" i="1" dirty="0" smtClean="0">
+                <a:latin typeface="Times New Roman" panose="02020603050405020304" pitchFamily="18" charset="0"/>
+                <a:cs typeface="Times New Roman" panose="02020603050405020304" pitchFamily="18" charset="0"/>
+              </a:rPr>
+              <a:t>Рис. 2 </a:t>
+            </a:r>
+            <a:r>
+              <a:rPr lang="ru-RU" sz="1600" dirty="0" smtClean="0">
+                <a:latin typeface="Times New Roman" panose="02020603050405020304" pitchFamily="18" charset="0"/>
+                <a:cs typeface="Times New Roman" panose="02020603050405020304" pitchFamily="18" charset="0"/>
+              </a:rPr>
+              <a:t>–  Пример мегапроекта, Петра</a:t>
+            </a:r>
+            <a:endParaRPr lang="ru-RU" sz="1600" dirty="0">
+              <a:latin typeface="Times New Roman" panose="02020603050405020304" pitchFamily="18" charset="0"/>
+              <a:cs typeface="Times New Roman" panose="02020603050405020304" pitchFamily="18" charset="0"/>
             </a:endParaRPr>
           </a:p>
         </p:txBody>
@@ -9462,277 +8081,6 @@
       </p:grpSpPr>
       <p:sp>
         <p:nvSpPr>
-          <p:cNvPr id="2" name="Заголовок 1"/>
-          <p:cNvSpPr>
-            <a:spLocks noGrp="1"/>
-          </p:cNvSpPr>
-          <p:nvPr>
-            <p:ph type="ctrTitle"/>
-          </p:nvPr>
-        </p:nvSpPr>
-        <p:spPr>
-          <a:xfrm>
-            <a:off x="119336" y="1296323"/>
-            <a:ext cx="11809312" cy="4455005"/>
-          </a:xfrm>
-        </p:spPr>
-        <p:txBody>
-          <a:bodyPr>
-            <a:noAutofit/>
-          </a:bodyPr>
-          <a:lstStyle/>
-          <a:p>
-            <a:pPr algn="l"/>
-            <a:r>
-              <a:rPr lang="ru-RU" sz="1600" b="1" dirty="0">
-                <a:latin typeface="Times New Roman" panose="02020603050405020304" pitchFamily="18" charset="0"/>
-                <a:cs typeface="Times New Roman" panose="02020603050405020304" pitchFamily="18" charset="0"/>
-              </a:rPr>
-              <a:t>Проект </a:t>
-            </a:r>
-            <a:r>
-              <a:rPr lang="ru-RU" sz="1600" dirty="0">
-                <a:latin typeface="Times New Roman" panose="02020603050405020304" pitchFamily="18" charset="0"/>
-                <a:cs typeface="Times New Roman" panose="02020603050405020304" pitchFamily="18" charset="0"/>
-              </a:rPr>
-              <a:t>(англ. </a:t>
-            </a:r>
-            <a:r>
-              <a:rPr lang="ru-RU" sz="1600" dirty="0" err="1">
-                <a:latin typeface="Times New Roman" panose="02020603050405020304" pitchFamily="18" charset="0"/>
-                <a:cs typeface="Times New Roman" panose="02020603050405020304" pitchFamily="18" charset="0"/>
-              </a:rPr>
-              <a:t>design</a:t>
-            </a:r>
-            <a:r>
-              <a:rPr lang="ru-RU" sz="1600" dirty="0">
-                <a:latin typeface="Times New Roman" panose="02020603050405020304" pitchFamily="18" charset="0"/>
-                <a:cs typeface="Times New Roman" panose="02020603050405020304" pitchFamily="18" charset="0"/>
-              </a:rPr>
-              <a:t>) – это работы, планы, мероприятия и другие задачи, направленные на создание уникального продукта (устройства, работы, услуги). </a:t>
-            </a:r>
-            <a:br>
-              <a:rPr lang="ru-RU" sz="1600" dirty="0">
-                <a:latin typeface="Times New Roman" panose="02020603050405020304" pitchFamily="18" charset="0"/>
-                <a:cs typeface="Times New Roman" panose="02020603050405020304" pitchFamily="18" charset="0"/>
-              </a:rPr>
-            </a:br>
-            <a:r>
-              <a:rPr lang="ru-RU" sz="1600" dirty="0">
-                <a:latin typeface="Times New Roman" panose="02020603050405020304" pitchFamily="18" charset="0"/>
-                <a:cs typeface="Times New Roman" panose="02020603050405020304" pitchFamily="18" charset="0"/>
-              </a:rPr>
-              <a:t/>
-            </a:r>
-            <a:br>
-              <a:rPr lang="ru-RU" sz="1600" dirty="0">
-                <a:latin typeface="Times New Roman" panose="02020603050405020304" pitchFamily="18" charset="0"/>
-                <a:cs typeface="Times New Roman" panose="02020603050405020304" pitchFamily="18" charset="0"/>
-              </a:rPr>
-            </a:br>
-            <a:r>
-              <a:rPr lang="ru-RU" sz="1600" b="1" dirty="0">
-                <a:latin typeface="Times New Roman" panose="02020603050405020304" pitchFamily="18" charset="0"/>
-                <a:cs typeface="Times New Roman" panose="02020603050405020304" pitchFamily="18" charset="0"/>
-              </a:rPr>
-              <a:t>Проектная деятельность – </a:t>
-            </a:r>
-            <a:r>
-              <a:rPr lang="ru-RU" sz="1600" dirty="0">
-                <a:latin typeface="Times New Roman" panose="02020603050405020304" pitchFamily="18" charset="0"/>
-                <a:cs typeface="Times New Roman" panose="02020603050405020304" pitchFamily="18" charset="0"/>
-              </a:rPr>
-              <a:t>это совокупность действий, направленных на решение конкретной задачи в рамках проекта, ограниченного целевой установкой, сроками и достигнутыми результатами (или продуктами). </a:t>
-            </a:r>
-            <a:br>
-              <a:rPr lang="ru-RU" sz="1600" dirty="0">
-                <a:latin typeface="Times New Roman" panose="02020603050405020304" pitchFamily="18" charset="0"/>
-                <a:cs typeface="Times New Roman" panose="02020603050405020304" pitchFamily="18" charset="0"/>
-              </a:rPr>
-            </a:br>
-            <a:r>
-              <a:rPr lang="ru-RU" sz="1600" dirty="0">
-                <a:latin typeface="Times New Roman" panose="02020603050405020304" pitchFamily="18" charset="0"/>
-                <a:cs typeface="Times New Roman" panose="02020603050405020304" pitchFamily="18" charset="0"/>
-              </a:rPr>
-              <a:t/>
-            </a:r>
-            <a:br>
-              <a:rPr lang="ru-RU" sz="1600" dirty="0">
-                <a:latin typeface="Times New Roman" panose="02020603050405020304" pitchFamily="18" charset="0"/>
-                <a:cs typeface="Times New Roman" panose="02020603050405020304" pitchFamily="18" charset="0"/>
-              </a:rPr>
-            </a:br>
-            <a:r>
-              <a:rPr lang="ru-RU" sz="1600" b="1" dirty="0">
-                <a:latin typeface="Times New Roman" panose="02020603050405020304" pitchFamily="18" charset="0"/>
-                <a:cs typeface="Times New Roman" panose="02020603050405020304" pitchFamily="18" charset="0"/>
-              </a:rPr>
-              <a:t>Проблема </a:t>
-            </a:r>
-            <a:r>
-              <a:rPr lang="ru-RU" sz="1600" dirty="0">
-                <a:latin typeface="Times New Roman" panose="02020603050405020304" pitchFamily="18" charset="0"/>
-                <a:cs typeface="Times New Roman" panose="02020603050405020304" pitchFamily="18" charset="0"/>
-              </a:rPr>
-              <a:t>– это сложный вопрос, требующий решения (расстояние между состояниями «Хочу» и «Могу»). </a:t>
-            </a:r>
-            <a:br>
-              <a:rPr lang="ru-RU" sz="1600" dirty="0">
-                <a:latin typeface="Times New Roman" panose="02020603050405020304" pitchFamily="18" charset="0"/>
-                <a:cs typeface="Times New Roman" panose="02020603050405020304" pitchFamily="18" charset="0"/>
-              </a:rPr>
-            </a:br>
-            <a:r>
-              <a:rPr lang="ru-RU" sz="1600" dirty="0">
-                <a:latin typeface="Times New Roman" panose="02020603050405020304" pitchFamily="18" charset="0"/>
-                <a:cs typeface="Times New Roman" panose="02020603050405020304" pitchFamily="18" charset="0"/>
-              </a:rPr>
-              <a:t/>
-            </a:r>
-            <a:br>
-              <a:rPr lang="ru-RU" sz="1600" dirty="0">
-                <a:latin typeface="Times New Roman" panose="02020603050405020304" pitchFamily="18" charset="0"/>
-                <a:cs typeface="Times New Roman" panose="02020603050405020304" pitchFamily="18" charset="0"/>
-              </a:rPr>
-            </a:br>
-            <a:r>
-              <a:rPr lang="ru-RU" sz="1600" b="1" dirty="0">
-                <a:latin typeface="Times New Roman" panose="02020603050405020304" pitchFamily="18" charset="0"/>
-                <a:cs typeface="Times New Roman" panose="02020603050405020304" pitchFamily="18" charset="0"/>
-              </a:rPr>
-              <a:t>Идея </a:t>
-            </a:r>
-            <a:r>
-              <a:rPr lang="ru-RU" sz="1600" dirty="0">
-                <a:latin typeface="Times New Roman" panose="02020603050405020304" pitchFamily="18" charset="0"/>
-                <a:cs typeface="Times New Roman" panose="02020603050405020304" pitchFamily="18" charset="0"/>
-              </a:rPr>
-              <a:t>– это мысль, переходящая в действие. В данном случае идея должна быть уникальной для той среды, в которой планируется реализация проекта. </a:t>
-            </a:r>
-            <a:br>
-              <a:rPr lang="ru-RU" sz="1600" dirty="0">
-                <a:latin typeface="Times New Roman" panose="02020603050405020304" pitchFamily="18" charset="0"/>
-                <a:cs typeface="Times New Roman" panose="02020603050405020304" pitchFamily="18" charset="0"/>
-              </a:rPr>
-            </a:br>
-            <a:r>
-              <a:rPr lang="ru-RU" sz="1600" dirty="0">
-                <a:latin typeface="Times New Roman" panose="02020603050405020304" pitchFamily="18" charset="0"/>
-                <a:cs typeface="Times New Roman" panose="02020603050405020304" pitchFamily="18" charset="0"/>
-              </a:rPr>
-              <a:t/>
-            </a:r>
-            <a:br>
-              <a:rPr lang="ru-RU" sz="1600" dirty="0">
-                <a:latin typeface="Times New Roman" panose="02020603050405020304" pitchFamily="18" charset="0"/>
-                <a:cs typeface="Times New Roman" panose="02020603050405020304" pitchFamily="18" charset="0"/>
-              </a:rPr>
-            </a:br>
-            <a:r>
-              <a:rPr lang="ru-RU" sz="1600" b="1" dirty="0">
-                <a:latin typeface="Times New Roman" panose="02020603050405020304" pitchFamily="18" charset="0"/>
-                <a:cs typeface="Times New Roman" panose="02020603050405020304" pitchFamily="18" charset="0"/>
-              </a:rPr>
-              <a:t>Субъекты проектирования </a:t>
-            </a:r>
-            <a:r>
-              <a:rPr lang="ru-RU" sz="1600" dirty="0">
-                <a:latin typeface="Times New Roman" panose="02020603050405020304" pitchFamily="18" charset="0"/>
-                <a:cs typeface="Times New Roman" panose="02020603050405020304" pitchFamily="18" charset="0"/>
-              </a:rPr>
-              <a:t>– отдельные личности или организации, коллективы, социальные институты, ставящие своей целью преобразование действительности. </a:t>
-            </a:r>
-            <a:br>
-              <a:rPr lang="ru-RU" sz="1600" dirty="0">
-                <a:latin typeface="Times New Roman" panose="02020603050405020304" pitchFamily="18" charset="0"/>
-                <a:cs typeface="Times New Roman" panose="02020603050405020304" pitchFamily="18" charset="0"/>
-              </a:rPr>
-            </a:br>
-            <a:r>
-              <a:rPr lang="ru-RU" sz="1600" dirty="0">
-                <a:latin typeface="Times New Roman" panose="02020603050405020304" pitchFamily="18" charset="0"/>
-                <a:cs typeface="Times New Roman" panose="02020603050405020304" pitchFamily="18" charset="0"/>
-              </a:rPr>
-              <a:t/>
-            </a:r>
-            <a:br>
-              <a:rPr lang="ru-RU" sz="1600" dirty="0">
-                <a:latin typeface="Times New Roman" panose="02020603050405020304" pitchFamily="18" charset="0"/>
-                <a:cs typeface="Times New Roman" panose="02020603050405020304" pitchFamily="18" charset="0"/>
-              </a:rPr>
-            </a:br>
-            <a:r>
-              <a:rPr lang="ru-RU" sz="1600" b="1" dirty="0">
-                <a:latin typeface="Times New Roman" panose="02020603050405020304" pitchFamily="18" charset="0"/>
-                <a:cs typeface="Times New Roman" panose="02020603050405020304" pitchFamily="18" charset="0"/>
-              </a:rPr>
-              <a:t>Объекты проектирования</a:t>
-            </a:r>
-            <a:r>
-              <a:rPr lang="ru-RU" sz="1600" dirty="0">
-                <a:latin typeface="Times New Roman" panose="02020603050405020304" pitchFamily="18" charset="0"/>
-                <a:cs typeface="Times New Roman" panose="02020603050405020304" pitchFamily="18" charset="0"/>
-              </a:rPr>
-              <a:t>: </a:t>
-            </a:r>
-            <a:br>
-              <a:rPr lang="ru-RU" sz="1600" dirty="0">
-                <a:latin typeface="Times New Roman" panose="02020603050405020304" pitchFamily="18" charset="0"/>
-                <a:cs typeface="Times New Roman" panose="02020603050405020304" pitchFamily="18" charset="0"/>
-              </a:rPr>
-            </a:br>
-            <a:r>
-              <a:rPr lang="ru-RU" sz="1600" dirty="0">
-                <a:latin typeface="Times New Roman" panose="02020603050405020304" pitchFamily="18" charset="0"/>
-                <a:cs typeface="Times New Roman" panose="02020603050405020304" pitchFamily="18" charset="0"/>
-              </a:rPr>
-              <a:t/>
-            </a:r>
-            <a:br>
-              <a:rPr lang="ru-RU" sz="1600" dirty="0">
-                <a:latin typeface="Times New Roman" panose="02020603050405020304" pitchFamily="18" charset="0"/>
-                <a:cs typeface="Times New Roman" panose="02020603050405020304" pitchFamily="18" charset="0"/>
-              </a:rPr>
-            </a:br>
-            <a:r>
-              <a:rPr lang="ru-RU" sz="1600" dirty="0">
-                <a:latin typeface="Times New Roman" panose="02020603050405020304" pitchFamily="18" charset="0"/>
-                <a:cs typeface="Times New Roman" panose="02020603050405020304" pitchFamily="18" charset="0"/>
-              </a:rPr>
-              <a:t>1) объекты материальной природы (например, объектом проектирования может быть создание новой точки общественного питания или создание новых элементов компьютера); в результате реализации проекта появляется новый объект, вещь, предмет; вместе с тем проектироваться могут новые свойства – назначения и функции старой вещи; подобные объекты чаще связаны с техническим проектированием; </a:t>
-            </a:r>
-            <a:br>
-              <a:rPr lang="ru-RU" sz="1600" dirty="0">
-                <a:latin typeface="Times New Roman" panose="02020603050405020304" pitchFamily="18" charset="0"/>
-                <a:cs typeface="Times New Roman" panose="02020603050405020304" pitchFamily="18" charset="0"/>
-              </a:rPr>
-            </a:br>
-            <a:r>
-              <a:rPr lang="ru-RU" sz="1600" dirty="0">
-                <a:latin typeface="Times New Roman" panose="02020603050405020304" pitchFamily="18" charset="0"/>
-                <a:cs typeface="Times New Roman" panose="02020603050405020304" pitchFamily="18" charset="0"/>
-              </a:rPr>
-              <a:t/>
-            </a:r>
-            <a:br>
-              <a:rPr lang="ru-RU" sz="1600" dirty="0">
-                <a:latin typeface="Times New Roman" panose="02020603050405020304" pitchFamily="18" charset="0"/>
-                <a:cs typeface="Times New Roman" panose="02020603050405020304" pitchFamily="18" charset="0"/>
-              </a:rPr>
-            </a:br>
-            <a:r>
-              <a:rPr lang="ru-RU" sz="1600" dirty="0">
-                <a:latin typeface="Times New Roman" panose="02020603050405020304" pitchFamily="18" charset="0"/>
-                <a:cs typeface="Times New Roman" panose="02020603050405020304" pitchFamily="18" charset="0"/>
-              </a:rPr>
-              <a:t>2) нематериальные (не вещные) свойства и отношения (например, есть такие проекты, которые направлены не на достижение материального результата, а на получение информации о клиентах, изменение нашего отношения к той или иной проблеме).</a:t>
-            </a:r>
-          </a:p>
-        </p:txBody>
-      </p:sp>
-      <p:sp>
-        <p:nvSpPr>
           <p:cNvPr id="4" name="TextBox 3"/>
           <p:cNvSpPr txBox="1"/>
           <p:nvPr/>
@@ -9755,10 +8103,10 @@
           <a:p>
             <a:pPr algn="ctr"/>
             <a:r>
-              <a:rPr lang="ru-RU" sz="2100" dirty="0" smtClean="0">
+              <a:rPr lang="ru-RU" sz="2100" dirty="0">
                 <a:latin typeface="Bookman Old Style" panose="02050604050505020204" pitchFamily="18" charset="0"/>
               </a:rPr>
-              <a:t>Основные определения</a:t>
+              <a:t>Классификация видов проекта</a:t>
             </a:r>
             <a:endParaRPr lang="ru-RU" sz="2100" dirty="0">
               <a:latin typeface="Bookman Old Style" panose="02050604050505020204" pitchFamily="18" charset="0"/>
@@ -9895,7 +8243,7 @@
           <a:p>
             <a:pPr algn="ctr"/>
             <a:fld id="{C16716D8-33A6-4CD7-92A8-E4A7CF52C18D}" type="slidenum">
-              <a:rPr lang="ru-RU">
+              <a:rPr lang="ru-RU" smtClean="0">
                 <a:solidFill>
                   <a:schemeClr val="accent1">
                     <a:lumMod val="75000"/>
@@ -9907,13 +8255,13 @@
               <a:t>7</a:t>
             </a:fld>
             <a:r>
-              <a:rPr lang="ru-RU" dirty="0">
+              <a:rPr lang="ru-RU" dirty="0" smtClean="0">
                 <a:latin typeface="Bookman Old Style" panose="02050604050505020204" pitchFamily="18" charset="0"/>
               </a:rPr>
               <a:t>/</a:t>
             </a:r>
             <a:r>
-              <a:rPr lang="ru-RU" dirty="0">
+              <a:rPr lang="ru-RU" dirty="0" smtClean="0">
                 <a:solidFill>
                   <a:schemeClr val="tx2">
                     <a:lumMod val="50000"/>
@@ -9921,8 +8269,16 @@
                 </a:solidFill>
                 <a:latin typeface="Bookman Old Style" panose="02050604050505020204" pitchFamily="18" charset="0"/>
               </a:rPr>
-              <a:t>15</a:t>
-            </a:r>
+              <a:t>13</a:t>
+            </a:r>
+            <a:endParaRPr lang="ru-RU" dirty="0">
+              <a:solidFill>
+                <a:schemeClr val="tx2">
+                  <a:lumMod val="50000"/>
+                </a:schemeClr>
+              </a:solidFill>
+              <a:latin typeface="Bookman Old Style" panose="02050604050505020204" pitchFamily="18" charset="0"/>
+            </a:endParaRPr>
           </a:p>
         </p:txBody>
       </p:sp>
@@ -9967,6 +8323,571 @@
             <a:endParaRPr lang="ru-RU" sz="1500" dirty="0">
               <a:latin typeface="Bookman Old Style" panose="02050604050505020204" pitchFamily="18" charset="0"/>
             </a:endParaRPr>
+          </a:p>
+        </p:txBody>
+      </p:sp>
+      <p:sp>
+        <p:nvSpPr>
+          <p:cNvPr id="12" name="Заголовок 1"/>
+          <p:cNvSpPr>
+            <a:spLocks noGrp="1"/>
+          </p:cNvSpPr>
+          <p:nvPr>
+            <p:ph type="ctrTitle"/>
+          </p:nvPr>
+        </p:nvSpPr>
+        <p:spPr>
+          <a:xfrm>
+            <a:off x="0" y="792346"/>
+            <a:ext cx="11784632" cy="1381348"/>
+          </a:xfrm>
+        </p:spPr>
+        <p:txBody>
+          <a:bodyPr>
+            <a:noAutofit/>
+          </a:bodyPr>
+          <a:lstStyle/>
+          <a:p>
+            <a:pPr algn="l"/>
+            <a:r>
+              <a:rPr lang="ru-RU" sz="1600" b="1" dirty="0" smtClean="0">
+                <a:latin typeface="Times New Roman" panose="02020603050405020304" pitchFamily="18" charset="0"/>
+                <a:cs typeface="Times New Roman" panose="02020603050405020304" pitchFamily="18" charset="0"/>
+              </a:rPr>
+              <a:t>По </a:t>
+            </a:r>
+            <a:r>
+              <a:rPr lang="ru-RU" sz="1600" b="1" dirty="0">
+                <a:latin typeface="Times New Roman" panose="02020603050405020304" pitchFamily="18" charset="0"/>
+                <a:cs typeface="Times New Roman" panose="02020603050405020304" pitchFamily="18" charset="0"/>
+              </a:rPr>
+              <a:t>срокам реализации </a:t>
+            </a:r>
+            <a:r>
+              <a:rPr lang="ru-RU" sz="1600" dirty="0">
+                <a:latin typeface="Times New Roman" panose="02020603050405020304" pitchFamily="18" charset="0"/>
+                <a:cs typeface="Times New Roman" panose="02020603050405020304" pitchFamily="18" charset="0"/>
+              </a:rPr>
+              <a:t>– краткосрочные, средние </a:t>
+            </a:r>
+            <a:r>
+              <a:rPr lang="ru-RU" sz="1600" dirty="0" smtClean="0">
+                <a:latin typeface="Times New Roman" panose="02020603050405020304" pitchFamily="18" charset="0"/>
+                <a:cs typeface="Times New Roman" panose="02020603050405020304" pitchFamily="18" charset="0"/>
+              </a:rPr>
+              <a:t>и долгосрочные.</a:t>
+            </a:r>
+            <a:br>
+              <a:rPr lang="ru-RU" sz="1600" dirty="0" smtClean="0">
+                <a:latin typeface="Times New Roman" panose="02020603050405020304" pitchFamily="18" charset="0"/>
+                <a:cs typeface="Times New Roman" panose="02020603050405020304" pitchFamily="18" charset="0"/>
+              </a:rPr>
+            </a:br>
+            <a:r>
+              <a:rPr lang="ru-RU" sz="1600" b="1" dirty="0" smtClean="0">
+                <a:latin typeface="Times New Roman" panose="02020603050405020304" pitchFamily="18" charset="0"/>
+                <a:cs typeface="Times New Roman" panose="02020603050405020304" pitchFamily="18" charset="0"/>
+              </a:rPr>
+              <a:t>Краткосрочные</a:t>
+            </a:r>
+            <a:r>
+              <a:rPr lang="ru-RU" sz="1600" dirty="0" smtClean="0">
+                <a:latin typeface="Times New Roman" panose="02020603050405020304" pitchFamily="18" charset="0"/>
+                <a:cs typeface="Times New Roman" panose="02020603050405020304" pitchFamily="18" charset="0"/>
+              </a:rPr>
+              <a:t> </a:t>
+            </a:r>
+            <a:r>
+              <a:rPr lang="ru-RU" sz="1600" dirty="0">
+                <a:latin typeface="Times New Roman" panose="02020603050405020304" pitchFamily="18" charset="0"/>
+                <a:cs typeface="Times New Roman" panose="02020603050405020304" pitchFamily="18" charset="0"/>
+              </a:rPr>
+              <a:t>проекты требуют для </a:t>
+            </a:r>
+            <a:r>
+              <a:rPr lang="ru-RU" sz="1600" dirty="0" smtClean="0">
+                <a:latin typeface="Times New Roman" panose="02020603050405020304" pitchFamily="18" charset="0"/>
+                <a:cs typeface="Times New Roman" panose="02020603050405020304" pitchFamily="18" charset="0"/>
+              </a:rPr>
+              <a:t>своей реализации </a:t>
+            </a:r>
+            <a:r>
+              <a:rPr lang="ru-RU" sz="1600" dirty="0">
+                <a:latin typeface="Times New Roman" panose="02020603050405020304" pitchFamily="18" charset="0"/>
+                <a:cs typeface="Times New Roman" panose="02020603050405020304" pitchFamily="18" charset="0"/>
+              </a:rPr>
+              <a:t>примерно год, максимум два, они обычно реализуются</a:t>
+            </a:r>
+            <a:br>
+              <a:rPr lang="ru-RU" sz="1600" dirty="0">
+                <a:latin typeface="Times New Roman" panose="02020603050405020304" pitchFamily="18" charset="0"/>
+                <a:cs typeface="Times New Roman" panose="02020603050405020304" pitchFamily="18" charset="0"/>
+              </a:rPr>
+            </a:br>
+            <a:r>
+              <a:rPr lang="ru-RU" sz="1600" dirty="0">
+                <a:latin typeface="Times New Roman" panose="02020603050405020304" pitchFamily="18" charset="0"/>
+                <a:cs typeface="Times New Roman" panose="02020603050405020304" pitchFamily="18" charset="0"/>
+              </a:rPr>
+              <a:t>в производстве новинок различного рода, опытных установках</a:t>
+            </a:r>
+            <a:r>
+              <a:rPr lang="ru-RU" sz="1600" dirty="0" smtClean="0">
+                <a:latin typeface="Times New Roman" panose="02020603050405020304" pitchFamily="18" charset="0"/>
+                <a:cs typeface="Times New Roman" panose="02020603050405020304" pitchFamily="18" charset="0"/>
+              </a:rPr>
+              <a:t>, восстановительных </a:t>
+            </a:r>
+            <a:r>
+              <a:rPr lang="ru-RU" sz="1600" dirty="0">
+                <a:latin typeface="Times New Roman" panose="02020603050405020304" pitchFamily="18" charset="0"/>
+                <a:cs typeface="Times New Roman" panose="02020603050405020304" pitchFamily="18" charset="0"/>
+              </a:rPr>
+              <a:t>работах. Коммерческие проекты </a:t>
+            </a:r>
+            <a:r>
+              <a:rPr lang="ru-RU" sz="1600" dirty="0" smtClean="0">
+                <a:latin typeface="Times New Roman" panose="02020603050405020304" pitchFamily="18" charset="0"/>
+                <a:cs typeface="Times New Roman" panose="02020603050405020304" pitchFamily="18" charset="0"/>
+              </a:rPr>
+              <a:t>часто реализуются </a:t>
+            </a:r>
+            <a:r>
+              <a:rPr lang="ru-RU" sz="1600" dirty="0">
+                <a:latin typeface="Times New Roman" panose="02020603050405020304" pitchFamily="18" charset="0"/>
+                <a:cs typeface="Times New Roman" panose="02020603050405020304" pitchFamily="18" charset="0"/>
+              </a:rPr>
+              <a:t>именно как </a:t>
+            </a:r>
+            <a:r>
+              <a:rPr lang="ru-RU" sz="1600" dirty="0" smtClean="0">
+                <a:latin typeface="Times New Roman" panose="02020603050405020304" pitchFamily="18" charset="0"/>
+                <a:cs typeface="Times New Roman" panose="02020603050405020304" pitchFamily="18" charset="0"/>
+              </a:rPr>
+              <a:t>краткосрочные.</a:t>
+            </a:r>
+            <a:br>
+              <a:rPr lang="ru-RU" sz="1600" dirty="0" smtClean="0">
+                <a:latin typeface="Times New Roman" panose="02020603050405020304" pitchFamily="18" charset="0"/>
+                <a:cs typeface="Times New Roman" panose="02020603050405020304" pitchFamily="18" charset="0"/>
+              </a:rPr>
+            </a:br>
+            <a:r>
+              <a:rPr lang="ru-RU" sz="1600" b="1" dirty="0" smtClean="0">
+                <a:latin typeface="Times New Roman" panose="02020603050405020304" pitchFamily="18" charset="0"/>
+                <a:cs typeface="Times New Roman" panose="02020603050405020304" pitchFamily="18" charset="0"/>
+              </a:rPr>
+              <a:t>Среднесрочные</a:t>
+            </a:r>
+            <a:r>
+              <a:rPr lang="ru-RU" sz="1600" dirty="0" smtClean="0">
+                <a:latin typeface="Times New Roman" panose="02020603050405020304" pitchFamily="18" charset="0"/>
+                <a:cs typeface="Times New Roman" panose="02020603050405020304" pitchFamily="18" charset="0"/>
+              </a:rPr>
+              <a:t> проекты осуществляются </a:t>
+            </a:r>
+            <a:r>
+              <a:rPr lang="ru-RU" sz="1600" dirty="0">
+                <a:latin typeface="Times New Roman" panose="02020603050405020304" pitchFamily="18" charset="0"/>
+                <a:cs typeface="Times New Roman" panose="02020603050405020304" pitchFamily="18" charset="0"/>
+              </a:rPr>
+              <a:t>за 3–5 года. </a:t>
+            </a:r>
+            <a:r>
+              <a:rPr lang="ru-RU" sz="1600" dirty="0" smtClean="0">
+                <a:latin typeface="Times New Roman" panose="02020603050405020304" pitchFamily="18" charset="0"/>
+                <a:cs typeface="Times New Roman" panose="02020603050405020304" pitchFamily="18" charset="0"/>
+              </a:rPr>
+              <a:t>Длительность осуществления </a:t>
+            </a:r>
+            <a:r>
+              <a:rPr lang="ru-RU" sz="1600" b="1" dirty="0" smtClean="0">
+                <a:latin typeface="Times New Roman" panose="02020603050405020304" pitchFamily="18" charset="0"/>
+                <a:cs typeface="Times New Roman" panose="02020603050405020304" pitchFamily="18" charset="0"/>
+              </a:rPr>
+              <a:t>долгосрочных</a:t>
+            </a:r>
+            <a:r>
+              <a:rPr lang="ru-RU" sz="1600" dirty="0" smtClean="0">
+                <a:latin typeface="Times New Roman" panose="02020603050405020304" pitchFamily="18" charset="0"/>
+                <a:cs typeface="Times New Roman" panose="02020603050405020304" pitchFamily="18" charset="0"/>
+              </a:rPr>
+              <a:t> </a:t>
+            </a:r>
+            <a:r>
+              <a:rPr lang="ru-RU" sz="1600" dirty="0">
+                <a:latin typeface="Times New Roman" panose="02020603050405020304" pitchFamily="18" charset="0"/>
+                <a:cs typeface="Times New Roman" panose="02020603050405020304" pitchFamily="18" charset="0"/>
+              </a:rPr>
+              <a:t>проектов 10–15 лет;</a:t>
+            </a:r>
+            <a:endParaRPr lang="ru-RU" sz="1600" dirty="0">
+              <a:latin typeface="Times New Roman" panose="02020603050405020304" pitchFamily="18" charset="0"/>
+              <a:cs typeface="Times New Roman" panose="02020603050405020304" pitchFamily="18" charset="0"/>
+            </a:endParaRPr>
+          </a:p>
+        </p:txBody>
+      </p:sp>
+      <p:sp>
+        <p:nvSpPr>
+          <p:cNvPr id="6" name="Прямоугольник 5"/>
+          <p:cNvSpPr/>
+          <p:nvPr/>
+        </p:nvSpPr>
+        <p:spPr>
+          <a:xfrm>
+            <a:off x="0" y="2334746"/>
+            <a:ext cx="8232576" cy="1077218"/>
+          </a:xfrm>
+          <a:prstGeom prst="rect">
+            <a:avLst/>
+          </a:prstGeom>
+        </p:spPr>
+        <p:txBody>
+          <a:bodyPr wrap="square">
+            <a:spAutoFit/>
+          </a:bodyPr>
+          <a:lstStyle/>
+          <a:p>
+            <a:r>
+              <a:rPr lang="ru-RU" sz="1600" b="1" dirty="0" smtClean="0">
+                <a:latin typeface="Times New Roman" panose="02020603050405020304" pitchFamily="18" charset="0"/>
+                <a:cs typeface="Times New Roman" panose="02020603050405020304" pitchFamily="18" charset="0"/>
+              </a:rPr>
+              <a:t>По </a:t>
+            </a:r>
+            <a:r>
+              <a:rPr lang="ru-RU" sz="1600" b="1" dirty="0">
+                <a:latin typeface="Times New Roman" panose="02020603050405020304" pitchFamily="18" charset="0"/>
+                <a:cs typeface="Times New Roman" panose="02020603050405020304" pitchFamily="18" charset="0"/>
+              </a:rPr>
+              <a:t>требованиям к качеству и способам обеспечения </a:t>
+            </a:r>
+            <a:r>
+              <a:rPr lang="ru-RU" sz="1600" dirty="0" smtClean="0">
+                <a:latin typeface="Times New Roman" panose="02020603050405020304" pitchFamily="18" charset="0"/>
+                <a:cs typeface="Times New Roman" panose="02020603050405020304" pitchFamily="18" charset="0"/>
+              </a:rPr>
+              <a:t>– бездефектные</a:t>
+            </a:r>
+            <a:r>
+              <a:rPr lang="ru-RU" sz="1600" dirty="0">
+                <a:latin typeface="Times New Roman" panose="02020603050405020304" pitchFamily="18" charset="0"/>
+                <a:cs typeface="Times New Roman" panose="02020603050405020304" pitchFamily="18" charset="0"/>
+              </a:rPr>
+              <a:t>, модульные, стандартные. </a:t>
+            </a:r>
+            <a:endParaRPr lang="ru-RU" sz="1600" dirty="0" smtClean="0">
+              <a:latin typeface="Times New Roman" panose="02020603050405020304" pitchFamily="18" charset="0"/>
+              <a:cs typeface="Times New Roman" panose="02020603050405020304" pitchFamily="18" charset="0"/>
+            </a:endParaRPr>
+          </a:p>
+          <a:p>
+            <a:r>
+              <a:rPr lang="ru-RU" sz="1600" b="1" dirty="0" smtClean="0">
+                <a:latin typeface="Times New Roman" panose="02020603050405020304" pitchFamily="18" charset="0"/>
+                <a:cs typeface="Times New Roman" panose="02020603050405020304" pitchFamily="18" charset="0"/>
+              </a:rPr>
+              <a:t>Бездефектные</a:t>
+            </a:r>
+            <a:r>
+              <a:rPr lang="ru-RU" sz="1600" dirty="0" smtClean="0">
+                <a:latin typeface="Times New Roman" panose="02020603050405020304" pitchFamily="18" charset="0"/>
+                <a:cs typeface="Times New Roman" panose="02020603050405020304" pitchFamily="18" charset="0"/>
+              </a:rPr>
+              <a:t> проекты направлены </a:t>
+            </a:r>
+            <a:r>
+              <a:rPr lang="ru-RU" sz="1600" dirty="0">
+                <a:latin typeface="Times New Roman" panose="02020603050405020304" pitchFamily="18" charset="0"/>
+                <a:cs typeface="Times New Roman" panose="02020603050405020304" pitchFamily="18" charset="0"/>
+              </a:rPr>
+              <a:t>на повышение качества продукции или услуг</a:t>
+            </a:r>
+            <a:r>
+              <a:rPr lang="ru-RU" sz="1600" dirty="0" smtClean="0">
+                <a:latin typeface="Times New Roman" panose="02020603050405020304" pitchFamily="18" charset="0"/>
+                <a:cs typeface="Times New Roman" panose="02020603050405020304" pitchFamily="18" charset="0"/>
+              </a:rPr>
+              <a:t>; </a:t>
+            </a:r>
+          </a:p>
+          <a:p>
+            <a:r>
+              <a:rPr lang="ru-RU" sz="1600" b="1" dirty="0" smtClean="0">
+                <a:latin typeface="Times New Roman" panose="02020603050405020304" pitchFamily="18" charset="0"/>
+                <a:cs typeface="Times New Roman" panose="02020603050405020304" pitchFamily="18" charset="0"/>
+              </a:rPr>
+              <a:t>Модульные</a:t>
+            </a:r>
+            <a:r>
+              <a:rPr lang="ru-RU" sz="1600" dirty="0" smtClean="0">
+                <a:latin typeface="Times New Roman" panose="02020603050405020304" pitchFamily="18" charset="0"/>
+                <a:cs typeface="Times New Roman" panose="02020603050405020304" pitchFamily="18" charset="0"/>
+              </a:rPr>
+              <a:t> </a:t>
+            </a:r>
+            <a:r>
+              <a:rPr lang="ru-RU" sz="1600" dirty="0">
+                <a:latin typeface="Times New Roman" panose="02020603050405020304" pitchFamily="18" charset="0"/>
+                <a:cs typeface="Times New Roman" panose="02020603050405020304" pitchFamily="18" charset="0"/>
+              </a:rPr>
+              <a:t>– на обеспечение качества по </a:t>
+            </a:r>
+            <a:r>
+              <a:rPr lang="ru-RU" sz="1600" dirty="0" smtClean="0">
+                <a:latin typeface="Times New Roman" panose="02020603050405020304" pitchFamily="18" charset="0"/>
+                <a:cs typeface="Times New Roman" panose="02020603050405020304" pitchFamily="18" charset="0"/>
+              </a:rPr>
+              <a:t>какому-либо определенному </a:t>
+            </a:r>
+            <a:r>
+              <a:rPr lang="ru-RU" sz="1600" dirty="0">
+                <a:latin typeface="Times New Roman" panose="02020603050405020304" pitchFamily="18" charset="0"/>
+                <a:cs typeface="Times New Roman" panose="02020603050405020304" pitchFamily="18" charset="0"/>
+              </a:rPr>
+              <a:t>направлению;</a:t>
+            </a:r>
+          </a:p>
+        </p:txBody>
+      </p:sp>
+      <p:sp>
+        <p:nvSpPr>
+          <p:cNvPr id="8" name="Прямоугольник 7"/>
+          <p:cNvSpPr/>
+          <p:nvPr/>
+        </p:nvSpPr>
+        <p:spPr>
+          <a:xfrm>
+            <a:off x="0" y="3573016"/>
+            <a:ext cx="10081120" cy="2800767"/>
+          </a:xfrm>
+          <a:prstGeom prst="rect">
+            <a:avLst/>
+          </a:prstGeom>
+        </p:spPr>
+        <p:txBody>
+          <a:bodyPr wrap="square">
+            <a:spAutoFit/>
+          </a:bodyPr>
+          <a:lstStyle/>
+          <a:p>
+            <a:r>
+              <a:rPr lang="ru-RU" sz="1600" b="1" dirty="0" smtClean="0">
+                <a:latin typeface="Times New Roman" panose="02020603050405020304" pitchFamily="18" charset="0"/>
+                <a:cs typeface="Times New Roman" panose="02020603050405020304" pitchFamily="18" charset="0"/>
+              </a:rPr>
+              <a:t>По </a:t>
+            </a:r>
+            <a:r>
+              <a:rPr lang="ru-RU" sz="1600" b="1" dirty="0">
+                <a:latin typeface="Times New Roman" panose="02020603050405020304" pitchFamily="18" charset="0"/>
+                <a:cs typeface="Times New Roman" panose="02020603050405020304" pitchFamily="18" charset="0"/>
+              </a:rPr>
+              <a:t>особенностям </a:t>
+            </a:r>
+            <a:r>
+              <a:rPr lang="ru-RU" sz="1600" b="1" dirty="0" smtClean="0">
+                <a:latin typeface="Times New Roman" panose="02020603050405020304" pitchFamily="18" charset="0"/>
+                <a:cs typeface="Times New Roman" panose="02020603050405020304" pitchFamily="18" charset="0"/>
+              </a:rPr>
+              <a:t>финансирования:</a:t>
+            </a:r>
+          </a:p>
+          <a:p>
+            <a:r>
+              <a:rPr lang="ru-RU" sz="1600" b="1" dirty="0" smtClean="0">
+                <a:latin typeface="Times New Roman" panose="02020603050405020304" pitchFamily="18" charset="0"/>
+                <a:cs typeface="Times New Roman" panose="02020603050405020304" pitchFamily="18" charset="0"/>
+              </a:rPr>
+              <a:t>Инвестиционные</a:t>
+            </a:r>
+            <a:r>
+              <a:rPr lang="ru-RU" sz="1600" dirty="0" smtClean="0">
+                <a:latin typeface="Times New Roman" panose="02020603050405020304" pitchFamily="18" charset="0"/>
+                <a:cs typeface="Times New Roman" panose="02020603050405020304" pitchFamily="18" charset="0"/>
+              </a:rPr>
+              <a:t> - основной </a:t>
+            </a:r>
+            <a:r>
+              <a:rPr lang="ru-RU" sz="1600" dirty="0">
+                <a:latin typeface="Times New Roman" panose="02020603050405020304" pitchFamily="18" charset="0"/>
+                <a:cs typeface="Times New Roman" panose="02020603050405020304" pitchFamily="18" charset="0"/>
+              </a:rPr>
+              <a:t>мотив инвестора – получение </a:t>
+            </a:r>
+            <a:r>
+              <a:rPr lang="ru-RU" sz="1600" dirty="0" smtClean="0">
+                <a:latin typeface="Times New Roman" panose="02020603050405020304" pitchFamily="18" charset="0"/>
+                <a:cs typeface="Times New Roman" panose="02020603050405020304" pitchFamily="18" charset="0"/>
+              </a:rPr>
+              <a:t>прибыли;</a:t>
+            </a:r>
+          </a:p>
+          <a:p>
+            <a:r>
+              <a:rPr lang="ru-RU" sz="1600" b="1" dirty="0" smtClean="0">
+                <a:latin typeface="Times New Roman" panose="02020603050405020304" pitchFamily="18" charset="0"/>
+                <a:cs typeface="Times New Roman" panose="02020603050405020304" pitchFamily="18" charset="0"/>
+              </a:rPr>
+              <a:t>Спонсорские</a:t>
+            </a:r>
+            <a:r>
+              <a:rPr lang="ru-RU" sz="1600" dirty="0" smtClean="0">
+                <a:latin typeface="Times New Roman" panose="02020603050405020304" pitchFamily="18" charset="0"/>
+                <a:cs typeface="Times New Roman" panose="02020603050405020304" pitchFamily="18" charset="0"/>
+              </a:rPr>
+              <a:t> </a:t>
+            </a:r>
+            <a:r>
+              <a:rPr lang="ru-RU" sz="1600" dirty="0">
+                <a:latin typeface="Times New Roman" panose="02020603050405020304" pitchFamily="18" charset="0"/>
+                <a:cs typeface="Times New Roman" panose="02020603050405020304" pitchFamily="18" charset="0"/>
+              </a:rPr>
+              <a:t>– спонсор предоставляет средства на поддержку проекта, если это может стать формой его рекламы или презентации, </a:t>
+            </a:r>
+            <a:r>
+              <a:rPr lang="ru-RU" sz="1600" dirty="0" smtClean="0">
+                <a:latin typeface="Times New Roman" panose="02020603050405020304" pitchFamily="18" charset="0"/>
+                <a:cs typeface="Times New Roman" panose="02020603050405020304" pitchFamily="18" charset="0"/>
+              </a:rPr>
+              <a:t>сформировать </a:t>
+            </a:r>
+            <a:r>
+              <a:rPr lang="ru-RU" sz="1600" dirty="0">
+                <a:latin typeface="Times New Roman" panose="02020603050405020304" pitchFamily="18" charset="0"/>
+                <a:cs typeface="Times New Roman" panose="02020603050405020304" pitchFamily="18" charset="0"/>
+              </a:rPr>
+              <a:t>образ </a:t>
+            </a:r>
+            <a:r>
+              <a:rPr lang="ru-RU" sz="1600" dirty="0" smtClean="0">
+                <a:latin typeface="Times New Roman" panose="02020603050405020304" pitchFamily="18" charset="0"/>
+                <a:cs typeface="Times New Roman" panose="02020603050405020304" pitchFamily="18" charset="0"/>
+              </a:rPr>
+              <a:t>фирмы;</a:t>
+            </a:r>
+          </a:p>
+          <a:p>
+            <a:endParaRPr lang="ru-RU" sz="1600" dirty="0" smtClean="0">
+              <a:latin typeface="Times New Roman" panose="02020603050405020304" pitchFamily="18" charset="0"/>
+              <a:cs typeface="Times New Roman" panose="02020603050405020304" pitchFamily="18" charset="0"/>
+            </a:endParaRPr>
+          </a:p>
+          <a:p>
+            <a:r>
+              <a:rPr lang="ru-RU" sz="1600" b="1" dirty="0" smtClean="0">
+                <a:latin typeface="Times New Roman" panose="02020603050405020304" pitchFamily="18" charset="0"/>
+                <a:cs typeface="Times New Roman" panose="02020603050405020304" pitchFamily="18" charset="0"/>
+              </a:rPr>
+              <a:t>Кредитные</a:t>
+            </a:r>
+            <a:r>
+              <a:rPr lang="ru-RU" sz="1600" dirty="0" smtClean="0">
+                <a:latin typeface="Times New Roman" panose="02020603050405020304" pitchFamily="18" charset="0"/>
+                <a:cs typeface="Times New Roman" panose="02020603050405020304" pitchFamily="18" charset="0"/>
+              </a:rPr>
+              <a:t> –</a:t>
+            </a:r>
+            <a:r>
+              <a:rPr lang="ru-RU" sz="1600" dirty="0">
+                <a:latin typeface="Times New Roman" panose="02020603050405020304" pitchFamily="18" charset="0"/>
+                <a:cs typeface="Times New Roman" panose="02020603050405020304" pitchFamily="18" charset="0"/>
+              </a:rPr>
+              <a:t> </a:t>
+            </a:r>
+            <a:r>
+              <a:rPr lang="ru-RU" sz="1600" dirty="0" smtClean="0">
+                <a:latin typeface="Times New Roman" panose="02020603050405020304" pitchFamily="18" charset="0"/>
+                <a:cs typeface="Times New Roman" panose="02020603050405020304" pitchFamily="18" charset="0"/>
+              </a:rPr>
+              <a:t>получение </a:t>
+            </a:r>
+            <a:r>
+              <a:rPr lang="ru-RU" sz="1600" dirty="0">
+                <a:latin typeface="Times New Roman" panose="02020603050405020304" pitchFamily="18" charset="0"/>
+                <a:cs typeface="Times New Roman" panose="02020603050405020304" pitchFamily="18" charset="0"/>
+              </a:rPr>
+              <a:t>финансовых средств возможно только при условии </a:t>
+            </a:r>
+            <a:r>
+              <a:rPr lang="ru-RU" sz="1600" dirty="0" smtClean="0">
+                <a:latin typeface="Times New Roman" panose="02020603050405020304" pitchFamily="18" charset="0"/>
+                <a:cs typeface="Times New Roman" panose="02020603050405020304" pitchFamily="18" charset="0"/>
+              </a:rPr>
+              <a:t>предоставления </a:t>
+            </a:r>
+            <a:r>
+              <a:rPr lang="ru-RU" sz="1600" dirty="0">
+                <a:latin typeface="Times New Roman" panose="02020603050405020304" pitchFamily="18" charset="0"/>
+                <a:cs typeface="Times New Roman" panose="02020603050405020304" pitchFamily="18" charset="0"/>
+              </a:rPr>
+              <a:t>гарантий </a:t>
+            </a:r>
+            <a:r>
+              <a:rPr lang="ru-RU" sz="1600" dirty="0" smtClean="0">
+                <a:latin typeface="Times New Roman" panose="02020603050405020304" pitchFamily="18" charset="0"/>
+                <a:cs typeface="Times New Roman" panose="02020603050405020304" pitchFamily="18" charset="0"/>
+              </a:rPr>
+              <a:t>кредитному </a:t>
+            </a:r>
+            <a:r>
+              <a:rPr lang="ru-RU" sz="1600" dirty="0">
+                <a:latin typeface="Times New Roman" panose="02020603050405020304" pitchFamily="18" charset="0"/>
+                <a:cs typeface="Times New Roman" panose="02020603050405020304" pitchFamily="18" charset="0"/>
+              </a:rPr>
+              <a:t>учреждению, поэтому кредитный проект предполагает развернутое финансово-экономическое </a:t>
+            </a:r>
+            <a:r>
+              <a:rPr lang="ru-RU" sz="1600" dirty="0" smtClean="0">
+                <a:latin typeface="Times New Roman" panose="02020603050405020304" pitchFamily="18" charset="0"/>
+                <a:cs typeface="Times New Roman" panose="02020603050405020304" pitchFamily="18" charset="0"/>
+              </a:rPr>
+              <a:t>обоснование;</a:t>
+            </a:r>
+          </a:p>
+          <a:p>
+            <a:endParaRPr lang="ru-RU" sz="1600" dirty="0" smtClean="0">
+              <a:latin typeface="Times New Roman" panose="02020603050405020304" pitchFamily="18" charset="0"/>
+              <a:cs typeface="Times New Roman" panose="02020603050405020304" pitchFamily="18" charset="0"/>
+            </a:endParaRPr>
+          </a:p>
+          <a:p>
+            <a:r>
+              <a:rPr lang="ru-RU" sz="1600" b="1" dirty="0" smtClean="0">
+                <a:latin typeface="Times New Roman" panose="02020603050405020304" pitchFamily="18" charset="0"/>
+                <a:cs typeface="Times New Roman" panose="02020603050405020304" pitchFamily="18" charset="0"/>
+              </a:rPr>
+              <a:t>Бюджетные</a:t>
+            </a:r>
+            <a:r>
+              <a:rPr lang="ru-RU" sz="1600" dirty="0" smtClean="0">
+                <a:latin typeface="Times New Roman" panose="02020603050405020304" pitchFamily="18" charset="0"/>
+                <a:cs typeface="Times New Roman" panose="02020603050405020304" pitchFamily="18" charset="0"/>
+              </a:rPr>
+              <a:t> </a:t>
+            </a:r>
+            <a:r>
+              <a:rPr lang="ru-RU" sz="1600" dirty="0">
+                <a:latin typeface="Times New Roman" panose="02020603050405020304" pitchFamily="18" charset="0"/>
+                <a:cs typeface="Times New Roman" panose="02020603050405020304" pitchFamily="18" charset="0"/>
+              </a:rPr>
+              <a:t>(источники финансирования – бюджеты различных уровней), благотворительные (как правило, это бездоходные и затратные проекты, финансирование их имеет форму меценатства, </a:t>
+            </a:r>
+            <a:r>
+              <a:rPr lang="ru-RU" sz="1600" dirty="0" err="1">
+                <a:latin typeface="Times New Roman" panose="02020603050405020304" pitchFamily="18" charset="0"/>
+                <a:cs typeface="Times New Roman" panose="02020603050405020304" pitchFamily="18" charset="0"/>
+              </a:rPr>
+              <a:t>грантовую</a:t>
+            </a:r>
+            <a:r>
+              <a:rPr lang="ru-RU" sz="1600" dirty="0">
+                <a:latin typeface="Times New Roman" panose="02020603050405020304" pitchFamily="18" charset="0"/>
+                <a:cs typeface="Times New Roman" panose="02020603050405020304" pitchFamily="18" charset="0"/>
+              </a:rPr>
+              <a:t> форму);</a:t>
+            </a:r>
           </a:p>
         </p:txBody>
       </p:sp>
@@ -10009,277 +8930,6 @@
       </p:grpSpPr>
       <p:sp>
         <p:nvSpPr>
-          <p:cNvPr id="2" name="Заголовок 1"/>
-          <p:cNvSpPr>
-            <a:spLocks noGrp="1"/>
-          </p:cNvSpPr>
-          <p:nvPr>
-            <p:ph type="ctrTitle"/>
-          </p:nvPr>
-        </p:nvSpPr>
-        <p:spPr>
-          <a:xfrm>
-            <a:off x="119336" y="1296323"/>
-            <a:ext cx="11809312" cy="4455005"/>
-          </a:xfrm>
-        </p:spPr>
-        <p:txBody>
-          <a:bodyPr>
-            <a:noAutofit/>
-          </a:bodyPr>
-          <a:lstStyle/>
-          <a:p>
-            <a:pPr algn="l"/>
-            <a:r>
-              <a:rPr lang="ru-RU" sz="1600" b="1" dirty="0">
-                <a:latin typeface="Times New Roman" panose="02020603050405020304" pitchFamily="18" charset="0"/>
-                <a:cs typeface="Times New Roman" panose="02020603050405020304" pitchFamily="18" charset="0"/>
-              </a:rPr>
-              <a:t>Проект </a:t>
-            </a:r>
-            <a:r>
-              <a:rPr lang="ru-RU" sz="1600" dirty="0">
-                <a:latin typeface="Times New Roman" panose="02020603050405020304" pitchFamily="18" charset="0"/>
-                <a:cs typeface="Times New Roman" panose="02020603050405020304" pitchFamily="18" charset="0"/>
-              </a:rPr>
-              <a:t>(англ. </a:t>
-            </a:r>
-            <a:r>
-              <a:rPr lang="ru-RU" sz="1600" dirty="0" err="1">
-                <a:latin typeface="Times New Roman" panose="02020603050405020304" pitchFamily="18" charset="0"/>
-                <a:cs typeface="Times New Roman" panose="02020603050405020304" pitchFamily="18" charset="0"/>
-              </a:rPr>
-              <a:t>design</a:t>
-            </a:r>
-            <a:r>
-              <a:rPr lang="ru-RU" sz="1600" dirty="0">
-                <a:latin typeface="Times New Roman" panose="02020603050405020304" pitchFamily="18" charset="0"/>
-                <a:cs typeface="Times New Roman" panose="02020603050405020304" pitchFamily="18" charset="0"/>
-              </a:rPr>
-              <a:t>) – это работы, планы, мероприятия и другие задачи, направленные на создание уникального продукта (устройства, работы, услуги). </a:t>
-            </a:r>
-            <a:br>
-              <a:rPr lang="ru-RU" sz="1600" dirty="0">
-                <a:latin typeface="Times New Roman" panose="02020603050405020304" pitchFamily="18" charset="0"/>
-                <a:cs typeface="Times New Roman" panose="02020603050405020304" pitchFamily="18" charset="0"/>
-              </a:rPr>
-            </a:br>
-            <a:r>
-              <a:rPr lang="ru-RU" sz="1600" dirty="0">
-                <a:latin typeface="Times New Roman" panose="02020603050405020304" pitchFamily="18" charset="0"/>
-                <a:cs typeface="Times New Roman" panose="02020603050405020304" pitchFamily="18" charset="0"/>
-              </a:rPr>
-              <a:t/>
-            </a:r>
-            <a:br>
-              <a:rPr lang="ru-RU" sz="1600" dirty="0">
-                <a:latin typeface="Times New Roman" panose="02020603050405020304" pitchFamily="18" charset="0"/>
-                <a:cs typeface="Times New Roman" panose="02020603050405020304" pitchFamily="18" charset="0"/>
-              </a:rPr>
-            </a:br>
-            <a:r>
-              <a:rPr lang="ru-RU" sz="1600" b="1" dirty="0">
-                <a:latin typeface="Times New Roman" panose="02020603050405020304" pitchFamily="18" charset="0"/>
-                <a:cs typeface="Times New Roman" panose="02020603050405020304" pitchFamily="18" charset="0"/>
-              </a:rPr>
-              <a:t>Проектная деятельность – </a:t>
-            </a:r>
-            <a:r>
-              <a:rPr lang="ru-RU" sz="1600" dirty="0">
-                <a:latin typeface="Times New Roman" panose="02020603050405020304" pitchFamily="18" charset="0"/>
-                <a:cs typeface="Times New Roman" panose="02020603050405020304" pitchFamily="18" charset="0"/>
-              </a:rPr>
-              <a:t>это совокупность действий, направленных на решение конкретной задачи в рамках проекта, ограниченного целевой установкой, сроками и достигнутыми результатами (или продуктами). </a:t>
-            </a:r>
-            <a:br>
-              <a:rPr lang="ru-RU" sz="1600" dirty="0">
-                <a:latin typeface="Times New Roman" panose="02020603050405020304" pitchFamily="18" charset="0"/>
-                <a:cs typeface="Times New Roman" panose="02020603050405020304" pitchFamily="18" charset="0"/>
-              </a:rPr>
-            </a:br>
-            <a:r>
-              <a:rPr lang="ru-RU" sz="1600" dirty="0">
-                <a:latin typeface="Times New Roman" panose="02020603050405020304" pitchFamily="18" charset="0"/>
-                <a:cs typeface="Times New Roman" panose="02020603050405020304" pitchFamily="18" charset="0"/>
-              </a:rPr>
-              <a:t/>
-            </a:r>
-            <a:br>
-              <a:rPr lang="ru-RU" sz="1600" dirty="0">
-                <a:latin typeface="Times New Roman" panose="02020603050405020304" pitchFamily="18" charset="0"/>
-                <a:cs typeface="Times New Roman" panose="02020603050405020304" pitchFamily="18" charset="0"/>
-              </a:rPr>
-            </a:br>
-            <a:r>
-              <a:rPr lang="ru-RU" sz="1600" b="1" dirty="0">
-                <a:latin typeface="Times New Roman" panose="02020603050405020304" pitchFamily="18" charset="0"/>
-                <a:cs typeface="Times New Roman" panose="02020603050405020304" pitchFamily="18" charset="0"/>
-              </a:rPr>
-              <a:t>Проблема </a:t>
-            </a:r>
-            <a:r>
-              <a:rPr lang="ru-RU" sz="1600" dirty="0">
-                <a:latin typeface="Times New Roman" panose="02020603050405020304" pitchFamily="18" charset="0"/>
-                <a:cs typeface="Times New Roman" panose="02020603050405020304" pitchFamily="18" charset="0"/>
-              </a:rPr>
-              <a:t>– это сложный вопрос, требующий решения (расстояние между состояниями «Хочу» и «Могу»). </a:t>
-            </a:r>
-            <a:br>
-              <a:rPr lang="ru-RU" sz="1600" dirty="0">
-                <a:latin typeface="Times New Roman" panose="02020603050405020304" pitchFamily="18" charset="0"/>
-                <a:cs typeface="Times New Roman" panose="02020603050405020304" pitchFamily="18" charset="0"/>
-              </a:rPr>
-            </a:br>
-            <a:r>
-              <a:rPr lang="ru-RU" sz="1600" dirty="0">
-                <a:latin typeface="Times New Roman" panose="02020603050405020304" pitchFamily="18" charset="0"/>
-                <a:cs typeface="Times New Roman" panose="02020603050405020304" pitchFamily="18" charset="0"/>
-              </a:rPr>
-              <a:t/>
-            </a:r>
-            <a:br>
-              <a:rPr lang="ru-RU" sz="1600" dirty="0">
-                <a:latin typeface="Times New Roman" panose="02020603050405020304" pitchFamily="18" charset="0"/>
-                <a:cs typeface="Times New Roman" panose="02020603050405020304" pitchFamily="18" charset="0"/>
-              </a:rPr>
-            </a:br>
-            <a:r>
-              <a:rPr lang="ru-RU" sz="1600" b="1" dirty="0">
-                <a:latin typeface="Times New Roman" panose="02020603050405020304" pitchFamily="18" charset="0"/>
-                <a:cs typeface="Times New Roman" panose="02020603050405020304" pitchFamily="18" charset="0"/>
-              </a:rPr>
-              <a:t>Идея </a:t>
-            </a:r>
-            <a:r>
-              <a:rPr lang="ru-RU" sz="1600" dirty="0">
-                <a:latin typeface="Times New Roman" panose="02020603050405020304" pitchFamily="18" charset="0"/>
-                <a:cs typeface="Times New Roman" panose="02020603050405020304" pitchFamily="18" charset="0"/>
-              </a:rPr>
-              <a:t>– это мысль, переходящая в действие. В данном случае идея должна быть уникальной для той среды, в которой планируется реализация проекта. </a:t>
-            </a:r>
-            <a:br>
-              <a:rPr lang="ru-RU" sz="1600" dirty="0">
-                <a:latin typeface="Times New Roman" panose="02020603050405020304" pitchFamily="18" charset="0"/>
-                <a:cs typeface="Times New Roman" panose="02020603050405020304" pitchFamily="18" charset="0"/>
-              </a:rPr>
-            </a:br>
-            <a:r>
-              <a:rPr lang="ru-RU" sz="1600" dirty="0">
-                <a:latin typeface="Times New Roman" panose="02020603050405020304" pitchFamily="18" charset="0"/>
-                <a:cs typeface="Times New Roman" panose="02020603050405020304" pitchFamily="18" charset="0"/>
-              </a:rPr>
-              <a:t/>
-            </a:r>
-            <a:br>
-              <a:rPr lang="ru-RU" sz="1600" dirty="0">
-                <a:latin typeface="Times New Roman" panose="02020603050405020304" pitchFamily="18" charset="0"/>
-                <a:cs typeface="Times New Roman" panose="02020603050405020304" pitchFamily="18" charset="0"/>
-              </a:rPr>
-            </a:br>
-            <a:r>
-              <a:rPr lang="ru-RU" sz="1600" b="1" dirty="0">
-                <a:latin typeface="Times New Roman" panose="02020603050405020304" pitchFamily="18" charset="0"/>
-                <a:cs typeface="Times New Roman" panose="02020603050405020304" pitchFamily="18" charset="0"/>
-              </a:rPr>
-              <a:t>Субъекты проектирования </a:t>
-            </a:r>
-            <a:r>
-              <a:rPr lang="ru-RU" sz="1600" dirty="0">
-                <a:latin typeface="Times New Roman" panose="02020603050405020304" pitchFamily="18" charset="0"/>
-                <a:cs typeface="Times New Roman" panose="02020603050405020304" pitchFamily="18" charset="0"/>
-              </a:rPr>
-              <a:t>– отдельные личности или организации, коллективы, социальные институты, ставящие своей целью преобразование действительности. </a:t>
-            </a:r>
-            <a:br>
-              <a:rPr lang="ru-RU" sz="1600" dirty="0">
-                <a:latin typeface="Times New Roman" panose="02020603050405020304" pitchFamily="18" charset="0"/>
-                <a:cs typeface="Times New Roman" panose="02020603050405020304" pitchFamily="18" charset="0"/>
-              </a:rPr>
-            </a:br>
-            <a:r>
-              <a:rPr lang="ru-RU" sz="1600" dirty="0">
-                <a:latin typeface="Times New Roman" panose="02020603050405020304" pitchFamily="18" charset="0"/>
-                <a:cs typeface="Times New Roman" panose="02020603050405020304" pitchFamily="18" charset="0"/>
-              </a:rPr>
-              <a:t/>
-            </a:r>
-            <a:br>
-              <a:rPr lang="ru-RU" sz="1600" dirty="0">
-                <a:latin typeface="Times New Roman" panose="02020603050405020304" pitchFamily="18" charset="0"/>
-                <a:cs typeface="Times New Roman" panose="02020603050405020304" pitchFamily="18" charset="0"/>
-              </a:rPr>
-            </a:br>
-            <a:r>
-              <a:rPr lang="ru-RU" sz="1600" b="1" dirty="0">
-                <a:latin typeface="Times New Roman" panose="02020603050405020304" pitchFamily="18" charset="0"/>
-                <a:cs typeface="Times New Roman" panose="02020603050405020304" pitchFamily="18" charset="0"/>
-              </a:rPr>
-              <a:t>Объекты проектирования</a:t>
-            </a:r>
-            <a:r>
-              <a:rPr lang="ru-RU" sz="1600" dirty="0">
-                <a:latin typeface="Times New Roman" panose="02020603050405020304" pitchFamily="18" charset="0"/>
-                <a:cs typeface="Times New Roman" panose="02020603050405020304" pitchFamily="18" charset="0"/>
-              </a:rPr>
-              <a:t>: </a:t>
-            </a:r>
-            <a:br>
-              <a:rPr lang="ru-RU" sz="1600" dirty="0">
-                <a:latin typeface="Times New Roman" panose="02020603050405020304" pitchFamily="18" charset="0"/>
-                <a:cs typeface="Times New Roman" panose="02020603050405020304" pitchFamily="18" charset="0"/>
-              </a:rPr>
-            </a:br>
-            <a:r>
-              <a:rPr lang="ru-RU" sz="1600" dirty="0">
-                <a:latin typeface="Times New Roman" panose="02020603050405020304" pitchFamily="18" charset="0"/>
-                <a:cs typeface="Times New Roman" panose="02020603050405020304" pitchFamily="18" charset="0"/>
-              </a:rPr>
-              <a:t/>
-            </a:r>
-            <a:br>
-              <a:rPr lang="ru-RU" sz="1600" dirty="0">
-                <a:latin typeface="Times New Roman" panose="02020603050405020304" pitchFamily="18" charset="0"/>
-                <a:cs typeface="Times New Roman" panose="02020603050405020304" pitchFamily="18" charset="0"/>
-              </a:rPr>
-            </a:br>
-            <a:r>
-              <a:rPr lang="ru-RU" sz="1600" dirty="0">
-                <a:latin typeface="Times New Roman" panose="02020603050405020304" pitchFamily="18" charset="0"/>
-                <a:cs typeface="Times New Roman" panose="02020603050405020304" pitchFamily="18" charset="0"/>
-              </a:rPr>
-              <a:t>1) объекты материальной природы (например, объектом проектирования может быть создание новой точки общественного питания или создание новых элементов компьютера); в результате реализации проекта появляется новый объект, вещь, предмет; вместе с тем проектироваться могут новые свойства – назначения и функции старой вещи; подобные объекты чаще связаны с техническим проектированием; </a:t>
-            </a:r>
-            <a:br>
-              <a:rPr lang="ru-RU" sz="1600" dirty="0">
-                <a:latin typeface="Times New Roman" panose="02020603050405020304" pitchFamily="18" charset="0"/>
-                <a:cs typeface="Times New Roman" panose="02020603050405020304" pitchFamily="18" charset="0"/>
-              </a:rPr>
-            </a:br>
-            <a:r>
-              <a:rPr lang="ru-RU" sz="1600" dirty="0">
-                <a:latin typeface="Times New Roman" panose="02020603050405020304" pitchFamily="18" charset="0"/>
-                <a:cs typeface="Times New Roman" panose="02020603050405020304" pitchFamily="18" charset="0"/>
-              </a:rPr>
-              <a:t/>
-            </a:r>
-            <a:br>
-              <a:rPr lang="ru-RU" sz="1600" dirty="0">
-                <a:latin typeface="Times New Roman" panose="02020603050405020304" pitchFamily="18" charset="0"/>
-                <a:cs typeface="Times New Roman" panose="02020603050405020304" pitchFamily="18" charset="0"/>
-              </a:rPr>
-            </a:br>
-            <a:r>
-              <a:rPr lang="ru-RU" sz="1600" dirty="0">
-                <a:latin typeface="Times New Roman" panose="02020603050405020304" pitchFamily="18" charset="0"/>
-                <a:cs typeface="Times New Roman" panose="02020603050405020304" pitchFamily="18" charset="0"/>
-              </a:rPr>
-              <a:t>2) нематериальные (не вещные) свойства и отношения (например, есть такие проекты, которые направлены не на достижение материального результата, а на получение информации о клиентах, изменение нашего отношения к той или иной проблеме).</a:t>
-            </a:r>
-          </a:p>
-        </p:txBody>
-      </p:sp>
-      <p:sp>
-        <p:nvSpPr>
           <p:cNvPr id="4" name="TextBox 3"/>
           <p:cNvSpPr txBox="1"/>
           <p:nvPr/>
@@ -10305,7 +8955,7 @@
               <a:rPr lang="ru-RU" sz="2100" dirty="0" smtClean="0">
                 <a:latin typeface="Bookman Old Style" panose="02050604050505020204" pitchFamily="18" charset="0"/>
               </a:rPr>
-              <a:t>Основные определения</a:t>
+              <a:t>Структурные составляющие проекта</a:t>
             </a:r>
             <a:endParaRPr lang="ru-RU" sz="2100" dirty="0">
               <a:latin typeface="Bookman Old Style" panose="02050604050505020204" pitchFamily="18" charset="0"/>
@@ -10442,7 +9092,7 @@
           <a:p>
             <a:pPr algn="ctr"/>
             <a:fld id="{C16716D8-33A6-4CD7-92A8-E4A7CF52C18D}" type="slidenum">
-              <a:rPr lang="ru-RU">
+              <a:rPr lang="ru-RU" smtClean="0">
                 <a:solidFill>
                   <a:schemeClr val="accent1">
                     <a:lumMod val="75000"/>
@@ -10454,13 +9104,13 @@
               <a:t>8</a:t>
             </a:fld>
             <a:r>
-              <a:rPr lang="ru-RU" dirty="0">
+              <a:rPr lang="ru-RU" dirty="0" smtClean="0">
                 <a:latin typeface="Bookman Old Style" panose="02050604050505020204" pitchFamily="18" charset="0"/>
               </a:rPr>
               <a:t>/</a:t>
             </a:r>
             <a:r>
-              <a:rPr lang="ru-RU" dirty="0">
+              <a:rPr lang="ru-RU" dirty="0" smtClean="0">
                 <a:solidFill>
                   <a:schemeClr val="tx2">
                     <a:lumMod val="50000"/>
@@ -10468,8 +9118,16 @@
                 </a:solidFill>
                 <a:latin typeface="Bookman Old Style" panose="02050604050505020204" pitchFamily="18" charset="0"/>
               </a:rPr>
-              <a:t>15</a:t>
-            </a:r>
+              <a:t>13</a:t>
+            </a:r>
+            <a:endParaRPr lang="ru-RU" dirty="0">
+              <a:solidFill>
+                <a:schemeClr val="tx2">
+                  <a:lumMod val="50000"/>
+                </a:schemeClr>
+              </a:solidFill>
+              <a:latin typeface="Bookman Old Style" panose="02050604050505020204" pitchFamily="18" charset="0"/>
+            </a:endParaRPr>
           </a:p>
         </p:txBody>
       </p:sp>
@@ -10513,6 +9171,362 @@
             </a:r>
             <a:endParaRPr lang="ru-RU" sz="1500" dirty="0">
               <a:latin typeface="Bookman Old Style" panose="02050604050505020204" pitchFamily="18" charset="0"/>
+            </a:endParaRPr>
+          </a:p>
+        </p:txBody>
+      </p:sp>
+      <p:sp>
+        <p:nvSpPr>
+          <p:cNvPr id="11" name="Прямоугольник 10"/>
+          <p:cNvSpPr/>
+          <p:nvPr/>
+        </p:nvSpPr>
+        <p:spPr>
+          <a:xfrm>
+            <a:off x="4871864" y="565754"/>
+            <a:ext cx="2448272" cy="338554"/>
+          </a:xfrm>
+          <a:prstGeom prst="rect">
+            <a:avLst/>
+          </a:prstGeom>
+        </p:spPr>
+        <p:txBody>
+          <a:bodyPr wrap="square">
+            <a:spAutoFit/>
+          </a:bodyPr>
+          <a:lstStyle/>
+          <a:p>
+            <a:r>
+              <a:rPr lang="ru-RU" sz="1600" b="1" i="1" dirty="0" smtClean="0">
+                <a:latin typeface="Times New Roman" panose="02020603050405020304" pitchFamily="18" charset="0"/>
+                <a:cs typeface="Times New Roman" panose="02020603050405020304" pitchFamily="18" charset="0"/>
+              </a:rPr>
+              <a:t>Основные определения</a:t>
+            </a:r>
+            <a:endParaRPr lang="ru-RU" sz="1600" i="1" dirty="0">
+              <a:latin typeface="Times New Roman" panose="02020603050405020304" pitchFamily="18" charset="0"/>
+              <a:cs typeface="Times New Roman" panose="02020603050405020304" pitchFamily="18" charset="0"/>
+            </a:endParaRPr>
+          </a:p>
+        </p:txBody>
+      </p:sp>
+      <p:sp>
+        <p:nvSpPr>
+          <p:cNvPr id="12" name="Прямоугольник 11"/>
+          <p:cNvSpPr/>
+          <p:nvPr/>
+        </p:nvSpPr>
+        <p:spPr>
+          <a:xfrm>
+            <a:off x="-348" y="1105126"/>
+            <a:ext cx="6096000" cy="5016758"/>
+          </a:xfrm>
+          <a:prstGeom prst="rect">
+            <a:avLst/>
+          </a:prstGeom>
+        </p:spPr>
+        <p:txBody>
+          <a:bodyPr wrap="square">
+            <a:spAutoFit/>
+          </a:bodyPr>
+          <a:lstStyle/>
+          <a:p>
+            <a:r>
+              <a:rPr lang="ru-RU" sz="1600" b="1" dirty="0">
+                <a:latin typeface="Times New Roman" panose="02020603050405020304" pitchFamily="18" charset="0"/>
+                <a:cs typeface="Times New Roman" panose="02020603050405020304" pitchFamily="18" charset="0"/>
+              </a:rPr>
+              <a:t>Структура проекта </a:t>
+            </a:r>
+            <a:r>
+              <a:rPr lang="ru-RU" sz="1600" dirty="0">
+                <a:latin typeface="Times New Roman" panose="02020603050405020304" pitchFamily="18" charset="0"/>
+                <a:cs typeface="Times New Roman" panose="02020603050405020304" pitchFamily="18" charset="0"/>
+              </a:rPr>
+              <a:t>– это совокупность взаимосвязанных элементов и процессов проекта, представленных с различной степенью детализации. </a:t>
+            </a:r>
+            <a:endParaRPr lang="ru-RU" sz="1600" dirty="0" smtClean="0">
+              <a:latin typeface="Times New Roman" panose="02020603050405020304" pitchFamily="18" charset="0"/>
+              <a:cs typeface="Times New Roman" panose="02020603050405020304" pitchFamily="18" charset="0"/>
+            </a:endParaRPr>
+          </a:p>
+          <a:p>
+            <a:r>
+              <a:rPr lang="ru-RU" sz="1600" b="1" dirty="0" smtClean="0">
+                <a:latin typeface="Times New Roman" panose="02020603050405020304" pitchFamily="18" charset="0"/>
+                <a:cs typeface="Times New Roman" panose="02020603050405020304" pitchFamily="18" charset="0"/>
+              </a:rPr>
+              <a:t>Сетевая </a:t>
+            </a:r>
+            <a:r>
+              <a:rPr lang="ru-RU" sz="1600" b="1" dirty="0">
+                <a:latin typeface="Times New Roman" panose="02020603050405020304" pitchFamily="18" charset="0"/>
+                <a:cs typeface="Times New Roman" panose="02020603050405020304" pitchFamily="18" charset="0"/>
+              </a:rPr>
+              <a:t>диаграмма </a:t>
+            </a:r>
+            <a:r>
+              <a:rPr lang="ru-RU" sz="1600" dirty="0">
+                <a:latin typeface="Times New Roman" panose="02020603050405020304" pitchFamily="18" charset="0"/>
+                <a:cs typeface="Times New Roman" panose="02020603050405020304" pitchFamily="18" charset="0"/>
+              </a:rPr>
+              <a:t>(сеть, граф сети, PERT-диаграмма) – графическое отображение работ проекта и зависимостей между ними. </a:t>
+            </a:r>
+            <a:endParaRPr lang="ru-RU" sz="1600" dirty="0" smtClean="0">
+              <a:latin typeface="Times New Roman" panose="02020603050405020304" pitchFamily="18" charset="0"/>
+              <a:cs typeface="Times New Roman" panose="02020603050405020304" pitchFamily="18" charset="0"/>
+            </a:endParaRPr>
+          </a:p>
+          <a:p>
+            <a:r>
+              <a:rPr lang="ru-RU" sz="1600" b="1" dirty="0" smtClean="0">
+                <a:latin typeface="Times New Roman" panose="02020603050405020304" pitchFamily="18" charset="0"/>
+                <a:cs typeface="Times New Roman" panose="02020603050405020304" pitchFamily="18" charset="0"/>
+              </a:rPr>
+              <a:t>Сеть</a:t>
+            </a:r>
+            <a:r>
+              <a:rPr lang="ru-RU" sz="1600" dirty="0" smtClean="0">
+                <a:latin typeface="Times New Roman" panose="02020603050405020304" pitchFamily="18" charset="0"/>
+                <a:cs typeface="Times New Roman" panose="02020603050405020304" pitchFamily="18" charset="0"/>
+              </a:rPr>
+              <a:t> </a:t>
+            </a:r>
+            <a:r>
+              <a:rPr lang="ru-RU" sz="1600" dirty="0">
+                <a:latin typeface="Times New Roman" panose="02020603050405020304" pitchFamily="18" charset="0"/>
+                <a:cs typeface="Times New Roman" panose="02020603050405020304" pitchFamily="18" charset="0"/>
+              </a:rPr>
+              <a:t>– это полный комплекс работ и вех проекта с установленными между ними зависимостями</a:t>
+            </a:r>
+            <a:r>
+              <a:rPr lang="ru-RU" sz="1600" dirty="0" smtClean="0">
+                <a:latin typeface="Times New Roman" panose="02020603050405020304" pitchFamily="18" charset="0"/>
+                <a:cs typeface="Times New Roman" panose="02020603050405020304" pitchFamily="18" charset="0"/>
+              </a:rPr>
+              <a:t>.</a:t>
+            </a:r>
+          </a:p>
+          <a:p>
+            <a:r>
+              <a:rPr lang="ru-RU" sz="1600" b="1" dirty="0">
+                <a:latin typeface="Times New Roman" panose="02020603050405020304" pitchFamily="18" charset="0"/>
+                <a:cs typeface="Times New Roman" panose="02020603050405020304" pitchFamily="18" charset="0"/>
+              </a:rPr>
+              <a:t>Дерево целей </a:t>
+            </a:r>
+            <a:r>
+              <a:rPr lang="ru-RU" sz="1600" dirty="0">
+                <a:latin typeface="Times New Roman" panose="02020603050405020304" pitchFamily="18" charset="0"/>
+                <a:cs typeface="Times New Roman" panose="02020603050405020304" pitchFamily="18" charset="0"/>
+              </a:rPr>
+              <a:t>– граф, схема, показывающие, как генеральная цель проекта разбивается на подцели последующих уровней. </a:t>
+            </a:r>
+            <a:endParaRPr lang="ru-RU" sz="1600" dirty="0" smtClean="0">
+              <a:latin typeface="Times New Roman" panose="02020603050405020304" pitchFamily="18" charset="0"/>
+              <a:cs typeface="Times New Roman" panose="02020603050405020304" pitchFamily="18" charset="0"/>
+            </a:endParaRPr>
+          </a:p>
+          <a:p>
+            <a:r>
+              <a:rPr lang="ru-RU" sz="1600" b="1" dirty="0" smtClean="0">
+                <a:latin typeface="Times New Roman" panose="02020603050405020304" pitchFamily="18" charset="0"/>
+                <a:cs typeface="Times New Roman" panose="02020603050405020304" pitchFamily="18" charset="0"/>
+              </a:rPr>
+              <a:t>Дерево </a:t>
+            </a:r>
+            <a:r>
+              <a:rPr lang="ru-RU" sz="1600" b="1" dirty="0">
+                <a:latin typeface="Times New Roman" panose="02020603050405020304" pitchFamily="18" charset="0"/>
+                <a:cs typeface="Times New Roman" panose="02020603050405020304" pitchFamily="18" charset="0"/>
+              </a:rPr>
+              <a:t>решений </a:t>
+            </a:r>
+            <a:r>
+              <a:rPr lang="ru-RU" sz="1600" dirty="0">
+                <a:latin typeface="Times New Roman" panose="02020603050405020304" pitchFamily="18" charset="0"/>
+                <a:cs typeface="Times New Roman" panose="02020603050405020304" pitchFamily="18" charset="0"/>
+              </a:rPr>
+              <a:t>– граф, схема, отражающие структуру задачи оптимизации многошагового процесса. </a:t>
+            </a:r>
+            <a:endParaRPr lang="ru-RU" sz="1600" dirty="0" smtClean="0">
+              <a:latin typeface="Times New Roman" panose="02020603050405020304" pitchFamily="18" charset="0"/>
+              <a:cs typeface="Times New Roman" panose="02020603050405020304" pitchFamily="18" charset="0"/>
+            </a:endParaRPr>
+          </a:p>
+          <a:p>
+            <a:r>
+              <a:rPr lang="ru-RU" sz="1600" b="1" dirty="0" smtClean="0">
+                <a:latin typeface="Times New Roman" panose="02020603050405020304" pitchFamily="18" charset="0"/>
+                <a:cs typeface="Times New Roman" panose="02020603050405020304" pitchFamily="18" charset="0"/>
+              </a:rPr>
+              <a:t>Проблема</a:t>
+            </a:r>
+            <a:r>
+              <a:rPr lang="ru-RU" sz="1600" dirty="0" smtClean="0">
+                <a:latin typeface="Times New Roman" panose="02020603050405020304" pitchFamily="18" charset="0"/>
+                <a:cs typeface="Times New Roman" panose="02020603050405020304" pitchFamily="18" charset="0"/>
+              </a:rPr>
+              <a:t> </a:t>
+            </a:r>
+            <a:r>
+              <a:rPr lang="ru-RU" sz="1600" dirty="0" err="1" smtClean="0">
+                <a:latin typeface="Times New Roman" panose="02020603050405020304" pitchFamily="18" charset="0"/>
+                <a:cs typeface="Times New Roman" panose="02020603050405020304" pitchFamily="18" charset="0"/>
+              </a:rPr>
+              <a:t>проблема</a:t>
+            </a:r>
+            <a:r>
+              <a:rPr lang="ru-RU" sz="1600" dirty="0" smtClean="0">
+                <a:latin typeface="Times New Roman" panose="02020603050405020304" pitchFamily="18" charset="0"/>
+                <a:cs typeface="Times New Roman" panose="02020603050405020304" pitchFamily="18" charset="0"/>
+              </a:rPr>
+              <a:t> </a:t>
+            </a:r>
+            <a:r>
+              <a:rPr lang="ru-RU" sz="1600" dirty="0">
+                <a:latin typeface="Times New Roman" panose="02020603050405020304" pitchFamily="18" charset="0"/>
+                <a:cs typeface="Times New Roman" panose="02020603050405020304" pitchFamily="18" charset="0"/>
+              </a:rPr>
+              <a:t>есть нечто брошенное, выдвинутое вперед; 2) проблема – это препятствие, затруднение. </a:t>
+            </a:r>
+            <a:endParaRPr lang="ru-RU" sz="1600" dirty="0" smtClean="0">
+              <a:latin typeface="Times New Roman" panose="02020603050405020304" pitchFamily="18" charset="0"/>
+              <a:cs typeface="Times New Roman" panose="02020603050405020304" pitchFamily="18" charset="0"/>
+            </a:endParaRPr>
+          </a:p>
+          <a:p>
+            <a:r>
+              <a:rPr lang="ru-RU" sz="1600" b="1" dirty="0" smtClean="0">
+                <a:latin typeface="Times New Roman" panose="02020603050405020304" pitchFamily="18" charset="0"/>
+                <a:cs typeface="Times New Roman" panose="02020603050405020304" pitchFamily="18" charset="0"/>
+              </a:rPr>
+              <a:t>Цель</a:t>
+            </a:r>
+            <a:r>
+              <a:rPr lang="ru-RU" sz="1600" dirty="0" smtClean="0">
+                <a:latin typeface="Times New Roman" panose="02020603050405020304" pitchFamily="18" charset="0"/>
+                <a:cs typeface="Times New Roman" panose="02020603050405020304" pitchFamily="18" charset="0"/>
+              </a:rPr>
+              <a:t> </a:t>
+            </a:r>
+            <a:r>
+              <a:rPr lang="ru-RU" sz="1600" dirty="0">
+                <a:latin typeface="Times New Roman" panose="02020603050405020304" pitchFamily="18" charset="0"/>
+                <a:cs typeface="Times New Roman" panose="02020603050405020304" pitchFamily="18" charset="0"/>
+              </a:rPr>
+              <a:t>– это конечный результат, на который преднамеренно направлен процесс; «доведение возможности до её полного завершения» (ЧТО мы хотим сделать?). </a:t>
+            </a:r>
+            <a:endParaRPr lang="ru-RU" sz="1600" dirty="0" smtClean="0">
+              <a:latin typeface="Times New Roman" panose="02020603050405020304" pitchFamily="18" charset="0"/>
+              <a:cs typeface="Times New Roman" panose="02020603050405020304" pitchFamily="18" charset="0"/>
+            </a:endParaRPr>
+          </a:p>
+          <a:p>
+            <a:r>
+              <a:rPr lang="ru-RU" sz="1600" b="1" dirty="0" smtClean="0">
+                <a:latin typeface="Times New Roman" panose="02020603050405020304" pitchFamily="18" charset="0"/>
+                <a:cs typeface="Times New Roman" panose="02020603050405020304" pitchFamily="18" charset="0"/>
+              </a:rPr>
+              <a:t>Задачи</a:t>
+            </a:r>
+            <a:r>
+              <a:rPr lang="ru-RU" sz="1600" dirty="0" smtClean="0">
+                <a:latin typeface="Times New Roman" panose="02020603050405020304" pitchFamily="18" charset="0"/>
+                <a:cs typeface="Times New Roman" panose="02020603050405020304" pitchFamily="18" charset="0"/>
+              </a:rPr>
+              <a:t> </a:t>
+            </a:r>
+            <a:r>
+              <a:rPr lang="ru-RU" sz="1600" dirty="0">
+                <a:latin typeface="Times New Roman" panose="02020603050405020304" pitchFamily="18" charset="0"/>
+                <a:cs typeface="Times New Roman" panose="02020603050405020304" pitchFamily="18" charset="0"/>
+              </a:rPr>
+              <a:t>– это серия достижений, направленных на решение сформулированных проблем и осуществление поставленной цели (КАК мы будем это делать?). </a:t>
+            </a:r>
+          </a:p>
+        </p:txBody>
+      </p:sp>
+      <p:pic>
+        <p:nvPicPr>
+          <p:cNvPr id="2050" name="Picture 2" descr="Что такое дерево решений - Системный Блокъ"/>
+          <p:cNvPicPr>
+            <a:picLocks noChangeAspect="1" noChangeArrowheads="1"/>
+          </p:cNvPicPr>
+          <p:nvPr/>
+        </p:nvPicPr>
+        <p:blipFill>
+          <a:blip r:embed="rId2" cstate="print">
+            <a:extLst>
+              <a:ext uri="{28A0092B-C50C-407E-A947-70E740481C1C}">
+                <a14:useLocalDpi xmlns:a14="http://schemas.microsoft.com/office/drawing/2010/main" val="0"/>
+              </a:ext>
+            </a:extLst>
+          </a:blip>
+          <a:srcRect/>
+          <a:stretch>
+            <a:fillRect/>
+          </a:stretch>
+        </p:blipFill>
+        <p:spPr bwMode="auto">
+          <a:xfrm>
+            <a:off x="6691442" y="1160322"/>
+            <a:ext cx="5337163" cy="3689314"/>
+          </a:xfrm>
+          <a:prstGeom prst="rect">
+            <a:avLst/>
+          </a:prstGeom>
+          <a:noFill/>
+          <a:extLst>
+            <a:ext uri="{909E8E84-426E-40DD-AFC4-6F175D3DCCD1}">
+              <a14:hiddenFill xmlns:a14="http://schemas.microsoft.com/office/drawing/2010/main">
+                <a:solidFill>
+                  <a:srgbClr val="FFFFFF"/>
+                </a:solidFill>
+              </a14:hiddenFill>
+            </a:ext>
+          </a:extLst>
+        </p:spPr>
+      </p:pic>
+      <p:sp>
+        <p:nvSpPr>
+          <p:cNvPr id="15" name="Прямоугольник 14"/>
+          <p:cNvSpPr/>
+          <p:nvPr/>
+        </p:nvSpPr>
+        <p:spPr>
+          <a:xfrm>
+            <a:off x="6364653" y="5334598"/>
+            <a:ext cx="5663952" cy="338554"/>
+          </a:xfrm>
+          <a:prstGeom prst="rect">
+            <a:avLst/>
+          </a:prstGeom>
+        </p:spPr>
+        <p:txBody>
+          <a:bodyPr wrap="square">
+            <a:spAutoFit/>
+          </a:bodyPr>
+          <a:lstStyle/>
+          <a:p>
+            <a:pPr algn="ctr"/>
+            <a:r>
+              <a:rPr lang="ru-RU" sz="1600" i="1" dirty="0" smtClean="0">
+                <a:latin typeface="Times New Roman" panose="02020603050405020304" pitchFamily="18" charset="0"/>
+                <a:cs typeface="Times New Roman" panose="02020603050405020304" pitchFamily="18" charset="0"/>
+              </a:rPr>
+              <a:t>Рис. 3 </a:t>
+            </a:r>
+            <a:r>
+              <a:rPr lang="ru-RU" sz="1600" dirty="0" smtClean="0">
+                <a:latin typeface="Times New Roman" panose="02020603050405020304" pitchFamily="18" charset="0"/>
+                <a:cs typeface="Times New Roman" panose="02020603050405020304" pitchFamily="18" charset="0"/>
+              </a:rPr>
+              <a:t>–  Пример дерева решений</a:t>
+            </a:r>
+            <a:endParaRPr lang="ru-RU" sz="1600" dirty="0">
+              <a:latin typeface="Times New Roman" panose="02020603050405020304" pitchFamily="18" charset="0"/>
+              <a:cs typeface="Times New Roman" panose="02020603050405020304" pitchFamily="18" charset="0"/>
             </a:endParaRPr>
           </a:p>
         </p:txBody>
@@ -10556,277 +9570,6 @@
       </p:grpSpPr>
       <p:sp>
         <p:nvSpPr>
-          <p:cNvPr id="2" name="Заголовок 1"/>
-          <p:cNvSpPr>
-            <a:spLocks noGrp="1"/>
-          </p:cNvSpPr>
-          <p:nvPr>
-            <p:ph type="ctrTitle"/>
-          </p:nvPr>
-        </p:nvSpPr>
-        <p:spPr>
-          <a:xfrm>
-            <a:off x="119336" y="1296323"/>
-            <a:ext cx="11809312" cy="4455005"/>
-          </a:xfrm>
-        </p:spPr>
-        <p:txBody>
-          <a:bodyPr>
-            <a:noAutofit/>
-          </a:bodyPr>
-          <a:lstStyle/>
-          <a:p>
-            <a:pPr algn="l"/>
-            <a:r>
-              <a:rPr lang="ru-RU" sz="1600" b="1" dirty="0">
-                <a:latin typeface="Times New Roman" panose="02020603050405020304" pitchFamily="18" charset="0"/>
-                <a:cs typeface="Times New Roman" panose="02020603050405020304" pitchFamily="18" charset="0"/>
-              </a:rPr>
-              <a:t>Проект </a:t>
-            </a:r>
-            <a:r>
-              <a:rPr lang="ru-RU" sz="1600" dirty="0">
-                <a:latin typeface="Times New Roman" panose="02020603050405020304" pitchFamily="18" charset="0"/>
-                <a:cs typeface="Times New Roman" panose="02020603050405020304" pitchFamily="18" charset="0"/>
-              </a:rPr>
-              <a:t>(англ. </a:t>
-            </a:r>
-            <a:r>
-              <a:rPr lang="ru-RU" sz="1600" dirty="0" err="1">
-                <a:latin typeface="Times New Roman" panose="02020603050405020304" pitchFamily="18" charset="0"/>
-                <a:cs typeface="Times New Roman" panose="02020603050405020304" pitchFamily="18" charset="0"/>
-              </a:rPr>
-              <a:t>design</a:t>
-            </a:r>
-            <a:r>
-              <a:rPr lang="ru-RU" sz="1600" dirty="0">
-                <a:latin typeface="Times New Roman" panose="02020603050405020304" pitchFamily="18" charset="0"/>
-                <a:cs typeface="Times New Roman" panose="02020603050405020304" pitchFamily="18" charset="0"/>
-              </a:rPr>
-              <a:t>) – это работы, планы, мероприятия и другие задачи, направленные на создание уникального продукта (устройства, работы, услуги). </a:t>
-            </a:r>
-            <a:br>
-              <a:rPr lang="ru-RU" sz="1600" dirty="0">
-                <a:latin typeface="Times New Roman" panose="02020603050405020304" pitchFamily="18" charset="0"/>
-                <a:cs typeface="Times New Roman" panose="02020603050405020304" pitchFamily="18" charset="0"/>
-              </a:rPr>
-            </a:br>
-            <a:r>
-              <a:rPr lang="ru-RU" sz="1600" dirty="0">
-                <a:latin typeface="Times New Roman" panose="02020603050405020304" pitchFamily="18" charset="0"/>
-                <a:cs typeface="Times New Roman" panose="02020603050405020304" pitchFamily="18" charset="0"/>
-              </a:rPr>
-              <a:t/>
-            </a:r>
-            <a:br>
-              <a:rPr lang="ru-RU" sz="1600" dirty="0">
-                <a:latin typeface="Times New Roman" panose="02020603050405020304" pitchFamily="18" charset="0"/>
-                <a:cs typeface="Times New Roman" panose="02020603050405020304" pitchFamily="18" charset="0"/>
-              </a:rPr>
-            </a:br>
-            <a:r>
-              <a:rPr lang="ru-RU" sz="1600" b="1" dirty="0">
-                <a:latin typeface="Times New Roman" panose="02020603050405020304" pitchFamily="18" charset="0"/>
-                <a:cs typeface="Times New Roman" panose="02020603050405020304" pitchFamily="18" charset="0"/>
-              </a:rPr>
-              <a:t>Проектная деятельность – </a:t>
-            </a:r>
-            <a:r>
-              <a:rPr lang="ru-RU" sz="1600" dirty="0">
-                <a:latin typeface="Times New Roman" panose="02020603050405020304" pitchFamily="18" charset="0"/>
-                <a:cs typeface="Times New Roman" panose="02020603050405020304" pitchFamily="18" charset="0"/>
-              </a:rPr>
-              <a:t>это совокупность действий, направленных на решение конкретной задачи в рамках проекта, ограниченного целевой установкой, сроками и достигнутыми результатами (или продуктами). </a:t>
-            </a:r>
-            <a:br>
-              <a:rPr lang="ru-RU" sz="1600" dirty="0">
-                <a:latin typeface="Times New Roman" panose="02020603050405020304" pitchFamily="18" charset="0"/>
-                <a:cs typeface="Times New Roman" panose="02020603050405020304" pitchFamily="18" charset="0"/>
-              </a:rPr>
-            </a:br>
-            <a:r>
-              <a:rPr lang="ru-RU" sz="1600" dirty="0">
-                <a:latin typeface="Times New Roman" panose="02020603050405020304" pitchFamily="18" charset="0"/>
-                <a:cs typeface="Times New Roman" panose="02020603050405020304" pitchFamily="18" charset="0"/>
-              </a:rPr>
-              <a:t/>
-            </a:r>
-            <a:br>
-              <a:rPr lang="ru-RU" sz="1600" dirty="0">
-                <a:latin typeface="Times New Roman" panose="02020603050405020304" pitchFamily="18" charset="0"/>
-                <a:cs typeface="Times New Roman" panose="02020603050405020304" pitchFamily="18" charset="0"/>
-              </a:rPr>
-            </a:br>
-            <a:r>
-              <a:rPr lang="ru-RU" sz="1600" b="1" dirty="0">
-                <a:latin typeface="Times New Roman" panose="02020603050405020304" pitchFamily="18" charset="0"/>
-                <a:cs typeface="Times New Roman" panose="02020603050405020304" pitchFamily="18" charset="0"/>
-              </a:rPr>
-              <a:t>Проблема </a:t>
-            </a:r>
-            <a:r>
-              <a:rPr lang="ru-RU" sz="1600" dirty="0">
-                <a:latin typeface="Times New Roman" panose="02020603050405020304" pitchFamily="18" charset="0"/>
-                <a:cs typeface="Times New Roman" panose="02020603050405020304" pitchFamily="18" charset="0"/>
-              </a:rPr>
-              <a:t>– это сложный вопрос, требующий решения (расстояние между состояниями «Хочу» и «Могу»). </a:t>
-            </a:r>
-            <a:br>
-              <a:rPr lang="ru-RU" sz="1600" dirty="0">
-                <a:latin typeface="Times New Roman" panose="02020603050405020304" pitchFamily="18" charset="0"/>
-                <a:cs typeface="Times New Roman" panose="02020603050405020304" pitchFamily="18" charset="0"/>
-              </a:rPr>
-            </a:br>
-            <a:r>
-              <a:rPr lang="ru-RU" sz="1600" dirty="0">
-                <a:latin typeface="Times New Roman" panose="02020603050405020304" pitchFamily="18" charset="0"/>
-                <a:cs typeface="Times New Roman" panose="02020603050405020304" pitchFamily="18" charset="0"/>
-              </a:rPr>
-              <a:t/>
-            </a:r>
-            <a:br>
-              <a:rPr lang="ru-RU" sz="1600" dirty="0">
-                <a:latin typeface="Times New Roman" panose="02020603050405020304" pitchFamily="18" charset="0"/>
-                <a:cs typeface="Times New Roman" panose="02020603050405020304" pitchFamily="18" charset="0"/>
-              </a:rPr>
-            </a:br>
-            <a:r>
-              <a:rPr lang="ru-RU" sz="1600" b="1" dirty="0">
-                <a:latin typeface="Times New Roman" panose="02020603050405020304" pitchFamily="18" charset="0"/>
-                <a:cs typeface="Times New Roman" panose="02020603050405020304" pitchFamily="18" charset="0"/>
-              </a:rPr>
-              <a:t>Идея </a:t>
-            </a:r>
-            <a:r>
-              <a:rPr lang="ru-RU" sz="1600" dirty="0">
-                <a:latin typeface="Times New Roman" panose="02020603050405020304" pitchFamily="18" charset="0"/>
-                <a:cs typeface="Times New Roman" panose="02020603050405020304" pitchFamily="18" charset="0"/>
-              </a:rPr>
-              <a:t>– это мысль, переходящая в действие. В данном случае идея должна быть уникальной для той среды, в которой планируется реализация проекта. </a:t>
-            </a:r>
-            <a:br>
-              <a:rPr lang="ru-RU" sz="1600" dirty="0">
-                <a:latin typeface="Times New Roman" panose="02020603050405020304" pitchFamily="18" charset="0"/>
-                <a:cs typeface="Times New Roman" panose="02020603050405020304" pitchFamily="18" charset="0"/>
-              </a:rPr>
-            </a:br>
-            <a:r>
-              <a:rPr lang="ru-RU" sz="1600" dirty="0">
-                <a:latin typeface="Times New Roman" panose="02020603050405020304" pitchFamily="18" charset="0"/>
-                <a:cs typeface="Times New Roman" panose="02020603050405020304" pitchFamily="18" charset="0"/>
-              </a:rPr>
-              <a:t/>
-            </a:r>
-            <a:br>
-              <a:rPr lang="ru-RU" sz="1600" dirty="0">
-                <a:latin typeface="Times New Roman" panose="02020603050405020304" pitchFamily="18" charset="0"/>
-                <a:cs typeface="Times New Roman" panose="02020603050405020304" pitchFamily="18" charset="0"/>
-              </a:rPr>
-            </a:br>
-            <a:r>
-              <a:rPr lang="ru-RU" sz="1600" b="1" dirty="0">
-                <a:latin typeface="Times New Roman" panose="02020603050405020304" pitchFamily="18" charset="0"/>
-                <a:cs typeface="Times New Roman" panose="02020603050405020304" pitchFamily="18" charset="0"/>
-              </a:rPr>
-              <a:t>Субъекты проектирования </a:t>
-            </a:r>
-            <a:r>
-              <a:rPr lang="ru-RU" sz="1600" dirty="0">
-                <a:latin typeface="Times New Roman" panose="02020603050405020304" pitchFamily="18" charset="0"/>
-                <a:cs typeface="Times New Roman" panose="02020603050405020304" pitchFamily="18" charset="0"/>
-              </a:rPr>
-              <a:t>– отдельные личности или организации, коллективы, социальные институты, ставящие своей целью преобразование действительности. </a:t>
-            </a:r>
-            <a:br>
-              <a:rPr lang="ru-RU" sz="1600" dirty="0">
-                <a:latin typeface="Times New Roman" panose="02020603050405020304" pitchFamily="18" charset="0"/>
-                <a:cs typeface="Times New Roman" panose="02020603050405020304" pitchFamily="18" charset="0"/>
-              </a:rPr>
-            </a:br>
-            <a:r>
-              <a:rPr lang="ru-RU" sz="1600" dirty="0">
-                <a:latin typeface="Times New Roman" panose="02020603050405020304" pitchFamily="18" charset="0"/>
-                <a:cs typeface="Times New Roman" panose="02020603050405020304" pitchFamily="18" charset="0"/>
-              </a:rPr>
-              <a:t/>
-            </a:r>
-            <a:br>
-              <a:rPr lang="ru-RU" sz="1600" dirty="0">
-                <a:latin typeface="Times New Roman" panose="02020603050405020304" pitchFamily="18" charset="0"/>
-                <a:cs typeface="Times New Roman" panose="02020603050405020304" pitchFamily="18" charset="0"/>
-              </a:rPr>
-            </a:br>
-            <a:r>
-              <a:rPr lang="ru-RU" sz="1600" b="1" dirty="0">
-                <a:latin typeface="Times New Roman" panose="02020603050405020304" pitchFamily="18" charset="0"/>
-                <a:cs typeface="Times New Roman" panose="02020603050405020304" pitchFamily="18" charset="0"/>
-              </a:rPr>
-              <a:t>Объекты проектирования</a:t>
-            </a:r>
-            <a:r>
-              <a:rPr lang="ru-RU" sz="1600" dirty="0">
-                <a:latin typeface="Times New Roman" panose="02020603050405020304" pitchFamily="18" charset="0"/>
-                <a:cs typeface="Times New Roman" panose="02020603050405020304" pitchFamily="18" charset="0"/>
-              </a:rPr>
-              <a:t>: </a:t>
-            </a:r>
-            <a:br>
-              <a:rPr lang="ru-RU" sz="1600" dirty="0">
-                <a:latin typeface="Times New Roman" panose="02020603050405020304" pitchFamily="18" charset="0"/>
-                <a:cs typeface="Times New Roman" panose="02020603050405020304" pitchFamily="18" charset="0"/>
-              </a:rPr>
-            </a:br>
-            <a:r>
-              <a:rPr lang="ru-RU" sz="1600" dirty="0">
-                <a:latin typeface="Times New Roman" panose="02020603050405020304" pitchFamily="18" charset="0"/>
-                <a:cs typeface="Times New Roman" panose="02020603050405020304" pitchFamily="18" charset="0"/>
-              </a:rPr>
-              <a:t/>
-            </a:r>
-            <a:br>
-              <a:rPr lang="ru-RU" sz="1600" dirty="0">
-                <a:latin typeface="Times New Roman" panose="02020603050405020304" pitchFamily="18" charset="0"/>
-                <a:cs typeface="Times New Roman" panose="02020603050405020304" pitchFamily="18" charset="0"/>
-              </a:rPr>
-            </a:br>
-            <a:r>
-              <a:rPr lang="ru-RU" sz="1600" dirty="0">
-                <a:latin typeface="Times New Roman" panose="02020603050405020304" pitchFamily="18" charset="0"/>
-                <a:cs typeface="Times New Roman" panose="02020603050405020304" pitchFamily="18" charset="0"/>
-              </a:rPr>
-              <a:t>1) объекты материальной природы (например, объектом проектирования может быть создание новой точки общественного питания или создание новых элементов компьютера); в результате реализации проекта появляется новый объект, вещь, предмет; вместе с тем проектироваться могут новые свойства – назначения и функции старой вещи; подобные объекты чаще связаны с техническим проектированием; </a:t>
-            </a:r>
-            <a:br>
-              <a:rPr lang="ru-RU" sz="1600" dirty="0">
-                <a:latin typeface="Times New Roman" panose="02020603050405020304" pitchFamily="18" charset="0"/>
-                <a:cs typeface="Times New Roman" panose="02020603050405020304" pitchFamily="18" charset="0"/>
-              </a:rPr>
-            </a:br>
-            <a:r>
-              <a:rPr lang="ru-RU" sz="1600" dirty="0">
-                <a:latin typeface="Times New Roman" panose="02020603050405020304" pitchFamily="18" charset="0"/>
-                <a:cs typeface="Times New Roman" panose="02020603050405020304" pitchFamily="18" charset="0"/>
-              </a:rPr>
-              <a:t/>
-            </a:r>
-            <a:br>
-              <a:rPr lang="ru-RU" sz="1600" dirty="0">
-                <a:latin typeface="Times New Roman" panose="02020603050405020304" pitchFamily="18" charset="0"/>
-                <a:cs typeface="Times New Roman" panose="02020603050405020304" pitchFamily="18" charset="0"/>
-              </a:rPr>
-            </a:br>
-            <a:r>
-              <a:rPr lang="ru-RU" sz="1600" dirty="0">
-                <a:latin typeface="Times New Roman" panose="02020603050405020304" pitchFamily="18" charset="0"/>
-                <a:cs typeface="Times New Roman" panose="02020603050405020304" pitchFamily="18" charset="0"/>
-              </a:rPr>
-              <a:t>2) нематериальные (не вещные) свойства и отношения (например, есть такие проекты, которые направлены не на достижение материального результата, а на получение информации о клиентах, изменение нашего отношения к той или иной проблеме).</a:t>
-            </a:r>
-          </a:p>
-        </p:txBody>
-      </p:sp>
-      <p:sp>
-        <p:nvSpPr>
           <p:cNvPr id="4" name="TextBox 3"/>
           <p:cNvSpPr txBox="1"/>
           <p:nvPr/>
@@ -10849,10 +9592,10 @@
           <a:p>
             <a:pPr algn="ctr"/>
             <a:r>
-              <a:rPr lang="ru-RU" sz="2100" dirty="0" smtClean="0">
+              <a:rPr lang="ru-RU" sz="2100" dirty="0">
                 <a:latin typeface="Bookman Old Style" panose="02050604050505020204" pitchFamily="18" charset="0"/>
               </a:rPr>
-              <a:t>Основные определения</a:t>
+              <a:t>Структурные составляющие проекта</a:t>
             </a:r>
             <a:endParaRPr lang="ru-RU" sz="2100" dirty="0">
               <a:latin typeface="Bookman Old Style" panose="02050604050505020204" pitchFamily="18" charset="0"/>
@@ -10989,7 +9732,7 @@
           <a:p>
             <a:pPr algn="ctr"/>
             <a:fld id="{C16716D8-33A6-4CD7-92A8-E4A7CF52C18D}" type="slidenum">
-              <a:rPr lang="ru-RU">
+              <a:rPr lang="ru-RU" smtClean="0">
                 <a:solidFill>
                   <a:schemeClr val="accent1">
                     <a:lumMod val="75000"/>
@@ -11001,13 +9744,13 @@
               <a:t>9</a:t>
             </a:fld>
             <a:r>
-              <a:rPr lang="ru-RU" dirty="0">
+              <a:rPr lang="ru-RU" dirty="0" smtClean="0">
                 <a:latin typeface="Bookman Old Style" panose="02050604050505020204" pitchFamily="18" charset="0"/>
               </a:rPr>
               <a:t>/</a:t>
             </a:r>
             <a:r>
-              <a:rPr lang="ru-RU" dirty="0">
+              <a:rPr lang="ru-RU" dirty="0" smtClean="0">
                 <a:solidFill>
                   <a:schemeClr val="tx2">
                     <a:lumMod val="50000"/>
@@ -11015,8 +9758,16 @@
                 </a:solidFill>
                 <a:latin typeface="Bookman Old Style" panose="02050604050505020204" pitchFamily="18" charset="0"/>
               </a:rPr>
-              <a:t>15</a:t>
-            </a:r>
+              <a:t>13</a:t>
+            </a:r>
+            <a:endParaRPr lang="ru-RU" dirty="0">
+              <a:solidFill>
+                <a:schemeClr val="tx2">
+                  <a:lumMod val="50000"/>
+                </a:schemeClr>
+              </a:solidFill>
+              <a:latin typeface="Bookman Old Style" panose="02050604050505020204" pitchFamily="18" charset="0"/>
+            </a:endParaRPr>
           </a:p>
         </p:txBody>
       </p:sp>
@@ -11060,6 +9811,142 @@
             </a:r>
             <a:endParaRPr lang="ru-RU" sz="1500" dirty="0">
               <a:latin typeface="Bookman Old Style" panose="02050604050505020204" pitchFamily="18" charset="0"/>
+            </a:endParaRPr>
+          </a:p>
+        </p:txBody>
+      </p:sp>
+      <p:sp>
+        <p:nvSpPr>
+          <p:cNvPr id="5" name="Прямоугольник 4"/>
+          <p:cNvSpPr/>
+          <p:nvPr/>
+        </p:nvSpPr>
+        <p:spPr>
+          <a:xfrm>
+            <a:off x="119336" y="692696"/>
+            <a:ext cx="11809312" cy="830997"/>
+          </a:xfrm>
+          <a:prstGeom prst="rect">
+            <a:avLst/>
+          </a:prstGeom>
+        </p:spPr>
+        <p:txBody>
+          <a:bodyPr wrap="square">
+            <a:spAutoFit/>
+          </a:bodyPr>
+          <a:lstStyle/>
+          <a:p>
+            <a:r>
+              <a:rPr lang="ru-RU" sz="1600" b="1" dirty="0">
+                <a:latin typeface="Times New Roman" panose="02020603050405020304" pitchFamily="18" charset="0"/>
+                <a:cs typeface="Times New Roman" panose="02020603050405020304" pitchFamily="18" charset="0"/>
+              </a:rPr>
+              <a:t>Сетевой график </a:t>
+            </a:r>
+            <a:r>
+              <a:rPr lang="ru-RU" sz="1600" dirty="0">
+                <a:latin typeface="Times New Roman" panose="02020603050405020304" pitchFamily="18" charset="0"/>
+                <a:cs typeface="Times New Roman" panose="02020603050405020304" pitchFamily="18" charset="0"/>
+              </a:rPr>
+              <a:t>— динамическая модель производственного процесса, отражающая технологическую зависимость и </a:t>
+            </a:r>
+            <a:r>
+              <a:rPr lang="ru-RU" sz="1600" dirty="0" smtClean="0">
+                <a:latin typeface="Times New Roman" panose="02020603050405020304" pitchFamily="18" charset="0"/>
+                <a:cs typeface="Times New Roman" panose="02020603050405020304" pitchFamily="18" charset="0"/>
+              </a:rPr>
+              <a:t>последовательность </a:t>
+            </a:r>
+            <a:r>
+              <a:rPr lang="ru-RU" sz="1600" dirty="0">
+                <a:latin typeface="Times New Roman" panose="02020603050405020304" pitchFamily="18" charset="0"/>
+                <a:cs typeface="Times New Roman" panose="02020603050405020304" pitchFamily="18" charset="0"/>
+              </a:rPr>
+              <a:t>выполнения комплекса работ, связывающая их свершение во времени с учётом затрат ресурсов и стоимости работ с выделением при этом узких (критических) мест.</a:t>
+            </a:r>
+          </a:p>
+        </p:txBody>
+      </p:sp>
+      <p:pic>
+        <p:nvPicPr>
+          <p:cNvPr id="3074" name="Picture 2" descr="Сетевой график работ"/>
+          <p:cNvPicPr>
+            <a:picLocks noChangeAspect="1" noChangeArrowheads="1"/>
+          </p:cNvPicPr>
+          <p:nvPr/>
+        </p:nvPicPr>
+        <p:blipFill>
+          <a:blip r:embed="rId2">
+            <a:extLst>
+              <a:ext uri="{28A0092B-C50C-407E-A947-70E740481C1C}">
+                <a14:useLocalDpi xmlns:a14="http://schemas.microsoft.com/office/drawing/2010/main" val="0"/>
+              </a:ext>
+            </a:extLst>
+          </a:blip>
+          <a:srcRect/>
+          <a:stretch>
+            <a:fillRect/>
+          </a:stretch>
+        </p:blipFill>
+        <p:spPr bwMode="auto">
+          <a:xfrm>
+            <a:off x="3071664" y="2080821"/>
+            <a:ext cx="5057775" cy="2371726"/>
+          </a:xfrm>
+          <a:prstGeom prst="rect">
+            <a:avLst/>
+          </a:prstGeom>
+          <a:noFill/>
+          <a:extLst>
+            <a:ext uri="{909E8E84-426E-40DD-AFC4-6F175D3DCCD1}">
+              <a14:hiddenFill xmlns:a14="http://schemas.microsoft.com/office/drawing/2010/main">
+                <a:solidFill>
+                  <a:srgbClr val="FFFFFF"/>
+                </a:solidFill>
+              </a14:hiddenFill>
+            </a:ext>
+          </a:extLst>
+        </p:spPr>
+      </p:pic>
+      <p:sp>
+        <p:nvSpPr>
+          <p:cNvPr id="15" name="Прямоугольник 14"/>
+          <p:cNvSpPr/>
+          <p:nvPr/>
+        </p:nvSpPr>
+        <p:spPr>
+          <a:xfrm>
+            <a:off x="2768575" y="4471316"/>
+            <a:ext cx="5663952" cy="338554"/>
+          </a:xfrm>
+          <a:prstGeom prst="rect">
+            <a:avLst/>
+          </a:prstGeom>
+        </p:spPr>
+        <p:txBody>
+          <a:bodyPr wrap="square">
+            <a:spAutoFit/>
+          </a:bodyPr>
+          <a:lstStyle/>
+          <a:p>
+            <a:pPr algn="ctr"/>
+            <a:r>
+              <a:rPr lang="ru-RU" sz="1600" i="1" dirty="0" smtClean="0">
+                <a:latin typeface="Times New Roman" panose="02020603050405020304" pitchFamily="18" charset="0"/>
+                <a:cs typeface="Times New Roman" panose="02020603050405020304" pitchFamily="18" charset="0"/>
+              </a:rPr>
+              <a:t>Рис. 4 </a:t>
+            </a:r>
+            <a:r>
+              <a:rPr lang="ru-RU" sz="1600" dirty="0" smtClean="0">
+                <a:latin typeface="Times New Roman" panose="02020603050405020304" pitchFamily="18" charset="0"/>
+                <a:cs typeface="Times New Roman" panose="02020603050405020304" pitchFamily="18" charset="0"/>
+              </a:rPr>
+              <a:t>–  Пример сетевого графика</a:t>
+            </a:r>
+            <a:endParaRPr lang="ru-RU" sz="1600" dirty="0">
+              <a:latin typeface="Times New Roman" panose="02020603050405020304" pitchFamily="18" charset="0"/>
+              <a:cs typeface="Times New Roman" panose="02020603050405020304" pitchFamily="18" charset="0"/>
             </a:endParaRPr>
           </a:p>
         </p:txBody>
